--- a/presentation/skill-hive.pptx
+++ b/presentation/skill-hive.pptx
@@ -10,6 +10,9 @@
     <p:sldId id="258" r:id="rId4"/>
     <p:sldId id="259" r:id="rId5"/>
     <p:sldId id="260" r:id="rId6"/>
+    <p:sldId id="261" r:id="rId7"/>
+    <p:sldId id="262" r:id="rId8"/>
+    <p:sldId id="263" r:id="rId9"/>
   </p:sldIdLst>
   <p:sldSz cx="12192000" cy="6858000"/>
   <p:notesSz cx="6858000" cy="9144000"/>
@@ -108,6 +111,11 @@
       </a:defRPr>
     </a:lvl9pPr>
   </p:defaultTextStyle>
+  <p:extLst>
+    <p:ext uri="{EFAFB233-063F-42B5-8137-9DF3F51BA10A}">
+      <p15:sldGuideLst xmlns:p15="http://schemas.microsoft.com/office/powerpoint/2012/main"/>
+    </p:ext>
+  </p:extLst>
 </p:presentation>
 </file>
 
@@ -260,7 +268,7 @@
           <a:p>
             <a:fld id="{86C18EC8-0CF1-4CBF-B9EF-9C6B84A90029}" type="datetimeFigureOut">
               <a:rPr lang="en-US" smtClean="0"/>
-              <a:t>10/14/2025</a:t>
+              <a:t>10/20/2025</a:t>
             </a:fld>
             <a:endParaRPr lang="en-US"/>
           </a:p>
@@ -460,7 +468,7 @@
           <a:p>
             <a:fld id="{86C18EC8-0CF1-4CBF-B9EF-9C6B84A90029}" type="datetimeFigureOut">
               <a:rPr lang="en-US" smtClean="0"/>
-              <a:t>10/14/2025</a:t>
+              <a:t>10/20/2025</a:t>
             </a:fld>
             <a:endParaRPr lang="en-US"/>
           </a:p>
@@ -670,7 +678,7 @@
           <a:p>
             <a:fld id="{86C18EC8-0CF1-4CBF-B9EF-9C6B84A90029}" type="datetimeFigureOut">
               <a:rPr lang="en-US" smtClean="0"/>
-              <a:t>10/14/2025</a:t>
+              <a:t>10/20/2025</a:t>
             </a:fld>
             <a:endParaRPr lang="en-US"/>
           </a:p>
@@ -870,7 +878,7 @@
           <a:p>
             <a:fld id="{86C18EC8-0CF1-4CBF-B9EF-9C6B84A90029}" type="datetimeFigureOut">
               <a:rPr lang="en-US" smtClean="0"/>
-              <a:t>10/14/2025</a:t>
+              <a:t>10/20/2025</a:t>
             </a:fld>
             <a:endParaRPr lang="en-US"/>
           </a:p>
@@ -1146,7 +1154,7 @@
           <a:p>
             <a:fld id="{86C18EC8-0CF1-4CBF-B9EF-9C6B84A90029}" type="datetimeFigureOut">
               <a:rPr lang="en-US" smtClean="0"/>
-              <a:t>10/14/2025</a:t>
+              <a:t>10/20/2025</a:t>
             </a:fld>
             <a:endParaRPr lang="en-US"/>
           </a:p>
@@ -1414,7 +1422,7 @@
           <a:p>
             <a:fld id="{86C18EC8-0CF1-4CBF-B9EF-9C6B84A90029}" type="datetimeFigureOut">
               <a:rPr lang="en-US" smtClean="0"/>
-              <a:t>10/14/2025</a:t>
+              <a:t>10/20/2025</a:t>
             </a:fld>
             <a:endParaRPr lang="en-US"/>
           </a:p>
@@ -1829,7 +1837,7 @@
           <a:p>
             <a:fld id="{86C18EC8-0CF1-4CBF-B9EF-9C6B84A90029}" type="datetimeFigureOut">
               <a:rPr lang="en-US" smtClean="0"/>
-              <a:t>10/14/2025</a:t>
+              <a:t>10/20/2025</a:t>
             </a:fld>
             <a:endParaRPr lang="en-US"/>
           </a:p>
@@ -1971,7 +1979,7 @@
           <a:p>
             <a:fld id="{86C18EC8-0CF1-4CBF-B9EF-9C6B84A90029}" type="datetimeFigureOut">
               <a:rPr lang="en-US" smtClean="0"/>
-              <a:t>10/14/2025</a:t>
+              <a:t>10/20/2025</a:t>
             </a:fld>
             <a:endParaRPr lang="en-US"/>
           </a:p>
@@ -2084,7 +2092,7 @@
           <a:p>
             <a:fld id="{86C18EC8-0CF1-4CBF-B9EF-9C6B84A90029}" type="datetimeFigureOut">
               <a:rPr lang="en-US" smtClean="0"/>
-              <a:t>10/14/2025</a:t>
+              <a:t>10/20/2025</a:t>
             </a:fld>
             <a:endParaRPr lang="en-US"/>
           </a:p>
@@ -2397,7 +2405,7 @@
           <a:p>
             <a:fld id="{86C18EC8-0CF1-4CBF-B9EF-9C6B84A90029}" type="datetimeFigureOut">
               <a:rPr lang="en-US" smtClean="0"/>
-              <a:t>10/14/2025</a:t>
+              <a:t>10/20/2025</a:t>
             </a:fld>
             <a:endParaRPr lang="en-US"/>
           </a:p>
@@ -2686,7 +2694,7 @@
           <a:p>
             <a:fld id="{86C18EC8-0CF1-4CBF-B9EF-9C6B84A90029}" type="datetimeFigureOut">
               <a:rPr lang="en-US" smtClean="0"/>
-              <a:t>10/14/2025</a:t>
+              <a:t>10/20/2025</a:t>
             </a:fld>
             <a:endParaRPr lang="en-US"/>
           </a:p>
@@ -2929,7 +2937,7 @@
           <a:p>
             <a:fld id="{86C18EC8-0CF1-4CBF-B9EF-9C6B84A90029}" type="datetimeFigureOut">
               <a:rPr lang="en-US" smtClean="0"/>
-              <a:t>10/14/2025</a:t>
+              <a:t>10/20/2025</a:t>
             </a:fld>
             <a:endParaRPr lang="en-US"/>
           </a:p>
@@ -3601,13 +3609,13 @@
   <p:clrMapOvr>
     <a:masterClrMapping/>
   </p:clrMapOvr>
-  <mc:AlternateContent xmlns:mc="http://schemas.openxmlformats.org/markup-compatibility/2006">
-    <mc:Choice xmlns:p159="http://schemas.microsoft.com/office/powerpoint/2015/09/main" Requires="p159">
+  <mc:AlternateContent xmlns:mc="http://schemas.openxmlformats.org/markup-compatibility/2006" xmlns:p159="http://schemas.microsoft.com/office/powerpoint/2015/09/main">
+    <mc:Choice Requires="p159">
       <p:transition xmlns:p14="http://schemas.microsoft.com/office/powerpoint/2010/main" spd="slow" p14:dur="2000">
         <p159:morph option="byObject"/>
       </p:transition>
     </mc:Choice>
-    <mc:Fallback>
+    <mc:Fallback xmlns="">
       <p:transition spd="slow">
         <p:fade/>
       </p:transition>
@@ -3746,6 +3754,117 @@
           </a:p>
         </p:txBody>
       </p:sp>
+      <p:sp>
+        <p:nvSpPr>
+          <p:cNvPr id="2" name="ZoneTexte 1">
+            <a:extLst>
+              <a:ext uri="{FF2B5EF4-FFF2-40B4-BE49-F238E27FC236}">
+                <a16:creationId xmlns:a16="http://schemas.microsoft.com/office/drawing/2014/main" id="{19C6A222-72DD-4865-AC85-661E2966766F}"/>
+              </a:ext>
+            </a:extLst>
+          </p:cNvPr>
+          <p:cNvSpPr txBox="1"/>
+          <p:nvPr/>
+        </p:nvSpPr>
+        <p:spPr>
+          <a:xfrm>
+            <a:off x="1524000" y="3010039"/>
+            <a:ext cx="7602070" cy="1384995"/>
+          </a:xfrm>
+          <a:prstGeom prst="rect">
+            <a:avLst/>
+          </a:prstGeom>
+          <a:noFill/>
+        </p:spPr>
+        <p:txBody>
+          <a:bodyPr wrap="square" rtlCol="0">
+            <a:spAutoFit/>
+          </a:bodyPr>
+          <a:lstStyle/>
+          <a:p>
+            <a:pPr marL="285750" indent="-285750">
+              <a:buFont typeface="Arial" panose="020B0604020202020204" pitchFamily="34" charset="0"/>
+              <a:buChar char="•"/>
+            </a:pPr>
+            <a:r>
+              <a:rPr lang="en-US" sz="2800" dirty="0"/>
+              <a:t>Mahdi Mcheik</a:t>
+            </a:r>
+          </a:p>
+          <a:p>
+            <a:pPr marL="285750" indent="-285750">
+              <a:buFont typeface="Arial" panose="020B0604020202020204" pitchFamily="34" charset="0"/>
+              <a:buChar char="•"/>
+            </a:pPr>
+            <a:r>
+              <a:rPr lang="fr-FR" sz="2800" dirty="0"/>
+              <a:t>Parcours</a:t>
+            </a:r>
+            <a:r>
+              <a:rPr lang="en-US" sz="2800" dirty="0"/>
+              <a:t> </a:t>
+            </a:r>
+            <a:r>
+              <a:rPr lang="fr-FR" sz="2800" dirty="0"/>
+              <a:t>professionnel</a:t>
+            </a:r>
+          </a:p>
+          <a:p>
+            <a:pPr marL="285750" indent="-285750">
+              <a:buFont typeface="Arial" panose="020B0604020202020204" pitchFamily="34" charset="0"/>
+              <a:buChar char="•"/>
+            </a:pPr>
+            <a:r>
+              <a:rPr lang="en-US" sz="2800" dirty="0"/>
+              <a:t>Language </a:t>
+            </a:r>
+            <a:r>
+              <a:rPr lang="fr-FR" sz="2800" dirty="0"/>
+              <a:t>préféré ?</a:t>
+            </a:r>
+            <a:r>
+              <a:rPr lang="en-US" sz="2800" dirty="0"/>
+              <a:t> </a:t>
+            </a:r>
+          </a:p>
+        </p:txBody>
+      </p:sp>
+      <p:pic>
+        <p:nvPicPr>
+          <p:cNvPr id="4" name="Image 3">
+            <a:extLst>
+              <a:ext uri="{FF2B5EF4-FFF2-40B4-BE49-F238E27FC236}">
+                <a16:creationId xmlns:a16="http://schemas.microsoft.com/office/drawing/2014/main" id="{F4F8397E-7DC3-4CB5-8450-39522F86C941}"/>
+              </a:ext>
+            </a:extLst>
+          </p:cNvPr>
+          <p:cNvPicPr>
+            <a:picLocks noChangeAspect="1"/>
+          </p:cNvPicPr>
+          <p:nvPr/>
+        </p:nvPicPr>
+        <p:blipFill>
+          <a:blip r:embed="rId4">
+            <a:extLst>
+              <a:ext uri="{28A0092B-C50C-407E-A947-70E740481C1C}">
+                <a14:useLocalDpi xmlns:a14="http://schemas.microsoft.com/office/drawing/2010/main" val="0"/>
+              </a:ext>
+            </a:extLst>
+          </a:blip>
+          <a:stretch>
+            <a:fillRect/>
+          </a:stretch>
+        </p:blipFill>
+        <p:spPr>
+          <a:xfrm>
+            <a:off x="7275029" y="1418769"/>
+            <a:ext cx="2962665" cy="5262282"/>
+          </a:xfrm>
+          <a:prstGeom prst="rect">
+            <a:avLst/>
+          </a:prstGeom>
+        </p:spPr>
+      </p:pic>
     </p:spTree>
     <p:extLst>
       <p:ext uri="{BB962C8B-B14F-4D97-AF65-F5344CB8AC3E}">
@@ -3756,13 +3875,13 @@
   <p:clrMapOvr>
     <a:masterClrMapping/>
   </p:clrMapOvr>
-  <mc:AlternateContent xmlns:mc="http://schemas.openxmlformats.org/markup-compatibility/2006">
-    <mc:Choice xmlns:p159="http://schemas.microsoft.com/office/powerpoint/2015/09/main" Requires="p159">
+  <mc:AlternateContent xmlns:mc="http://schemas.openxmlformats.org/markup-compatibility/2006" xmlns:p159="http://schemas.microsoft.com/office/powerpoint/2015/09/main">
+    <mc:Choice Requires="p159">
       <p:transition spd="med">
         <p159:morph option="byObject"/>
       </p:transition>
     </mc:Choice>
-    <mc:Fallback>
+    <mc:Fallback xmlns="">
       <p:transition spd="med">
         <p:fade/>
       </p:transition>
@@ -4335,7 +4454,7 @@
             <a:pPr algn="l"/>
             <a:r>
               <a:rPr lang="fr-FR" dirty="0"/>
-              <a:t>- Conception de la base de données</a:t>
+              <a:t>- Conception et développement</a:t>
             </a:r>
           </a:p>
           <a:p>
@@ -5170,13 +5289,13 @@
   <p:clrMapOvr>
     <a:masterClrMapping/>
   </p:clrMapOvr>
-  <mc:AlternateContent xmlns:mc="http://schemas.openxmlformats.org/markup-compatibility/2006">
-    <mc:Choice xmlns:p159="http://schemas.microsoft.com/office/powerpoint/2015/09/main" Requires="p159">
+  <mc:AlternateContent xmlns:mc="http://schemas.openxmlformats.org/markup-compatibility/2006" xmlns:p159="http://schemas.microsoft.com/office/powerpoint/2015/09/main">
+    <mc:Choice Requires="p159">
       <p:transition spd="med">
         <p159:morph option="byObject"/>
       </p:transition>
     </mc:Choice>
-    <mc:Fallback>
+    <mc:Fallback xmlns="">
       <p:transition spd="med">
         <p:fade/>
       </p:transition>
@@ -5203,12 +5322,12 @@
                             </p:stCondLst>
                             <p:childTnLst>
                               <p:par>
-                                <p:cTn id="5" presetID="42" presetClass="path" presetSubtype="0" decel="26000" fill="hold" nodeType="clickEffect">
+                                <p:cTn id="5" presetID="42" presetClass="path" presetSubtype="0" accel="50000" decel="50000" fill="hold" nodeType="clickEffect">
                                   <p:stCondLst>
                                     <p:cond delay="0"/>
                                   </p:stCondLst>
                                   <p:childTnLst>
-                                    <p:animMotion origin="layout" path="M 1.04167E-6 7.40741E-7 L 1.04167E-6 0.07454 " pathEditMode="relative" rAng="0" ptsTypes="AA">
+                                    <p:animMotion origin="layout" path="M 1.25E-6 2.59259E-6 L 1.25E-6 0.07546 " pathEditMode="relative" rAng="0" ptsTypes="AA">
                                       <p:cBhvr>
                                         <p:cTn id="6" dur="500" fill="hold"/>
                                         <p:tgtEl>
@@ -5219,7 +5338,7 @@
                                           <p:attrName>ppt_y</p:attrName>
                                         </p:attrNameLst>
                                       </p:cBhvr>
-                                      <p:rCtr x="0" y="3727"/>
+                                      <p:rCtr x="0" y="3773"/>
                                     </p:animMotion>
                                   </p:childTnLst>
                                 </p:cTn>
@@ -5248,7 +5367,7 @@
                                     <p:cond delay="0"/>
                                   </p:stCondLst>
                                   <p:childTnLst>
-                                    <p:animMotion origin="layout" path="M 1.10589E-17 0.07454 L 0.00078 0.14213 " pathEditMode="relative" rAng="0" ptsTypes="AA">
+                                    <p:animMotion origin="layout" path="M 1.25E-6 0.07546 L 0.00156 0.14213 " pathEditMode="relative" rAng="0" ptsTypes="AA">
                                       <p:cBhvr>
                                         <p:cTn id="10" dur="500" fill="hold"/>
                                         <p:tgtEl>
@@ -5259,7 +5378,167 @@
                                           <p:attrName>ppt_y</p:attrName>
                                         </p:attrNameLst>
                                       </p:cBhvr>
-                                      <p:rCtr x="0" y="3218"/>
+                                      <p:rCtr x="78" y="3333"/>
+                                    </p:animMotion>
+                                  </p:childTnLst>
+                                </p:cTn>
+                              </p:par>
+                            </p:childTnLst>
+                          </p:cTn>
+                        </p:par>
+                      </p:childTnLst>
+                    </p:cTn>
+                  </p:par>
+                  <p:par>
+                    <p:cTn id="11" fill="hold">
+                      <p:stCondLst>
+                        <p:cond delay="indefinite"/>
+                      </p:stCondLst>
+                      <p:childTnLst>
+                        <p:par>
+                          <p:cTn id="12" fill="hold">
+                            <p:stCondLst>
+                              <p:cond delay="0"/>
+                            </p:stCondLst>
+                            <p:childTnLst>
+                              <p:par>
+                                <p:cTn id="13" presetID="42" presetClass="path" presetSubtype="0" accel="50000" decel="50000" fill="hold" nodeType="clickEffect">
+                                  <p:stCondLst>
+                                    <p:cond delay="0"/>
+                                  </p:stCondLst>
+                                  <p:childTnLst>
+                                    <p:animMotion origin="layout" path="M 0.00156 0.14213 L 0.00221 0.2125 " pathEditMode="relative" rAng="0" ptsTypes="AA">
+                                      <p:cBhvr>
+                                        <p:cTn id="14" dur="500" fill="hold"/>
+                                        <p:tgtEl>
+                                          <p:spTgt spid="9"/>
+                                        </p:tgtEl>
+                                        <p:attrNameLst>
+                                          <p:attrName>ppt_x</p:attrName>
+                                          <p:attrName>ppt_y</p:attrName>
+                                        </p:attrNameLst>
+                                      </p:cBhvr>
+                                      <p:rCtr x="0" y="3773"/>
+                                    </p:animMotion>
+                                  </p:childTnLst>
+                                </p:cTn>
+                              </p:par>
+                            </p:childTnLst>
+                          </p:cTn>
+                        </p:par>
+                      </p:childTnLst>
+                    </p:cTn>
+                  </p:par>
+                  <p:par>
+                    <p:cTn id="15" fill="hold">
+                      <p:stCondLst>
+                        <p:cond delay="indefinite"/>
+                      </p:stCondLst>
+                      <p:childTnLst>
+                        <p:par>
+                          <p:cTn id="16" fill="hold">
+                            <p:stCondLst>
+                              <p:cond delay="0"/>
+                            </p:stCondLst>
+                            <p:childTnLst>
+                              <p:par>
+                                <p:cTn id="17" presetID="42" presetClass="path" presetSubtype="0" accel="50000" decel="50000" fill="hold" nodeType="clickEffect">
+                                  <p:stCondLst>
+                                    <p:cond delay="100"/>
+                                  </p:stCondLst>
+                                  <p:childTnLst>
+                                    <p:animMotion origin="layout" path="M 0.00221 0.2125 L 0.00078 0.28842 " pathEditMode="relative" rAng="0" ptsTypes="AA">
+                                      <p:cBhvr>
+                                        <p:cTn id="18" dur="500" fill="hold"/>
+                                        <p:tgtEl>
+                                          <p:spTgt spid="9"/>
+                                        </p:tgtEl>
+                                        <p:attrNameLst>
+                                          <p:attrName>ppt_x</p:attrName>
+                                          <p:attrName>ppt_y</p:attrName>
+                                        </p:attrNameLst>
+                                      </p:cBhvr>
+                                      <p:rCtr x="-78" y="3796"/>
+                                    </p:animMotion>
+                                  </p:childTnLst>
+                                </p:cTn>
+                              </p:par>
+                            </p:childTnLst>
+                          </p:cTn>
+                        </p:par>
+                      </p:childTnLst>
+                    </p:cTn>
+                  </p:par>
+                  <p:par>
+                    <p:cTn id="19" fill="hold">
+                      <p:stCondLst>
+                        <p:cond delay="indefinite"/>
+                      </p:stCondLst>
+                      <p:childTnLst>
+                        <p:par>
+                          <p:cTn id="20" fill="hold">
+                            <p:stCondLst>
+                              <p:cond delay="0"/>
+                            </p:stCondLst>
+                            <p:childTnLst>
+                              <p:par>
+                                <p:cTn id="21" presetID="42" presetClass="path" presetSubtype="0" accel="50000" decel="50000" fill="hold" nodeType="clickEffect">
+                                  <p:stCondLst>
+                                    <p:cond delay="0"/>
+                                  </p:stCondLst>
+                                  <p:childTnLst>
+                                    <p:animMotion origin="layout" path="M 0.00078 0.28843 L 1.25E-6 0.3537 " pathEditMode="relative" rAng="0" ptsTypes="AA">
+                                      <p:cBhvr>
+                                        <p:cTn id="22" dur="500" fill="hold"/>
+                                        <p:tgtEl>
+                                          <p:spTgt spid="9"/>
+                                        </p:tgtEl>
+                                        <p:attrNameLst>
+                                          <p:attrName>ppt_x</p:attrName>
+                                          <p:attrName>ppt_y</p:attrName>
+                                        </p:attrNameLst>
+                                      </p:cBhvr>
+                                      <p:rCtr x="-39" y="3773"/>
+                                    </p:animMotion>
+                                  </p:childTnLst>
+                                </p:cTn>
+                              </p:par>
+                            </p:childTnLst>
+                          </p:cTn>
+                        </p:par>
+                      </p:childTnLst>
+                    </p:cTn>
+                  </p:par>
+                  <p:par>
+                    <p:cTn id="23" fill="hold">
+                      <p:stCondLst>
+                        <p:cond delay="indefinite"/>
+                      </p:stCondLst>
+                      <p:childTnLst>
+                        <p:par>
+                          <p:cTn id="24" fill="hold">
+                            <p:stCondLst>
+                              <p:cond delay="0"/>
+                            </p:stCondLst>
+                            <p:childTnLst>
+                              <p:par>
+                                <p:cTn id="25" presetID="42" presetClass="path" presetSubtype="0" accel="50000" decel="50000" fill="hold" nodeType="clickEffect">
+                                  <p:stCondLst>
+                                    <p:cond delay="0"/>
+                                  </p:stCondLst>
+                                  <p:childTnLst>
+                                    <p:animMotion origin="layout" path="M -1.25E-6 0.35371 L 0.00156 0.42569 " pathEditMode="relative" rAng="0" ptsTypes="AA">
+                                      <p:cBhvr>
+                                        <p:cTn id="26" dur="500" fill="hold"/>
+                                        <p:tgtEl>
+                                          <p:spTgt spid="9"/>
+                                        </p:tgtEl>
+                                        <p:attrNameLst>
+                                          <p:attrName>ppt_x</p:attrName>
+                                          <p:attrName>ppt_y</p:attrName>
+                                        </p:attrNameLst>
+                                      </p:cBhvr>
+                                      <p:rCtr x="0" y="3796"/>
                                     </p:animMotion>
                                   </p:childTnLst>
                                 </p:cTn>
@@ -5376,7 +5655,7 @@
         </p:blipFill>
         <p:spPr>
           <a:xfrm>
-            <a:off x="376518" y="1459508"/>
+            <a:off x="459646" y="304963"/>
             <a:ext cx="448235" cy="441988"/>
           </a:xfrm>
           <a:prstGeom prst="rect">
@@ -6686,6 +6965,330 @@
           </a:p>
         </p:txBody>
       </p:sp>
+      <p:sp>
+        <p:nvSpPr>
+          <p:cNvPr id="2" name="ZoneTexte 1">
+            <a:extLst>
+              <a:ext uri="{FF2B5EF4-FFF2-40B4-BE49-F238E27FC236}">
+                <a16:creationId xmlns:a16="http://schemas.microsoft.com/office/drawing/2014/main" id="{CDE6D84B-09F6-4C83-A13B-1E552E0E6645}"/>
+              </a:ext>
+            </a:extLst>
+          </p:cNvPr>
+          <p:cNvSpPr txBox="1"/>
+          <p:nvPr/>
+        </p:nvSpPr>
+        <p:spPr>
+          <a:xfrm>
+            <a:off x="683763" y="1690255"/>
+            <a:ext cx="7527364" cy="369332"/>
+          </a:xfrm>
+          <a:prstGeom prst="rect">
+            <a:avLst/>
+          </a:prstGeom>
+          <a:noFill/>
+        </p:spPr>
+        <p:txBody>
+          <a:bodyPr wrap="square" rtlCol="0">
+            <a:spAutoFit/>
+          </a:bodyPr>
+          <a:lstStyle/>
+          <a:p>
+            <a:pPr marL="285750" indent="-285750">
+              <a:buFont typeface="Arial" panose="020B0604020202020204" pitchFamily="34" charset="0"/>
+              <a:buChar char="•"/>
+            </a:pPr>
+            <a:r>
+              <a:rPr lang="fr-FR" dirty="0"/>
+              <a:t>Demande réelle d’un professeur particulier </a:t>
+            </a:r>
+          </a:p>
+        </p:txBody>
+      </p:sp>
+      <p:sp>
+        <p:nvSpPr>
+          <p:cNvPr id="15" name="ZoneTexte 14">
+            <a:extLst>
+              <a:ext uri="{FF2B5EF4-FFF2-40B4-BE49-F238E27FC236}">
+                <a16:creationId xmlns:a16="http://schemas.microsoft.com/office/drawing/2014/main" id="{11944939-35DF-4B85-976B-C3BBE5758442}"/>
+              </a:ext>
+            </a:extLst>
+          </p:cNvPr>
+          <p:cNvSpPr txBox="1"/>
+          <p:nvPr/>
+        </p:nvSpPr>
+        <p:spPr>
+          <a:xfrm>
+            <a:off x="683763" y="2271442"/>
+            <a:ext cx="7527364" cy="1200329"/>
+          </a:xfrm>
+          <a:prstGeom prst="rect">
+            <a:avLst/>
+          </a:prstGeom>
+          <a:noFill/>
+        </p:spPr>
+        <p:txBody>
+          <a:bodyPr wrap="square" rtlCol="0">
+            <a:spAutoFit/>
+          </a:bodyPr>
+          <a:lstStyle/>
+          <a:p>
+            <a:pPr marL="342900" indent="-342900">
+              <a:buFont typeface="+mj-lt"/>
+              <a:buAutoNum type="arabicPeriod"/>
+            </a:pPr>
+            <a:r>
+              <a:rPr lang="fr-FR" dirty="0"/>
+              <a:t>la gestion des cours, des paiements se fait par téléphone/messages</a:t>
+            </a:r>
+          </a:p>
+          <a:p>
+            <a:pPr marL="342900" indent="-342900">
+              <a:buFont typeface="+mj-lt"/>
+              <a:buAutoNum type="arabicPeriod"/>
+            </a:pPr>
+            <a:r>
+              <a:rPr lang="fr-FR" dirty="0"/>
+              <a:t>Virements manuels</a:t>
+            </a:r>
+          </a:p>
+          <a:p>
+            <a:pPr marL="342900" indent="-342900">
+              <a:buFont typeface="+mj-lt"/>
+              <a:buAutoNum type="arabicPeriod"/>
+            </a:pPr>
+            <a:r>
+              <a:rPr lang="fr-FR" dirty="0"/>
+              <a:t>Communication complexe</a:t>
+            </a:r>
+          </a:p>
+          <a:p>
+            <a:pPr marL="342900" indent="-342900">
+              <a:buFont typeface="+mj-lt"/>
+              <a:buAutoNum type="arabicPeriod"/>
+            </a:pPr>
+            <a:r>
+              <a:rPr lang="fr-FR" dirty="0"/>
+              <a:t>Potentiels erreurs</a:t>
+            </a:r>
+          </a:p>
+        </p:txBody>
+      </p:sp>
+      <p:sp>
+        <p:nvSpPr>
+          <p:cNvPr id="16" name="ZoneTexte 15">
+            <a:extLst>
+              <a:ext uri="{FF2B5EF4-FFF2-40B4-BE49-F238E27FC236}">
+                <a16:creationId xmlns:a16="http://schemas.microsoft.com/office/drawing/2014/main" id="{DFC5A6B5-9074-45AF-8E90-6FE6A3A7F55D}"/>
+              </a:ext>
+            </a:extLst>
+          </p:cNvPr>
+          <p:cNvSpPr txBox="1"/>
+          <p:nvPr/>
+        </p:nvSpPr>
+        <p:spPr>
+          <a:xfrm>
+            <a:off x="683763" y="3953315"/>
+            <a:ext cx="7527364" cy="369332"/>
+          </a:xfrm>
+          <a:prstGeom prst="rect">
+            <a:avLst/>
+          </a:prstGeom>
+          <a:noFill/>
+        </p:spPr>
+        <p:txBody>
+          <a:bodyPr wrap="square" rtlCol="0">
+            <a:spAutoFit/>
+          </a:bodyPr>
+          <a:lstStyle/>
+          <a:p>
+            <a:pPr marL="285750" indent="-285750">
+              <a:buFont typeface="Arial" panose="020B0604020202020204" pitchFamily="34" charset="0"/>
+              <a:buChar char="•"/>
+            </a:pPr>
+            <a:r>
+              <a:rPr lang="fr-FR" dirty="0"/>
+              <a:t>Concevoir un outil simple</a:t>
+            </a:r>
+          </a:p>
+        </p:txBody>
+      </p:sp>
+      <p:sp>
+        <p:nvSpPr>
+          <p:cNvPr id="17" name="ZoneTexte 16">
+            <a:extLst>
+              <a:ext uri="{FF2B5EF4-FFF2-40B4-BE49-F238E27FC236}">
+                <a16:creationId xmlns:a16="http://schemas.microsoft.com/office/drawing/2014/main" id="{E30F5B3C-8430-423A-B3C5-F49FA9D80A8A}"/>
+              </a:ext>
+            </a:extLst>
+          </p:cNvPr>
+          <p:cNvSpPr txBox="1"/>
+          <p:nvPr/>
+        </p:nvSpPr>
+        <p:spPr>
+          <a:xfrm>
+            <a:off x="683763" y="4389994"/>
+            <a:ext cx="7527364" cy="1200329"/>
+          </a:xfrm>
+          <a:prstGeom prst="rect">
+            <a:avLst/>
+          </a:prstGeom>
+          <a:noFill/>
+        </p:spPr>
+        <p:txBody>
+          <a:bodyPr wrap="square" rtlCol="0">
+            <a:spAutoFit/>
+          </a:bodyPr>
+          <a:lstStyle/>
+          <a:p>
+            <a:pPr marL="342900" indent="-342900">
+              <a:buFont typeface="+mj-lt"/>
+              <a:buAutoNum type="arabicPeriod"/>
+            </a:pPr>
+            <a:r>
+              <a:rPr lang="fr-FR" dirty="0"/>
+              <a:t>Aux élèves de s’inscrire, réserver un créneau disponible</a:t>
+            </a:r>
+          </a:p>
+          <a:p>
+            <a:pPr marL="342900" indent="-342900">
+              <a:buFont typeface="+mj-lt"/>
+              <a:buAutoNum type="arabicPeriod"/>
+            </a:pPr>
+            <a:r>
+              <a:rPr lang="fr-FR" dirty="0"/>
+              <a:t>créer, modifier et supprimer des créneaux</a:t>
+            </a:r>
+          </a:p>
+          <a:p>
+            <a:pPr marL="342900" indent="-342900">
+              <a:buFont typeface="+mj-lt"/>
+              <a:buAutoNum type="arabicPeriod"/>
+            </a:pPr>
+            <a:r>
+              <a:rPr lang="fr-FR" dirty="0"/>
+              <a:t>Suivi de cours</a:t>
+            </a:r>
+          </a:p>
+          <a:p>
+            <a:pPr marL="342900" indent="-342900">
+              <a:buFont typeface="+mj-lt"/>
+              <a:buAutoNum type="arabicPeriod"/>
+            </a:pPr>
+            <a:r>
+              <a:rPr lang="fr-FR" dirty="0"/>
+              <a:t>vérifier et consulter ses réservations.</a:t>
+            </a:r>
+          </a:p>
+        </p:txBody>
+      </p:sp>
+      <p:pic>
+        <p:nvPicPr>
+          <p:cNvPr id="4" name="Image 3">
+            <a:extLst>
+              <a:ext uri="{FF2B5EF4-FFF2-40B4-BE49-F238E27FC236}">
+                <a16:creationId xmlns:a16="http://schemas.microsoft.com/office/drawing/2014/main" id="{31FEA03A-E249-49B3-B272-57219A6DA6E2}"/>
+              </a:ext>
+            </a:extLst>
+          </p:cNvPr>
+          <p:cNvPicPr>
+            <a:picLocks noChangeAspect="1"/>
+          </p:cNvPicPr>
+          <p:nvPr/>
+        </p:nvPicPr>
+        <p:blipFill>
+          <a:blip r:embed="rId4">
+            <a:extLst>
+              <a:ext uri="{28A0092B-C50C-407E-A947-70E740481C1C}">
+                <a14:useLocalDpi xmlns:a14="http://schemas.microsoft.com/office/drawing/2010/main" val="0"/>
+              </a:ext>
+            </a:extLst>
+          </a:blip>
+          <a:stretch>
+            <a:fillRect/>
+          </a:stretch>
+        </p:blipFill>
+        <p:spPr>
+          <a:xfrm>
+            <a:off x="8630035" y="3362703"/>
+            <a:ext cx="3417003" cy="3417003"/>
+          </a:xfrm>
+          <a:prstGeom prst="rect">
+            <a:avLst/>
+          </a:prstGeom>
+        </p:spPr>
+      </p:pic>
+      <p:pic>
+        <p:nvPicPr>
+          <p:cNvPr id="19" name="Image 18">
+            <a:extLst>
+              <a:ext uri="{FF2B5EF4-FFF2-40B4-BE49-F238E27FC236}">
+                <a16:creationId xmlns:a16="http://schemas.microsoft.com/office/drawing/2014/main" id="{C6741565-BC47-40B3-990E-7B1C523FF72F}"/>
+              </a:ext>
+            </a:extLst>
+          </p:cNvPr>
+          <p:cNvPicPr>
+            <a:picLocks noChangeAspect="1"/>
+          </p:cNvPicPr>
+          <p:nvPr/>
+        </p:nvPicPr>
+        <p:blipFill>
+          <a:blip r:embed="rId5">
+            <a:extLst>
+              <a:ext uri="{28A0092B-C50C-407E-A947-70E740481C1C}">
+                <a14:useLocalDpi xmlns:a14="http://schemas.microsoft.com/office/drawing/2010/main" val="0"/>
+              </a:ext>
+            </a:extLst>
+          </a:blip>
+          <a:stretch>
+            <a:fillRect/>
+          </a:stretch>
+        </p:blipFill>
+        <p:spPr>
+          <a:xfrm>
+            <a:off x="5687063" y="3075528"/>
+            <a:ext cx="3629272" cy="3629272"/>
+          </a:xfrm>
+          <a:prstGeom prst="rect">
+            <a:avLst/>
+          </a:prstGeom>
+        </p:spPr>
+      </p:pic>
+      <p:pic>
+        <p:nvPicPr>
+          <p:cNvPr id="21" name="Image 20">
+            <a:extLst>
+              <a:ext uri="{FF2B5EF4-FFF2-40B4-BE49-F238E27FC236}">
+                <a16:creationId xmlns:a16="http://schemas.microsoft.com/office/drawing/2014/main" id="{3BCF56A7-CDC2-478A-8BC9-180671FB4688}"/>
+              </a:ext>
+            </a:extLst>
+          </p:cNvPr>
+          <p:cNvPicPr>
+            <a:picLocks noChangeAspect="1"/>
+          </p:cNvPicPr>
+          <p:nvPr/>
+        </p:nvPicPr>
+        <p:blipFill>
+          <a:blip r:embed="rId6">
+            <a:extLst>
+              <a:ext uri="{28A0092B-C50C-407E-A947-70E740481C1C}">
+                <a14:useLocalDpi xmlns:a14="http://schemas.microsoft.com/office/drawing/2010/main" val="0"/>
+              </a:ext>
+            </a:extLst>
+          </a:blip>
+          <a:stretch>
+            <a:fillRect/>
+          </a:stretch>
+        </p:blipFill>
+        <p:spPr>
+          <a:xfrm flipH="1">
+            <a:off x="6252882" y="2827484"/>
+            <a:ext cx="2870098" cy="3850331"/>
+          </a:xfrm>
+          <a:prstGeom prst="rect">
+            <a:avLst/>
+          </a:prstGeom>
+        </p:spPr>
+      </p:pic>
     </p:spTree>
     <p:extLst>
       <p:ext uri="{BB962C8B-B14F-4D97-AF65-F5344CB8AC3E}">
@@ -6696,18 +7299,267 @@
   <p:clrMapOvr>
     <a:masterClrMapping/>
   </p:clrMapOvr>
-  <mc:AlternateContent xmlns:mc="http://schemas.openxmlformats.org/markup-compatibility/2006">
-    <mc:Choice xmlns:p159="http://schemas.microsoft.com/office/powerpoint/2015/09/main" Requires="p159">
+  <mc:AlternateContent xmlns:mc="http://schemas.openxmlformats.org/markup-compatibility/2006" xmlns:p159="http://schemas.microsoft.com/office/powerpoint/2015/09/main">
+    <mc:Choice Requires="p159">
       <p:transition spd="med">
         <p159:morph option="byObject"/>
       </p:transition>
     </mc:Choice>
-    <mc:Fallback>
+    <mc:Fallback xmlns="">
       <p:transition spd="med">
         <p:fade/>
       </p:transition>
     </mc:Fallback>
   </mc:AlternateContent>
+  <p:timing>
+    <p:tnLst>
+      <p:par>
+        <p:cTn id="1" dur="indefinite" restart="never" nodeType="tmRoot">
+          <p:childTnLst>
+            <p:seq concurrent="1" nextAc="seek">
+              <p:cTn id="2" dur="indefinite" nodeType="mainSeq">
+                <p:childTnLst>
+                  <p:par>
+                    <p:cTn id="3" fill="hold">
+                      <p:stCondLst>
+                        <p:cond delay="indefinite"/>
+                      </p:stCondLst>
+                      <p:childTnLst>
+                        <p:par>
+                          <p:cTn id="4" fill="hold">
+                            <p:stCondLst>
+                              <p:cond delay="0"/>
+                            </p:stCondLst>
+                            <p:childTnLst>
+                              <p:par>
+                                <p:cTn id="5" presetID="42" presetClass="path" presetSubtype="0" accel="50000" decel="50000" fill="hold" nodeType="clickEffect">
+                                  <p:stCondLst>
+                                    <p:cond delay="0"/>
+                                  </p:stCondLst>
+                                  <p:childTnLst>
+                                    <p:animMotion origin="layout" path="M 2.08333E-7 -3.7037E-7 L -0.01836 0.19676 " pathEditMode="relative" rAng="0" ptsTypes="AA">
+                                      <p:cBhvr>
+                                        <p:cTn id="6" dur="500" fill="hold"/>
+                                        <p:tgtEl>
+                                          <p:spTgt spid="9"/>
+                                        </p:tgtEl>
+                                        <p:attrNameLst>
+                                          <p:attrName>ppt_x</p:attrName>
+                                          <p:attrName>ppt_y</p:attrName>
+                                        </p:attrNameLst>
+                                      </p:cBhvr>
+                                      <p:rCtr x="-924" y="9838"/>
+                                    </p:animMotion>
+                                  </p:childTnLst>
+                                </p:cTn>
+                              </p:par>
+                            </p:childTnLst>
+                          </p:cTn>
+                        </p:par>
+                      </p:childTnLst>
+                    </p:cTn>
+                  </p:par>
+                  <p:par>
+                    <p:cTn id="7" fill="hold">
+                      <p:stCondLst>
+                        <p:cond delay="indefinite"/>
+                      </p:stCondLst>
+                      <p:childTnLst>
+                        <p:par>
+                          <p:cTn id="8" fill="hold">
+                            <p:stCondLst>
+                              <p:cond delay="0"/>
+                            </p:stCondLst>
+                            <p:childTnLst>
+                              <p:par>
+                                <p:cTn id="9" presetID="42" presetClass="path" presetSubtype="0" accel="50000" decel="50000" fill="hold" nodeType="clickEffect">
+                                  <p:stCondLst>
+                                    <p:cond delay="0"/>
+                                  </p:stCondLst>
+                                  <p:childTnLst>
+                                    <p:animMotion origin="layout" path="M -0.01836 0.19676 L -0.01836 0.52801 " pathEditMode="relative" rAng="0" ptsTypes="AA">
+                                      <p:cBhvr>
+                                        <p:cTn id="10" dur="500" fill="hold"/>
+                                        <p:tgtEl>
+                                          <p:spTgt spid="9"/>
+                                        </p:tgtEl>
+                                        <p:attrNameLst>
+                                          <p:attrName>ppt_x</p:attrName>
+                                          <p:attrName>ppt_y</p:attrName>
+                                        </p:attrNameLst>
+                                      </p:cBhvr>
+                                      <p:rCtr x="0" y="16551"/>
+                                    </p:animMotion>
+                                  </p:childTnLst>
+                                </p:cTn>
+                              </p:par>
+                            </p:childTnLst>
+                          </p:cTn>
+                        </p:par>
+                        <p:par>
+                          <p:cTn id="11" fill="hold">
+                            <p:stCondLst>
+                              <p:cond delay="500"/>
+                            </p:stCondLst>
+                            <p:childTnLst>
+                              <p:par>
+                                <p:cTn id="12" presetID="1" presetClass="entr" presetSubtype="0" fill="hold" grpId="0" nodeType="afterEffect">
+                                  <p:stCondLst>
+                                    <p:cond delay="0"/>
+                                  </p:stCondLst>
+                                  <p:childTnLst>
+                                    <p:set>
+                                      <p:cBhvr>
+                                        <p:cTn id="13" dur="1" fill="hold">
+                                          <p:stCondLst>
+                                            <p:cond delay="0"/>
+                                          </p:stCondLst>
+                                        </p:cTn>
+                                        <p:tgtEl>
+                                          <p:spTgt spid="16"/>
+                                        </p:tgtEl>
+                                        <p:attrNameLst>
+                                          <p:attrName>style.visibility</p:attrName>
+                                        </p:attrNameLst>
+                                      </p:cBhvr>
+                                      <p:to>
+                                        <p:strVal val="visible"/>
+                                      </p:to>
+                                    </p:set>
+                                  </p:childTnLst>
+                                </p:cTn>
+                              </p:par>
+                            </p:childTnLst>
+                          </p:cTn>
+                        </p:par>
+                      </p:childTnLst>
+                    </p:cTn>
+                  </p:par>
+                  <p:par>
+                    <p:cTn id="14" fill="hold">
+                      <p:stCondLst>
+                        <p:cond delay="indefinite"/>
+                      </p:stCondLst>
+                      <p:childTnLst>
+                        <p:par>
+                          <p:cTn id="15" fill="hold">
+                            <p:stCondLst>
+                              <p:cond delay="0"/>
+                            </p:stCondLst>
+                            <p:childTnLst>
+                              <p:par>
+                                <p:cTn id="16" presetID="1" presetClass="entr" presetSubtype="0" fill="hold" grpId="0" nodeType="clickEffect">
+                                  <p:stCondLst>
+                                    <p:cond delay="0"/>
+                                  </p:stCondLst>
+                                  <p:childTnLst>
+                                    <p:set>
+                                      <p:cBhvr>
+                                        <p:cTn id="17" dur="1" fill="hold">
+                                          <p:stCondLst>
+                                            <p:cond delay="0"/>
+                                          </p:stCondLst>
+                                        </p:cTn>
+                                        <p:tgtEl>
+                                          <p:spTgt spid="17"/>
+                                        </p:tgtEl>
+                                        <p:attrNameLst>
+                                          <p:attrName>style.visibility</p:attrName>
+                                        </p:attrNameLst>
+                                      </p:cBhvr>
+                                      <p:to>
+                                        <p:strVal val="visible"/>
+                                      </p:to>
+                                    </p:set>
+                                  </p:childTnLst>
+                                </p:cTn>
+                              </p:par>
+                              <p:par>
+                                <p:cTn id="18" presetID="1" presetClass="exit" presetSubtype="0" fill="hold" nodeType="withEffect">
+                                  <p:stCondLst>
+                                    <p:cond delay="0"/>
+                                  </p:stCondLst>
+                                  <p:childTnLst>
+                                    <p:set>
+                                      <p:cBhvr>
+                                        <p:cTn id="19" dur="1" fill="hold">
+                                          <p:stCondLst>
+                                            <p:cond delay="0"/>
+                                          </p:stCondLst>
+                                        </p:cTn>
+                                        <p:tgtEl>
+                                          <p:spTgt spid="19"/>
+                                        </p:tgtEl>
+                                        <p:attrNameLst>
+                                          <p:attrName>style.visibility</p:attrName>
+                                        </p:attrNameLst>
+                                      </p:cBhvr>
+                                      <p:to>
+                                        <p:strVal val="hidden"/>
+                                      </p:to>
+                                    </p:set>
+                                  </p:childTnLst>
+                                </p:cTn>
+                              </p:par>
+                              <p:par>
+                                <p:cTn id="20" presetID="1" presetClass="entr" presetSubtype="0" fill="hold" nodeType="withEffect">
+                                  <p:stCondLst>
+                                    <p:cond delay="0"/>
+                                  </p:stCondLst>
+                                  <p:childTnLst>
+                                    <p:set>
+                                      <p:cBhvr>
+                                        <p:cTn id="21" dur="1" fill="hold">
+                                          <p:stCondLst>
+                                            <p:cond delay="0"/>
+                                          </p:stCondLst>
+                                        </p:cTn>
+                                        <p:tgtEl>
+                                          <p:spTgt spid="21"/>
+                                        </p:tgtEl>
+                                        <p:attrNameLst>
+                                          <p:attrName>style.visibility</p:attrName>
+                                        </p:attrNameLst>
+                                      </p:cBhvr>
+                                      <p:to>
+                                        <p:strVal val="visible"/>
+                                      </p:to>
+                                    </p:set>
+                                  </p:childTnLst>
+                                </p:cTn>
+                              </p:par>
+                            </p:childTnLst>
+                          </p:cTn>
+                        </p:par>
+                      </p:childTnLst>
+                    </p:cTn>
+                  </p:par>
+                </p:childTnLst>
+              </p:cTn>
+              <p:prevCondLst>
+                <p:cond evt="onPrev" delay="0">
+                  <p:tgtEl>
+                    <p:sldTgt/>
+                  </p:tgtEl>
+                </p:cond>
+              </p:prevCondLst>
+              <p:nextCondLst>
+                <p:cond evt="onNext" delay="0">
+                  <p:tgtEl>
+                    <p:sldTgt/>
+                  </p:tgtEl>
+                </p:cond>
+              </p:nextCondLst>
+            </p:seq>
+          </p:childTnLst>
+        </p:cTn>
+      </p:par>
+    </p:tnLst>
+    <p:bldLst>
+      <p:bldP spid="16" grpId="0"/>
+      <p:bldP spid="17" grpId="0"/>
+    </p:bldLst>
+  </p:timing>
 </p:sld>
 </file>
 
@@ -6792,7 +7644,7 @@
         </p:blipFill>
         <p:spPr>
           <a:xfrm>
-            <a:off x="376518" y="1459508"/>
+            <a:off x="413464" y="266182"/>
             <a:ext cx="448235" cy="441988"/>
           </a:xfrm>
           <a:prstGeom prst="rect">
@@ -6854,7 +7706,7 @@
         </p:nvSpPr>
         <p:spPr>
           <a:xfrm>
-            <a:off x="-6054982" y="1947716"/>
+            <a:off x="2830400" y="238989"/>
             <a:ext cx="5665695" cy="879768"/>
           </a:xfrm>
           <a:prstGeom prst="rect">
@@ -7034,210 +7886,6 @@
             <a:r>
               <a:rPr lang="fr-FR" dirty="0"/>
               <a:t>- Cahier de charges et analyses des besoins</a:t>
-            </a:r>
-          </a:p>
-          <a:p>
-            <a:pPr algn="l"/>
-            <a:endParaRPr lang="en-US" dirty="0"/>
-          </a:p>
-        </p:txBody>
-      </p:sp>
-      <p:sp>
-        <p:nvSpPr>
-          <p:cNvPr id="7" name="Sous-titre 2">
-            <a:extLst>
-              <a:ext uri="{FF2B5EF4-FFF2-40B4-BE49-F238E27FC236}">
-                <a16:creationId xmlns:a16="http://schemas.microsoft.com/office/drawing/2014/main" id="{33984F55-0319-4924-A594-5C51E9499012}"/>
-              </a:ext>
-            </a:extLst>
-          </p:cNvPr>
-          <p:cNvSpPr txBox="1">
-            <a:spLocks/>
-          </p:cNvSpPr>
-          <p:nvPr/>
-        </p:nvSpPr>
-        <p:spPr>
-          <a:xfrm>
-            <a:off x="3504681" y="250884"/>
-            <a:ext cx="6387464" cy="879768"/>
-          </a:xfrm>
-          <a:prstGeom prst="rect">
-            <a:avLst/>
-          </a:prstGeom>
-        </p:spPr>
-        <p:txBody>
-          <a:bodyPr vert="horz" lIns="91440" tIns="45720" rIns="91440" bIns="45720" rtlCol="0">
-            <a:normAutofit fontScale="85000" lnSpcReduction="10000"/>
-          </a:bodyPr>
-          <a:lstStyle>
-            <a:lvl1pPr marL="0" indent="0" algn="ctr" defTabSz="914400" rtl="0" eaLnBrk="1" latinLnBrk="0" hangingPunct="1">
-              <a:lnSpc>
-                <a:spcPct val="90000"/>
-              </a:lnSpc>
-              <a:spcBef>
-                <a:spcPts val="1000"/>
-              </a:spcBef>
-              <a:buFont typeface="Arial" panose="020B0604020202020204" pitchFamily="34" charset="0"/>
-              <a:buNone/>
-              <a:defRPr sz="2400" kern="1200">
-                <a:solidFill>
-                  <a:schemeClr val="tx1"/>
-                </a:solidFill>
-                <a:latin typeface="+mn-lt"/>
-                <a:ea typeface="+mn-ea"/>
-                <a:cs typeface="+mn-cs"/>
-              </a:defRPr>
-            </a:lvl1pPr>
-            <a:lvl2pPr marL="457200" indent="0" algn="ctr" defTabSz="914400" rtl="0" eaLnBrk="1" latinLnBrk="0" hangingPunct="1">
-              <a:lnSpc>
-                <a:spcPct val="90000"/>
-              </a:lnSpc>
-              <a:spcBef>
-                <a:spcPts val="500"/>
-              </a:spcBef>
-              <a:buFont typeface="Arial" panose="020B0604020202020204" pitchFamily="34" charset="0"/>
-              <a:buNone/>
-              <a:defRPr sz="2000" kern="1200">
-                <a:solidFill>
-                  <a:schemeClr val="tx1"/>
-                </a:solidFill>
-                <a:latin typeface="+mn-lt"/>
-                <a:ea typeface="+mn-ea"/>
-                <a:cs typeface="+mn-cs"/>
-              </a:defRPr>
-            </a:lvl2pPr>
-            <a:lvl3pPr marL="914400" indent="0" algn="ctr" defTabSz="914400" rtl="0" eaLnBrk="1" latinLnBrk="0" hangingPunct="1">
-              <a:lnSpc>
-                <a:spcPct val="90000"/>
-              </a:lnSpc>
-              <a:spcBef>
-                <a:spcPts val="500"/>
-              </a:spcBef>
-              <a:buFont typeface="Arial" panose="020B0604020202020204" pitchFamily="34" charset="0"/>
-              <a:buNone/>
-              <a:defRPr sz="1800" kern="1200">
-                <a:solidFill>
-                  <a:schemeClr val="tx1"/>
-                </a:solidFill>
-                <a:latin typeface="+mn-lt"/>
-                <a:ea typeface="+mn-ea"/>
-                <a:cs typeface="+mn-cs"/>
-              </a:defRPr>
-            </a:lvl3pPr>
-            <a:lvl4pPr marL="1371600" indent="0" algn="ctr" defTabSz="914400" rtl="0" eaLnBrk="1" latinLnBrk="0" hangingPunct="1">
-              <a:lnSpc>
-                <a:spcPct val="90000"/>
-              </a:lnSpc>
-              <a:spcBef>
-                <a:spcPts val="500"/>
-              </a:spcBef>
-              <a:buFont typeface="Arial" panose="020B0604020202020204" pitchFamily="34" charset="0"/>
-              <a:buNone/>
-              <a:defRPr sz="1600" kern="1200">
-                <a:solidFill>
-                  <a:schemeClr val="tx1"/>
-                </a:solidFill>
-                <a:latin typeface="+mn-lt"/>
-                <a:ea typeface="+mn-ea"/>
-                <a:cs typeface="+mn-cs"/>
-              </a:defRPr>
-            </a:lvl4pPr>
-            <a:lvl5pPr marL="1828800" indent="0" algn="ctr" defTabSz="914400" rtl="0" eaLnBrk="1" latinLnBrk="0" hangingPunct="1">
-              <a:lnSpc>
-                <a:spcPct val="90000"/>
-              </a:lnSpc>
-              <a:spcBef>
-                <a:spcPts val="500"/>
-              </a:spcBef>
-              <a:buFont typeface="Arial" panose="020B0604020202020204" pitchFamily="34" charset="0"/>
-              <a:buNone/>
-              <a:defRPr sz="1600" kern="1200">
-                <a:solidFill>
-                  <a:schemeClr val="tx1"/>
-                </a:solidFill>
-                <a:latin typeface="+mn-lt"/>
-                <a:ea typeface="+mn-ea"/>
-                <a:cs typeface="+mn-cs"/>
-              </a:defRPr>
-            </a:lvl5pPr>
-            <a:lvl6pPr marL="2286000" indent="0" algn="ctr" defTabSz="914400" rtl="0" eaLnBrk="1" latinLnBrk="0" hangingPunct="1">
-              <a:lnSpc>
-                <a:spcPct val="90000"/>
-              </a:lnSpc>
-              <a:spcBef>
-                <a:spcPts val="500"/>
-              </a:spcBef>
-              <a:buFont typeface="Arial" panose="020B0604020202020204" pitchFamily="34" charset="0"/>
-              <a:buNone/>
-              <a:defRPr sz="1600" kern="1200">
-                <a:solidFill>
-                  <a:schemeClr val="tx1"/>
-                </a:solidFill>
-                <a:latin typeface="+mn-lt"/>
-                <a:ea typeface="+mn-ea"/>
-                <a:cs typeface="+mn-cs"/>
-              </a:defRPr>
-            </a:lvl6pPr>
-            <a:lvl7pPr marL="2743200" indent="0" algn="ctr" defTabSz="914400" rtl="0" eaLnBrk="1" latinLnBrk="0" hangingPunct="1">
-              <a:lnSpc>
-                <a:spcPct val="90000"/>
-              </a:lnSpc>
-              <a:spcBef>
-                <a:spcPts val="500"/>
-              </a:spcBef>
-              <a:buFont typeface="Arial" panose="020B0604020202020204" pitchFamily="34" charset="0"/>
-              <a:buNone/>
-              <a:defRPr sz="1600" kern="1200">
-                <a:solidFill>
-                  <a:schemeClr val="tx1"/>
-                </a:solidFill>
-                <a:latin typeface="+mn-lt"/>
-                <a:ea typeface="+mn-ea"/>
-                <a:cs typeface="+mn-cs"/>
-              </a:defRPr>
-            </a:lvl7pPr>
-            <a:lvl8pPr marL="3200400" indent="0" algn="ctr" defTabSz="914400" rtl="0" eaLnBrk="1" latinLnBrk="0" hangingPunct="1">
-              <a:lnSpc>
-                <a:spcPct val="90000"/>
-              </a:lnSpc>
-              <a:spcBef>
-                <a:spcPts val="500"/>
-              </a:spcBef>
-              <a:buFont typeface="Arial" panose="020B0604020202020204" pitchFamily="34" charset="0"/>
-              <a:buNone/>
-              <a:defRPr sz="1600" kern="1200">
-                <a:solidFill>
-                  <a:schemeClr val="tx1"/>
-                </a:solidFill>
-                <a:latin typeface="+mn-lt"/>
-                <a:ea typeface="+mn-ea"/>
-                <a:cs typeface="+mn-cs"/>
-              </a:defRPr>
-            </a:lvl8pPr>
-            <a:lvl9pPr marL="3657600" indent="0" algn="ctr" defTabSz="914400" rtl="0" eaLnBrk="1" latinLnBrk="0" hangingPunct="1">
-              <a:lnSpc>
-                <a:spcPct val="90000"/>
-              </a:lnSpc>
-              <a:spcBef>
-                <a:spcPts val="500"/>
-              </a:spcBef>
-              <a:buFont typeface="Arial" panose="020B0604020202020204" pitchFamily="34" charset="0"/>
-              <a:buNone/>
-              <a:defRPr sz="1600" kern="1200">
-                <a:solidFill>
-                  <a:schemeClr val="tx1"/>
-                </a:solidFill>
-                <a:latin typeface="+mn-lt"/>
-                <a:ea typeface="+mn-ea"/>
-                <a:cs typeface="+mn-cs"/>
-              </a:defRPr>
-            </a:lvl9pPr>
-          </a:lstStyle>
-          <a:p>
-            <a:pPr algn="l"/>
-            <a:r>
-              <a:rPr lang="fr-FR" sz="4000" dirty="0"/>
-              <a:t>Conception de la base de données</a:t>
             </a:r>
           </a:p>
           <a:p>
@@ -8062,10 +8710,5836 @@
           </a:p>
         </p:txBody>
       </p:sp>
+      <p:sp>
+        <p:nvSpPr>
+          <p:cNvPr id="15" name="Sous-titre 2">
+            <a:extLst>
+              <a:ext uri="{FF2B5EF4-FFF2-40B4-BE49-F238E27FC236}">
+                <a16:creationId xmlns:a16="http://schemas.microsoft.com/office/drawing/2014/main" id="{EFDBB90E-22B2-4566-AD88-A4B703FD9AD9}"/>
+              </a:ext>
+            </a:extLst>
+          </p:cNvPr>
+          <p:cNvSpPr txBox="1">
+            <a:spLocks/>
+          </p:cNvSpPr>
+          <p:nvPr/>
+        </p:nvSpPr>
+        <p:spPr>
+          <a:xfrm>
+            <a:off x="-6059352" y="2464640"/>
+            <a:ext cx="5665695" cy="879768"/>
+          </a:xfrm>
+          <a:prstGeom prst="rect">
+            <a:avLst/>
+          </a:prstGeom>
+        </p:spPr>
+        <p:txBody>
+          <a:bodyPr vert="horz" lIns="91440" tIns="45720" rIns="91440" bIns="45720" rtlCol="0">
+            <a:normAutofit/>
+          </a:bodyPr>
+          <a:lstStyle>
+            <a:lvl1pPr marL="0" indent="0" algn="ctr" defTabSz="914400" rtl="0" eaLnBrk="1" latinLnBrk="0" hangingPunct="1">
+              <a:lnSpc>
+                <a:spcPct val="90000"/>
+              </a:lnSpc>
+              <a:spcBef>
+                <a:spcPts val="1000"/>
+              </a:spcBef>
+              <a:buFont typeface="Arial" panose="020B0604020202020204" pitchFamily="34" charset="0"/>
+              <a:buNone/>
+              <a:defRPr sz="2400" kern="1200">
+                <a:solidFill>
+                  <a:schemeClr val="tx1"/>
+                </a:solidFill>
+                <a:latin typeface="+mn-lt"/>
+                <a:ea typeface="+mn-ea"/>
+                <a:cs typeface="+mn-cs"/>
+              </a:defRPr>
+            </a:lvl1pPr>
+            <a:lvl2pPr marL="457200" indent="0" algn="ctr" defTabSz="914400" rtl="0" eaLnBrk="1" latinLnBrk="0" hangingPunct="1">
+              <a:lnSpc>
+                <a:spcPct val="90000"/>
+              </a:lnSpc>
+              <a:spcBef>
+                <a:spcPts val="500"/>
+              </a:spcBef>
+              <a:buFont typeface="Arial" panose="020B0604020202020204" pitchFamily="34" charset="0"/>
+              <a:buNone/>
+              <a:defRPr sz="2000" kern="1200">
+                <a:solidFill>
+                  <a:schemeClr val="tx1"/>
+                </a:solidFill>
+                <a:latin typeface="+mn-lt"/>
+                <a:ea typeface="+mn-ea"/>
+                <a:cs typeface="+mn-cs"/>
+              </a:defRPr>
+            </a:lvl2pPr>
+            <a:lvl3pPr marL="914400" indent="0" algn="ctr" defTabSz="914400" rtl="0" eaLnBrk="1" latinLnBrk="0" hangingPunct="1">
+              <a:lnSpc>
+                <a:spcPct val="90000"/>
+              </a:lnSpc>
+              <a:spcBef>
+                <a:spcPts val="500"/>
+              </a:spcBef>
+              <a:buFont typeface="Arial" panose="020B0604020202020204" pitchFamily="34" charset="0"/>
+              <a:buNone/>
+              <a:defRPr sz="1800" kern="1200">
+                <a:solidFill>
+                  <a:schemeClr val="tx1"/>
+                </a:solidFill>
+                <a:latin typeface="+mn-lt"/>
+                <a:ea typeface="+mn-ea"/>
+                <a:cs typeface="+mn-cs"/>
+              </a:defRPr>
+            </a:lvl3pPr>
+            <a:lvl4pPr marL="1371600" indent="0" algn="ctr" defTabSz="914400" rtl="0" eaLnBrk="1" latinLnBrk="0" hangingPunct="1">
+              <a:lnSpc>
+                <a:spcPct val="90000"/>
+              </a:lnSpc>
+              <a:spcBef>
+                <a:spcPts val="500"/>
+              </a:spcBef>
+              <a:buFont typeface="Arial" panose="020B0604020202020204" pitchFamily="34" charset="0"/>
+              <a:buNone/>
+              <a:defRPr sz="1600" kern="1200">
+                <a:solidFill>
+                  <a:schemeClr val="tx1"/>
+                </a:solidFill>
+                <a:latin typeface="+mn-lt"/>
+                <a:ea typeface="+mn-ea"/>
+                <a:cs typeface="+mn-cs"/>
+              </a:defRPr>
+            </a:lvl4pPr>
+            <a:lvl5pPr marL="1828800" indent="0" algn="ctr" defTabSz="914400" rtl="0" eaLnBrk="1" latinLnBrk="0" hangingPunct="1">
+              <a:lnSpc>
+                <a:spcPct val="90000"/>
+              </a:lnSpc>
+              <a:spcBef>
+                <a:spcPts val="500"/>
+              </a:spcBef>
+              <a:buFont typeface="Arial" panose="020B0604020202020204" pitchFamily="34" charset="0"/>
+              <a:buNone/>
+              <a:defRPr sz="1600" kern="1200">
+                <a:solidFill>
+                  <a:schemeClr val="tx1"/>
+                </a:solidFill>
+                <a:latin typeface="+mn-lt"/>
+                <a:ea typeface="+mn-ea"/>
+                <a:cs typeface="+mn-cs"/>
+              </a:defRPr>
+            </a:lvl5pPr>
+            <a:lvl6pPr marL="2286000" indent="0" algn="ctr" defTabSz="914400" rtl="0" eaLnBrk="1" latinLnBrk="0" hangingPunct="1">
+              <a:lnSpc>
+                <a:spcPct val="90000"/>
+              </a:lnSpc>
+              <a:spcBef>
+                <a:spcPts val="500"/>
+              </a:spcBef>
+              <a:buFont typeface="Arial" panose="020B0604020202020204" pitchFamily="34" charset="0"/>
+              <a:buNone/>
+              <a:defRPr sz="1600" kern="1200">
+                <a:solidFill>
+                  <a:schemeClr val="tx1"/>
+                </a:solidFill>
+                <a:latin typeface="+mn-lt"/>
+                <a:ea typeface="+mn-ea"/>
+                <a:cs typeface="+mn-cs"/>
+              </a:defRPr>
+            </a:lvl6pPr>
+            <a:lvl7pPr marL="2743200" indent="0" algn="ctr" defTabSz="914400" rtl="0" eaLnBrk="1" latinLnBrk="0" hangingPunct="1">
+              <a:lnSpc>
+                <a:spcPct val="90000"/>
+              </a:lnSpc>
+              <a:spcBef>
+                <a:spcPts val="500"/>
+              </a:spcBef>
+              <a:buFont typeface="Arial" panose="020B0604020202020204" pitchFamily="34" charset="0"/>
+              <a:buNone/>
+              <a:defRPr sz="1600" kern="1200">
+                <a:solidFill>
+                  <a:schemeClr val="tx1"/>
+                </a:solidFill>
+                <a:latin typeface="+mn-lt"/>
+                <a:ea typeface="+mn-ea"/>
+                <a:cs typeface="+mn-cs"/>
+              </a:defRPr>
+            </a:lvl7pPr>
+            <a:lvl8pPr marL="3200400" indent="0" algn="ctr" defTabSz="914400" rtl="0" eaLnBrk="1" latinLnBrk="0" hangingPunct="1">
+              <a:lnSpc>
+                <a:spcPct val="90000"/>
+              </a:lnSpc>
+              <a:spcBef>
+                <a:spcPts val="500"/>
+              </a:spcBef>
+              <a:buFont typeface="Arial" panose="020B0604020202020204" pitchFamily="34" charset="0"/>
+              <a:buNone/>
+              <a:defRPr sz="1600" kern="1200">
+                <a:solidFill>
+                  <a:schemeClr val="tx1"/>
+                </a:solidFill>
+                <a:latin typeface="+mn-lt"/>
+                <a:ea typeface="+mn-ea"/>
+                <a:cs typeface="+mn-cs"/>
+              </a:defRPr>
+            </a:lvl8pPr>
+            <a:lvl9pPr marL="3657600" indent="0" algn="ctr" defTabSz="914400" rtl="0" eaLnBrk="1" latinLnBrk="0" hangingPunct="1">
+              <a:lnSpc>
+                <a:spcPct val="90000"/>
+              </a:lnSpc>
+              <a:spcBef>
+                <a:spcPts val="500"/>
+              </a:spcBef>
+              <a:buFont typeface="Arial" panose="020B0604020202020204" pitchFamily="34" charset="0"/>
+              <a:buNone/>
+              <a:defRPr sz="1600" kern="1200">
+                <a:solidFill>
+                  <a:schemeClr val="tx1"/>
+                </a:solidFill>
+                <a:latin typeface="+mn-lt"/>
+                <a:ea typeface="+mn-ea"/>
+                <a:cs typeface="+mn-cs"/>
+              </a:defRPr>
+            </a:lvl9pPr>
+          </a:lstStyle>
+          <a:p>
+            <a:pPr algn="l"/>
+            <a:r>
+              <a:rPr lang="fr-FR" dirty="0"/>
+              <a:t>- Conception et développement</a:t>
+            </a:r>
+          </a:p>
+          <a:p>
+            <a:pPr algn="l"/>
+            <a:endParaRPr lang="en-US" dirty="0"/>
+          </a:p>
+        </p:txBody>
+      </p:sp>
+      <p:pic>
+        <p:nvPicPr>
+          <p:cNvPr id="3" name="Image 2">
+            <a:extLst>
+              <a:ext uri="{FF2B5EF4-FFF2-40B4-BE49-F238E27FC236}">
+                <a16:creationId xmlns:a16="http://schemas.microsoft.com/office/drawing/2014/main" id="{CE6FA541-C87C-4BCF-B11E-DF8777BB291F}"/>
+              </a:ext>
+            </a:extLst>
+          </p:cNvPr>
+          <p:cNvPicPr>
+            <a:picLocks noChangeAspect="1"/>
+          </p:cNvPicPr>
+          <p:nvPr/>
+        </p:nvPicPr>
+        <p:blipFill>
+          <a:blip r:embed="rId4">
+            <a:extLst>
+              <a:ext uri="{28A0092B-C50C-407E-A947-70E740481C1C}">
+                <a14:useLocalDpi xmlns:a14="http://schemas.microsoft.com/office/drawing/2010/main" val="0"/>
+              </a:ext>
+            </a:extLst>
+          </a:blip>
+          <a:stretch>
+            <a:fillRect/>
+          </a:stretch>
+        </p:blipFill>
+        <p:spPr>
+          <a:xfrm>
+            <a:off x="372792" y="2111521"/>
+            <a:ext cx="11005775" cy="3814762"/>
+          </a:xfrm>
+          <a:prstGeom prst="rect">
+            <a:avLst/>
+          </a:prstGeom>
+        </p:spPr>
+      </p:pic>
     </p:spTree>
     <p:extLst>
       <p:ext uri="{BB962C8B-B14F-4D97-AF65-F5344CB8AC3E}">
         <p14:creationId xmlns:p14="http://schemas.microsoft.com/office/powerpoint/2010/main" val="2299921893"/>
+      </p:ext>
+    </p:extLst>
+  </p:cSld>
+  <p:clrMapOvr>
+    <a:masterClrMapping/>
+  </p:clrMapOvr>
+  <mc:AlternateContent xmlns:mc="http://schemas.openxmlformats.org/markup-compatibility/2006" xmlns:p159="http://schemas.microsoft.com/office/powerpoint/2015/09/main">
+    <mc:Choice Requires="p159">
+      <p:transition spd="med">
+        <p159:morph option="byObject"/>
+      </p:transition>
+    </mc:Choice>
+    <mc:Fallback xmlns="">
+      <p:transition spd="med">
+        <p:fade/>
+      </p:transition>
+    </mc:Fallback>
+  </mc:AlternateContent>
+</p:sld>
+</file>
+
+<file path=ppt/slides/slide6.xml><?xml version="1.0" encoding="utf-8"?>
+<p:sld xmlns:a="http://schemas.openxmlformats.org/drawingml/2006/main" xmlns:r="http://schemas.openxmlformats.org/officeDocument/2006/relationships" xmlns:p="http://schemas.openxmlformats.org/presentationml/2006/main">
+  <p:cSld>
+    <p:spTree>
+      <p:nvGrpSpPr>
+        <p:cNvPr id="1" name=""/>
+        <p:cNvGrpSpPr/>
+        <p:nvPr/>
+      </p:nvGrpSpPr>
+      <p:grpSpPr>
+        <a:xfrm>
+          <a:off x="0" y="0"/>
+          <a:ext cx="0" cy="0"/>
+          <a:chOff x="0" y="0"/>
+          <a:chExt cx="0" cy="0"/>
+        </a:xfrm>
+      </p:grpSpPr>
+      <p:pic>
+        <p:nvPicPr>
+          <p:cNvPr id="14" name="Image 13">
+            <a:extLst>
+              <a:ext uri="{FF2B5EF4-FFF2-40B4-BE49-F238E27FC236}">
+                <a16:creationId xmlns:a16="http://schemas.microsoft.com/office/drawing/2014/main" id="{F5A204E3-AD38-4434-89DC-E7488ECDD735}"/>
+              </a:ext>
+            </a:extLst>
+          </p:cNvPr>
+          <p:cNvPicPr>
+            <a:picLocks noChangeAspect="1"/>
+          </p:cNvPicPr>
+          <p:nvPr/>
+        </p:nvPicPr>
+        <p:blipFill>
+          <a:blip r:embed="rId2">
+            <a:extLst>
+              <a:ext uri="{28A0092B-C50C-407E-A947-70E740481C1C}">
+                <a14:useLocalDpi xmlns:a14="http://schemas.microsoft.com/office/drawing/2010/main" val="0"/>
+              </a:ext>
+            </a:extLst>
+          </a:blip>
+          <a:stretch>
+            <a:fillRect/>
+          </a:stretch>
+        </p:blipFill>
+        <p:spPr>
+          <a:xfrm>
+            <a:off x="0" y="0"/>
+            <a:ext cx="12271127" cy="6902509"/>
+          </a:xfrm>
+          <a:prstGeom prst="rect">
+            <a:avLst/>
+          </a:prstGeom>
+        </p:spPr>
+      </p:pic>
+      <p:pic>
+        <p:nvPicPr>
+          <p:cNvPr id="9" name="Image 8">
+            <a:extLst>
+              <a:ext uri="{FF2B5EF4-FFF2-40B4-BE49-F238E27FC236}">
+                <a16:creationId xmlns:a16="http://schemas.microsoft.com/office/drawing/2014/main" id="{9EBE9283-C72F-4E8A-AD54-F8637DBD6806}"/>
+              </a:ext>
+            </a:extLst>
+          </p:cNvPr>
+          <p:cNvPicPr>
+            <a:picLocks noChangeAspect="1"/>
+          </p:cNvPicPr>
+          <p:nvPr/>
+        </p:nvPicPr>
+        <p:blipFill>
+          <a:blip r:embed="rId3">
+            <a:extLst>
+              <a:ext uri="{28A0092B-C50C-407E-A947-70E740481C1C}">
+                <a14:useLocalDpi xmlns:a14="http://schemas.microsoft.com/office/drawing/2010/main" val="0"/>
+              </a:ext>
+            </a:extLst>
+          </a:blip>
+          <a:stretch>
+            <a:fillRect/>
+          </a:stretch>
+        </p:blipFill>
+        <p:spPr>
+          <a:xfrm>
+            <a:off x="413464" y="266182"/>
+            <a:ext cx="448235" cy="441988"/>
+          </a:xfrm>
+          <a:prstGeom prst="rect">
+            <a:avLst/>
+          </a:prstGeom>
+        </p:spPr>
+      </p:pic>
+      <p:sp>
+        <p:nvSpPr>
+          <p:cNvPr id="10" name="Titre 9">
+            <a:extLst>
+              <a:ext uri="{FF2B5EF4-FFF2-40B4-BE49-F238E27FC236}">
+                <a16:creationId xmlns:a16="http://schemas.microsoft.com/office/drawing/2014/main" id="{7F8E0F24-CA3E-4387-9B1D-8105ED8F6302}"/>
+              </a:ext>
+            </a:extLst>
+          </p:cNvPr>
+          <p:cNvSpPr>
+            <a:spLocks noGrp="1"/>
+          </p:cNvSpPr>
+          <p:nvPr>
+            <p:ph type="ctrTitle"/>
+          </p:nvPr>
+        </p:nvSpPr>
+        <p:spPr>
+          <a:xfrm>
+            <a:off x="1524000" y="-2750393"/>
+            <a:ext cx="9144000" cy="2387600"/>
+          </a:xfrm>
+        </p:spPr>
+        <p:txBody>
+          <a:bodyPr/>
+          <a:lstStyle/>
+          <a:p>
+            <a:r>
+              <a:rPr lang="en-US" dirty="0"/>
+              <a:t>Table des mat</a:t>
+            </a:r>
+            <a:r>
+              <a:rPr lang="fr-FR" dirty="0" err="1"/>
+              <a:t>ières</a:t>
+            </a:r>
+            <a:endParaRPr lang="en-US" dirty="0"/>
+          </a:p>
+        </p:txBody>
+      </p:sp>
+      <p:sp>
+        <p:nvSpPr>
+          <p:cNvPr id="6" name="Sous-titre 2">
+            <a:extLst>
+              <a:ext uri="{FF2B5EF4-FFF2-40B4-BE49-F238E27FC236}">
+                <a16:creationId xmlns:a16="http://schemas.microsoft.com/office/drawing/2014/main" id="{05116A7A-ED8E-4DD3-AB23-C6AC37D31B1E}"/>
+              </a:ext>
+            </a:extLst>
+          </p:cNvPr>
+          <p:cNvSpPr txBox="1">
+            <a:spLocks/>
+          </p:cNvSpPr>
+          <p:nvPr/>
+        </p:nvSpPr>
+        <p:spPr>
+          <a:xfrm>
+            <a:off x="-6766181" y="1932162"/>
+            <a:ext cx="5665695" cy="879768"/>
+          </a:xfrm>
+          <a:prstGeom prst="rect">
+            <a:avLst/>
+          </a:prstGeom>
+        </p:spPr>
+        <p:txBody>
+          <a:bodyPr vert="horz" lIns="91440" tIns="45720" rIns="91440" bIns="45720" rtlCol="0">
+            <a:normAutofit/>
+          </a:bodyPr>
+          <a:lstStyle>
+            <a:lvl1pPr marL="0" indent="0" algn="ctr" defTabSz="914400" rtl="0" eaLnBrk="1" latinLnBrk="0" hangingPunct="1">
+              <a:lnSpc>
+                <a:spcPct val="90000"/>
+              </a:lnSpc>
+              <a:spcBef>
+                <a:spcPts val="1000"/>
+              </a:spcBef>
+              <a:buFont typeface="Arial" panose="020B0604020202020204" pitchFamily="34" charset="0"/>
+              <a:buNone/>
+              <a:defRPr sz="2400" kern="1200">
+                <a:solidFill>
+                  <a:schemeClr val="tx1"/>
+                </a:solidFill>
+                <a:latin typeface="+mn-lt"/>
+                <a:ea typeface="+mn-ea"/>
+                <a:cs typeface="+mn-cs"/>
+              </a:defRPr>
+            </a:lvl1pPr>
+            <a:lvl2pPr marL="457200" indent="0" algn="ctr" defTabSz="914400" rtl="0" eaLnBrk="1" latinLnBrk="0" hangingPunct="1">
+              <a:lnSpc>
+                <a:spcPct val="90000"/>
+              </a:lnSpc>
+              <a:spcBef>
+                <a:spcPts val="500"/>
+              </a:spcBef>
+              <a:buFont typeface="Arial" panose="020B0604020202020204" pitchFamily="34" charset="0"/>
+              <a:buNone/>
+              <a:defRPr sz="2000" kern="1200">
+                <a:solidFill>
+                  <a:schemeClr val="tx1"/>
+                </a:solidFill>
+                <a:latin typeface="+mn-lt"/>
+                <a:ea typeface="+mn-ea"/>
+                <a:cs typeface="+mn-cs"/>
+              </a:defRPr>
+            </a:lvl2pPr>
+            <a:lvl3pPr marL="914400" indent="0" algn="ctr" defTabSz="914400" rtl="0" eaLnBrk="1" latinLnBrk="0" hangingPunct="1">
+              <a:lnSpc>
+                <a:spcPct val="90000"/>
+              </a:lnSpc>
+              <a:spcBef>
+                <a:spcPts val="500"/>
+              </a:spcBef>
+              <a:buFont typeface="Arial" panose="020B0604020202020204" pitchFamily="34" charset="0"/>
+              <a:buNone/>
+              <a:defRPr sz="1800" kern="1200">
+                <a:solidFill>
+                  <a:schemeClr val="tx1"/>
+                </a:solidFill>
+                <a:latin typeface="+mn-lt"/>
+                <a:ea typeface="+mn-ea"/>
+                <a:cs typeface="+mn-cs"/>
+              </a:defRPr>
+            </a:lvl3pPr>
+            <a:lvl4pPr marL="1371600" indent="0" algn="ctr" defTabSz="914400" rtl="0" eaLnBrk="1" latinLnBrk="0" hangingPunct="1">
+              <a:lnSpc>
+                <a:spcPct val="90000"/>
+              </a:lnSpc>
+              <a:spcBef>
+                <a:spcPts val="500"/>
+              </a:spcBef>
+              <a:buFont typeface="Arial" panose="020B0604020202020204" pitchFamily="34" charset="0"/>
+              <a:buNone/>
+              <a:defRPr sz="1600" kern="1200">
+                <a:solidFill>
+                  <a:schemeClr val="tx1"/>
+                </a:solidFill>
+                <a:latin typeface="+mn-lt"/>
+                <a:ea typeface="+mn-ea"/>
+                <a:cs typeface="+mn-cs"/>
+              </a:defRPr>
+            </a:lvl4pPr>
+            <a:lvl5pPr marL="1828800" indent="0" algn="ctr" defTabSz="914400" rtl="0" eaLnBrk="1" latinLnBrk="0" hangingPunct="1">
+              <a:lnSpc>
+                <a:spcPct val="90000"/>
+              </a:lnSpc>
+              <a:spcBef>
+                <a:spcPts val="500"/>
+              </a:spcBef>
+              <a:buFont typeface="Arial" panose="020B0604020202020204" pitchFamily="34" charset="0"/>
+              <a:buNone/>
+              <a:defRPr sz="1600" kern="1200">
+                <a:solidFill>
+                  <a:schemeClr val="tx1"/>
+                </a:solidFill>
+                <a:latin typeface="+mn-lt"/>
+                <a:ea typeface="+mn-ea"/>
+                <a:cs typeface="+mn-cs"/>
+              </a:defRPr>
+            </a:lvl5pPr>
+            <a:lvl6pPr marL="2286000" indent="0" algn="ctr" defTabSz="914400" rtl="0" eaLnBrk="1" latinLnBrk="0" hangingPunct="1">
+              <a:lnSpc>
+                <a:spcPct val="90000"/>
+              </a:lnSpc>
+              <a:spcBef>
+                <a:spcPts val="500"/>
+              </a:spcBef>
+              <a:buFont typeface="Arial" panose="020B0604020202020204" pitchFamily="34" charset="0"/>
+              <a:buNone/>
+              <a:defRPr sz="1600" kern="1200">
+                <a:solidFill>
+                  <a:schemeClr val="tx1"/>
+                </a:solidFill>
+                <a:latin typeface="+mn-lt"/>
+                <a:ea typeface="+mn-ea"/>
+                <a:cs typeface="+mn-cs"/>
+              </a:defRPr>
+            </a:lvl6pPr>
+            <a:lvl7pPr marL="2743200" indent="0" algn="ctr" defTabSz="914400" rtl="0" eaLnBrk="1" latinLnBrk="0" hangingPunct="1">
+              <a:lnSpc>
+                <a:spcPct val="90000"/>
+              </a:lnSpc>
+              <a:spcBef>
+                <a:spcPts val="500"/>
+              </a:spcBef>
+              <a:buFont typeface="Arial" panose="020B0604020202020204" pitchFamily="34" charset="0"/>
+              <a:buNone/>
+              <a:defRPr sz="1600" kern="1200">
+                <a:solidFill>
+                  <a:schemeClr val="tx1"/>
+                </a:solidFill>
+                <a:latin typeface="+mn-lt"/>
+                <a:ea typeface="+mn-ea"/>
+                <a:cs typeface="+mn-cs"/>
+              </a:defRPr>
+            </a:lvl7pPr>
+            <a:lvl8pPr marL="3200400" indent="0" algn="ctr" defTabSz="914400" rtl="0" eaLnBrk="1" latinLnBrk="0" hangingPunct="1">
+              <a:lnSpc>
+                <a:spcPct val="90000"/>
+              </a:lnSpc>
+              <a:spcBef>
+                <a:spcPts val="500"/>
+              </a:spcBef>
+              <a:buFont typeface="Arial" panose="020B0604020202020204" pitchFamily="34" charset="0"/>
+              <a:buNone/>
+              <a:defRPr sz="1600" kern="1200">
+                <a:solidFill>
+                  <a:schemeClr val="tx1"/>
+                </a:solidFill>
+                <a:latin typeface="+mn-lt"/>
+                <a:ea typeface="+mn-ea"/>
+                <a:cs typeface="+mn-cs"/>
+              </a:defRPr>
+            </a:lvl8pPr>
+            <a:lvl9pPr marL="3657600" indent="0" algn="ctr" defTabSz="914400" rtl="0" eaLnBrk="1" latinLnBrk="0" hangingPunct="1">
+              <a:lnSpc>
+                <a:spcPct val="90000"/>
+              </a:lnSpc>
+              <a:spcBef>
+                <a:spcPts val="500"/>
+              </a:spcBef>
+              <a:buFont typeface="Arial" panose="020B0604020202020204" pitchFamily="34" charset="0"/>
+              <a:buNone/>
+              <a:defRPr sz="1600" kern="1200">
+                <a:solidFill>
+                  <a:schemeClr val="tx1"/>
+                </a:solidFill>
+                <a:latin typeface="+mn-lt"/>
+                <a:ea typeface="+mn-ea"/>
+                <a:cs typeface="+mn-cs"/>
+              </a:defRPr>
+            </a:lvl9pPr>
+          </a:lstStyle>
+          <a:p>
+            <a:pPr algn="l"/>
+            <a:r>
+              <a:rPr lang="fr-FR" dirty="0"/>
+              <a:t>- Cahier de charges et analyses des besoins</a:t>
+            </a:r>
+          </a:p>
+          <a:p>
+            <a:pPr algn="l"/>
+            <a:endParaRPr lang="en-US" dirty="0"/>
+          </a:p>
+        </p:txBody>
+      </p:sp>
+      <p:sp>
+        <p:nvSpPr>
+          <p:cNvPr id="8" name="Sous-titre 2">
+            <a:extLst>
+              <a:ext uri="{FF2B5EF4-FFF2-40B4-BE49-F238E27FC236}">
+                <a16:creationId xmlns:a16="http://schemas.microsoft.com/office/drawing/2014/main" id="{25094B41-AE58-40E1-990A-DCD3353EB428}"/>
+              </a:ext>
+            </a:extLst>
+          </p:cNvPr>
+          <p:cNvSpPr txBox="1">
+            <a:spLocks/>
+          </p:cNvSpPr>
+          <p:nvPr/>
+        </p:nvSpPr>
+        <p:spPr>
+          <a:xfrm>
+            <a:off x="4668435" y="282982"/>
+            <a:ext cx="5665695" cy="879768"/>
+          </a:xfrm>
+          <a:prstGeom prst="rect">
+            <a:avLst/>
+          </a:prstGeom>
+        </p:spPr>
+        <p:txBody>
+          <a:bodyPr vert="horz" lIns="91440" tIns="45720" rIns="91440" bIns="45720" rtlCol="0">
+            <a:normAutofit/>
+          </a:bodyPr>
+          <a:lstStyle>
+            <a:lvl1pPr marL="0" indent="0" algn="ctr" defTabSz="914400" rtl="0" eaLnBrk="1" latinLnBrk="0" hangingPunct="1">
+              <a:lnSpc>
+                <a:spcPct val="90000"/>
+              </a:lnSpc>
+              <a:spcBef>
+                <a:spcPts val="1000"/>
+              </a:spcBef>
+              <a:buFont typeface="Arial" panose="020B0604020202020204" pitchFamily="34" charset="0"/>
+              <a:buNone/>
+              <a:defRPr sz="2400" kern="1200">
+                <a:solidFill>
+                  <a:schemeClr val="tx1"/>
+                </a:solidFill>
+                <a:latin typeface="+mn-lt"/>
+                <a:ea typeface="+mn-ea"/>
+                <a:cs typeface="+mn-cs"/>
+              </a:defRPr>
+            </a:lvl1pPr>
+            <a:lvl2pPr marL="457200" indent="0" algn="ctr" defTabSz="914400" rtl="0" eaLnBrk="1" latinLnBrk="0" hangingPunct="1">
+              <a:lnSpc>
+                <a:spcPct val="90000"/>
+              </a:lnSpc>
+              <a:spcBef>
+                <a:spcPts val="500"/>
+              </a:spcBef>
+              <a:buFont typeface="Arial" panose="020B0604020202020204" pitchFamily="34" charset="0"/>
+              <a:buNone/>
+              <a:defRPr sz="2000" kern="1200">
+                <a:solidFill>
+                  <a:schemeClr val="tx1"/>
+                </a:solidFill>
+                <a:latin typeface="+mn-lt"/>
+                <a:ea typeface="+mn-ea"/>
+                <a:cs typeface="+mn-cs"/>
+              </a:defRPr>
+            </a:lvl2pPr>
+            <a:lvl3pPr marL="914400" indent="0" algn="ctr" defTabSz="914400" rtl="0" eaLnBrk="1" latinLnBrk="0" hangingPunct="1">
+              <a:lnSpc>
+                <a:spcPct val="90000"/>
+              </a:lnSpc>
+              <a:spcBef>
+                <a:spcPts val="500"/>
+              </a:spcBef>
+              <a:buFont typeface="Arial" panose="020B0604020202020204" pitchFamily="34" charset="0"/>
+              <a:buNone/>
+              <a:defRPr sz="1800" kern="1200">
+                <a:solidFill>
+                  <a:schemeClr val="tx1"/>
+                </a:solidFill>
+                <a:latin typeface="+mn-lt"/>
+                <a:ea typeface="+mn-ea"/>
+                <a:cs typeface="+mn-cs"/>
+              </a:defRPr>
+            </a:lvl3pPr>
+            <a:lvl4pPr marL="1371600" indent="0" algn="ctr" defTabSz="914400" rtl="0" eaLnBrk="1" latinLnBrk="0" hangingPunct="1">
+              <a:lnSpc>
+                <a:spcPct val="90000"/>
+              </a:lnSpc>
+              <a:spcBef>
+                <a:spcPts val="500"/>
+              </a:spcBef>
+              <a:buFont typeface="Arial" panose="020B0604020202020204" pitchFamily="34" charset="0"/>
+              <a:buNone/>
+              <a:defRPr sz="1600" kern="1200">
+                <a:solidFill>
+                  <a:schemeClr val="tx1"/>
+                </a:solidFill>
+                <a:latin typeface="+mn-lt"/>
+                <a:ea typeface="+mn-ea"/>
+                <a:cs typeface="+mn-cs"/>
+              </a:defRPr>
+            </a:lvl4pPr>
+            <a:lvl5pPr marL="1828800" indent="0" algn="ctr" defTabSz="914400" rtl="0" eaLnBrk="1" latinLnBrk="0" hangingPunct="1">
+              <a:lnSpc>
+                <a:spcPct val="90000"/>
+              </a:lnSpc>
+              <a:spcBef>
+                <a:spcPts val="500"/>
+              </a:spcBef>
+              <a:buFont typeface="Arial" panose="020B0604020202020204" pitchFamily="34" charset="0"/>
+              <a:buNone/>
+              <a:defRPr sz="1600" kern="1200">
+                <a:solidFill>
+                  <a:schemeClr val="tx1"/>
+                </a:solidFill>
+                <a:latin typeface="+mn-lt"/>
+                <a:ea typeface="+mn-ea"/>
+                <a:cs typeface="+mn-cs"/>
+              </a:defRPr>
+            </a:lvl5pPr>
+            <a:lvl6pPr marL="2286000" indent="0" algn="ctr" defTabSz="914400" rtl="0" eaLnBrk="1" latinLnBrk="0" hangingPunct="1">
+              <a:lnSpc>
+                <a:spcPct val="90000"/>
+              </a:lnSpc>
+              <a:spcBef>
+                <a:spcPts val="500"/>
+              </a:spcBef>
+              <a:buFont typeface="Arial" panose="020B0604020202020204" pitchFamily="34" charset="0"/>
+              <a:buNone/>
+              <a:defRPr sz="1600" kern="1200">
+                <a:solidFill>
+                  <a:schemeClr val="tx1"/>
+                </a:solidFill>
+                <a:latin typeface="+mn-lt"/>
+                <a:ea typeface="+mn-ea"/>
+                <a:cs typeface="+mn-cs"/>
+              </a:defRPr>
+            </a:lvl6pPr>
+            <a:lvl7pPr marL="2743200" indent="0" algn="ctr" defTabSz="914400" rtl="0" eaLnBrk="1" latinLnBrk="0" hangingPunct="1">
+              <a:lnSpc>
+                <a:spcPct val="90000"/>
+              </a:lnSpc>
+              <a:spcBef>
+                <a:spcPts val="500"/>
+              </a:spcBef>
+              <a:buFont typeface="Arial" panose="020B0604020202020204" pitchFamily="34" charset="0"/>
+              <a:buNone/>
+              <a:defRPr sz="1600" kern="1200">
+                <a:solidFill>
+                  <a:schemeClr val="tx1"/>
+                </a:solidFill>
+                <a:latin typeface="+mn-lt"/>
+                <a:ea typeface="+mn-ea"/>
+                <a:cs typeface="+mn-cs"/>
+              </a:defRPr>
+            </a:lvl7pPr>
+            <a:lvl8pPr marL="3200400" indent="0" algn="ctr" defTabSz="914400" rtl="0" eaLnBrk="1" latinLnBrk="0" hangingPunct="1">
+              <a:lnSpc>
+                <a:spcPct val="90000"/>
+              </a:lnSpc>
+              <a:spcBef>
+                <a:spcPts val="500"/>
+              </a:spcBef>
+              <a:buFont typeface="Arial" panose="020B0604020202020204" pitchFamily="34" charset="0"/>
+              <a:buNone/>
+              <a:defRPr sz="1600" kern="1200">
+                <a:solidFill>
+                  <a:schemeClr val="tx1"/>
+                </a:solidFill>
+                <a:latin typeface="+mn-lt"/>
+                <a:ea typeface="+mn-ea"/>
+                <a:cs typeface="+mn-cs"/>
+              </a:defRPr>
+            </a:lvl8pPr>
+            <a:lvl9pPr marL="3657600" indent="0" algn="ctr" defTabSz="914400" rtl="0" eaLnBrk="1" latinLnBrk="0" hangingPunct="1">
+              <a:lnSpc>
+                <a:spcPct val="90000"/>
+              </a:lnSpc>
+              <a:spcBef>
+                <a:spcPts val="500"/>
+              </a:spcBef>
+              <a:buFont typeface="Arial" panose="020B0604020202020204" pitchFamily="34" charset="0"/>
+              <a:buNone/>
+              <a:defRPr sz="1600" kern="1200">
+                <a:solidFill>
+                  <a:schemeClr val="tx1"/>
+                </a:solidFill>
+                <a:latin typeface="+mn-lt"/>
+                <a:ea typeface="+mn-ea"/>
+                <a:cs typeface="+mn-cs"/>
+              </a:defRPr>
+            </a:lvl9pPr>
+          </a:lstStyle>
+          <a:p>
+            <a:pPr algn="l"/>
+            <a:r>
+              <a:rPr lang="fr-FR" dirty="0"/>
+              <a:t>Conception et développement</a:t>
+            </a:r>
+          </a:p>
+          <a:p>
+            <a:pPr algn="l"/>
+            <a:endParaRPr lang="en-US" dirty="0"/>
+          </a:p>
+        </p:txBody>
+      </p:sp>
+      <p:sp>
+        <p:nvSpPr>
+          <p:cNvPr id="11" name="Sous-titre 2">
+            <a:extLst>
+              <a:ext uri="{FF2B5EF4-FFF2-40B4-BE49-F238E27FC236}">
+                <a16:creationId xmlns:a16="http://schemas.microsoft.com/office/drawing/2014/main" id="{F0D9748C-C317-4433-8E42-65A40EAB0073}"/>
+              </a:ext>
+            </a:extLst>
+          </p:cNvPr>
+          <p:cNvSpPr txBox="1">
+            <a:spLocks/>
+          </p:cNvSpPr>
+          <p:nvPr/>
+        </p:nvSpPr>
+        <p:spPr>
+          <a:xfrm>
+            <a:off x="-6059351" y="3387522"/>
+            <a:ext cx="5665695" cy="879768"/>
+          </a:xfrm>
+          <a:prstGeom prst="rect">
+            <a:avLst/>
+          </a:prstGeom>
+        </p:spPr>
+        <p:txBody>
+          <a:bodyPr vert="horz" lIns="91440" tIns="45720" rIns="91440" bIns="45720" rtlCol="0">
+            <a:normAutofit/>
+          </a:bodyPr>
+          <a:lstStyle>
+            <a:lvl1pPr marL="0" indent="0" algn="ctr" defTabSz="914400" rtl="0" eaLnBrk="1" latinLnBrk="0" hangingPunct="1">
+              <a:lnSpc>
+                <a:spcPct val="90000"/>
+              </a:lnSpc>
+              <a:spcBef>
+                <a:spcPts val="1000"/>
+              </a:spcBef>
+              <a:buFont typeface="Arial" panose="020B0604020202020204" pitchFamily="34" charset="0"/>
+              <a:buNone/>
+              <a:defRPr sz="2400" kern="1200">
+                <a:solidFill>
+                  <a:schemeClr val="tx1"/>
+                </a:solidFill>
+                <a:latin typeface="+mn-lt"/>
+                <a:ea typeface="+mn-ea"/>
+                <a:cs typeface="+mn-cs"/>
+              </a:defRPr>
+            </a:lvl1pPr>
+            <a:lvl2pPr marL="457200" indent="0" algn="ctr" defTabSz="914400" rtl="0" eaLnBrk="1" latinLnBrk="0" hangingPunct="1">
+              <a:lnSpc>
+                <a:spcPct val="90000"/>
+              </a:lnSpc>
+              <a:spcBef>
+                <a:spcPts val="500"/>
+              </a:spcBef>
+              <a:buFont typeface="Arial" panose="020B0604020202020204" pitchFamily="34" charset="0"/>
+              <a:buNone/>
+              <a:defRPr sz="2000" kern="1200">
+                <a:solidFill>
+                  <a:schemeClr val="tx1"/>
+                </a:solidFill>
+                <a:latin typeface="+mn-lt"/>
+                <a:ea typeface="+mn-ea"/>
+                <a:cs typeface="+mn-cs"/>
+              </a:defRPr>
+            </a:lvl2pPr>
+            <a:lvl3pPr marL="914400" indent="0" algn="ctr" defTabSz="914400" rtl="0" eaLnBrk="1" latinLnBrk="0" hangingPunct="1">
+              <a:lnSpc>
+                <a:spcPct val="90000"/>
+              </a:lnSpc>
+              <a:spcBef>
+                <a:spcPts val="500"/>
+              </a:spcBef>
+              <a:buFont typeface="Arial" panose="020B0604020202020204" pitchFamily="34" charset="0"/>
+              <a:buNone/>
+              <a:defRPr sz="1800" kern="1200">
+                <a:solidFill>
+                  <a:schemeClr val="tx1"/>
+                </a:solidFill>
+                <a:latin typeface="+mn-lt"/>
+                <a:ea typeface="+mn-ea"/>
+                <a:cs typeface="+mn-cs"/>
+              </a:defRPr>
+            </a:lvl3pPr>
+            <a:lvl4pPr marL="1371600" indent="0" algn="ctr" defTabSz="914400" rtl="0" eaLnBrk="1" latinLnBrk="0" hangingPunct="1">
+              <a:lnSpc>
+                <a:spcPct val="90000"/>
+              </a:lnSpc>
+              <a:spcBef>
+                <a:spcPts val="500"/>
+              </a:spcBef>
+              <a:buFont typeface="Arial" panose="020B0604020202020204" pitchFamily="34" charset="0"/>
+              <a:buNone/>
+              <a:defRPr sz="1600" kern="1200">
+                <a:solidFill>
+                  <a:schemeClr val="tx1"/>
+                </a:solidFill>
+                <a:latin typeface="+mn-lt"/>
+                <a:ea typeface="+mn-ea"/>
+                <a:cs typeface="+mn-cs"/>
+              </a:defRPr>
+            </a:lvl4pPr>
+            <a:lvl5pPr marL="1828800" indent="0" algn="ctr" defTabSz="914400" rtl="0" eaLnBrk="1" latinLnBrk="0" hangingPunct="1">
+              <a:lnSpc>
+                <a:spcPct val="90000"/>
+              </a:lnSpc>
+              <a:spcBef>
+                <a:spcPts val="500"/>
+              </a:spcBef>
+              <a:buFont typeface="Arial" panose="020B0604020202020204" pitchFamily="34" charset="0"/>
+              <a:buNone/>
+              <a:defRPr sz="1600" kern="1200">
+                <a:solidFill>
+                  <a:schemeClr val="tx1"/>
+                </a:solidFill>
+                <a:latin typeface="+mn-lt"/>
+                <a:ea typeface="+mn-ea"/>
+                <a:cs typeface="+mn-cs"/>
+              </a:defRPr>
+            </a:lvl5pPr>
+            <a:lvl6pPr marL="2286000" indent="0" algn="ctr" defTabSz="914400" rtl="0" eaLnBrk="1" latinLnBrk="0" hangingPunct="1">
+              <a:lnSpc>
+                <a:spcPct val="90000"/>
+              </a:lnSpc>
+              <a:spcBef>
+                <a:spcPts val="500"/>
+              </a:spcBef>
+              <a:buFont typeface="Arial" panose="020B0604020202020204" pitchFamily="34" charset="0"/>
+              <a:buNone/>
+              <a:defRPr sz="1600" kern="1200">
+                <a:solidFill>
+                  <a:schemeClr val="tx1"/>
+                </a:solidFill>
+                <a:latin typeface="+mn-lt"/>
+                <a:ea typeface="+mn-ea"/>
+                <a:cs typeface="+mn-cs"/>
+              </a:defRPr>
+            </a:lvl6pPr>
+            <a:lvl7pPr marL="2743200" indent="0" algn="ctr" defTabSz="914400" rtl="0" eaLnBrk="1" latinLnBrk="0" hangingPunct="1">
+              <a:lnSpc>
+                <a:spcPct val="90000"/>
+              </a:lnSpc>
+              <a:spcBef>
+                <a:spcPts val="500"/>
+              </a:spcBef>
+              <a:buFont typeface="Arial" panose="020B0604020202020204" pitchFamily="34" charset="0"/>
+              <a:buNone/>
+              <a:defRPr sz="1600" kern="1200">
+                <a:solidFill>
+                  <a:schemeClr val="tx1"/>
+                </a:solidFill>
+                <a:latin typeface="+mn-lt"/>
+                <a:ea typeface="+mn-ea"/>
+                <a:cs typeface="+mn-cs"/>
+              </a:defRPr>
+            </a:lvl7pPr>
+            <a:lvl8pPr marL="3200400" indent="0" algn="ctr" defTabSz="914400" rtl="0" eaLnBrk="1" latinLnBrk="0" hangingPunct="1">
+              <a:lnSpc>
+                <a:spcPct val="90000"/>
+              </a:lnSpc>
+              <a:spcBef>
+                <a:spcPts val="500"/>
+              </a:spcBef>
+              <a:buFont typeface="Arial" panose="020B0604020202020204" pitchFamily="34" charset="0"/>
+              <a:buNone/>
+              <a:defRPr sz="1600" kern="1200">
+                <a:solidFill>
+                  <a:schemeClr val="tx1"/>
+                </a:solidFill>
+                <a:latin typeface="+mn-lt"/>
+                <a:ea typeface="+mn-ea"/>
+                <a:cs typeface="+mn-cs"/>
+              </a:defRPr>
+            </a:lvl8pPr>
+            <a:lvl9pPr marL="3657600" indent="0" algn="ctr" defTabSz="914400" rtl="0" eaLnBrk="1" latinLnBrk="0" hangingPunct="1">
+              <a:lnSpc>
+                <a:spcPct val="90000"/>
+              </a:lnSpc>
+              <a:spcBef>
+                <a:spcPts val="500"/>
+              </a:spcBef>
+              <a:buFont typeface="Arial" panose="020B0604020202020204" pitchFamily="34" charset="0"/>
+              <a:buNone/>
+              <a:defRPr sz="1600" kern="1200">
+                <a:solidFill>
+                  <a:schemeClr val="tx1"/>
+                </a:solidFill>
+                <a:latin typeface="+mn-lt"/>
+                <a:ea typeface="+mn-ea"/>
+                <a:cs typeface="+mn-cs"/>
+              </a:defRPr>
+            </a:lvl9pPr>
+          </a:lstStyle>
+          <a:p>
+            <a:pPr algn="l"/>
+            <a:r>
+              <a:rPr lang="fr-FR" dirty="0"/>
+              <a:t>- Sécurités</a:t>
+            </a:r>
+          </a:p>
+          <a:p>
+            <a:pPr algn="l"/>
+            <a:endParaRPr lang="en-US" dirty="0"/>
+          </a:p>
+        </p:txBody>
+      </p:sp>
+      <p:sp>
+        <p:nvSpPr>
+          <p:cNvPr id="12" name="Sous-titre 2">
+            <a:extLst>
+              <a:ext uri="{FF2B5EF4-FFF2-40B4-BE49-F238E27FC236}">
+                <a16:creationId xmlns:a16="http://schemas.microsoft.com/office/drawing/2014/main" id="{F1F49EB7-3FFC-48A0-852D-B9B9324DCB2B}"/>
+              </a:ext>
+            </a:extLst>
+          </p:cNvPr>
+          <p:cNvSpPr txBox="1">
+            <a:spLocks/>
+          </p:cNvSpPr>
+          <p:nvPr/>
+        </p:nvSpPr>
+        <p:spPr>
+          <a:xfrm>
+            <a:off x="-6054985" y="3861333"/>
+            <a:ext cx="5665695" cy="879768"/>
+          </a:xfrm>
+          <a:prstGeom prst="rect">
+            <a:avLst/>
+          </a:prstGeom>
+        </p:spPr>
+        <p:txBody>
+          <a:bodyPr vert="horz" lIns="91440" tIns="45720" rIns="91440" bIns="45720" rtlCol="0">
+            <a:normAutofit/>
+          </a:bodyPr>
+          <a:lstStyle>
+            <a:lvl1pPr marL="0" indent="0" algn="ctr" defTabSz="914400" rtl="0" eaLnBrk="1" latinLnBrk="0" hangingPunct="1">
+              <a:lnSpc>
+                <a:spcPct val="90000"/>
+              </a:lnSpc>
+              <a:spcBef>
+                <a:spcPts val="1000"/>
+              </a:spcBef>
+              <a:buFont typeface="Arial" panose="020B0604020202020204" pitchFamily="34" charset="0"/>
+              <a:buNone/>
+              <a:defRPr sz="2400" kern="1200">
+                <a:solidFill>
+                  <a:schemeClr val="tx1"/>
+                </a:solidFill>
+                <a:latin typeface="+mn-lt"/>
+                <a:ea typeface="+mn-ea"/>
+                <a:cs typeface="+mn-cs"/>
+              </a:defRPr>
+            </a:lvl1pPr>
+            <a:lvl2pPr marL="457200" indent="0" algn="ctr" defTabSz="914400" rtl="0" eaLnBrk="1" latinLnBrk="0" hangingPunct="1">
+              <a:lnSpc>
+                <a:spcPct val="90000"/>
+              </a:lnSpc>
+              <a:spcBef>
+                <a:spcPts val="500"/>
+              </a:spcBef>
+              <a:buFont typeface="Arial" panose="020B0604020202020204" pitchFamily="34" charset="0"/>
+              <a:buNone/>
+              <a:defRPr sz="2000" kern="1200">
+                <a:solidFill>
+                  <a:schemeClr val="tx1"/>
+                </a:solidFill>
+                <a:latin typeface="+mn-lt"/>
+                <a:ea typeface="+mn-ea"/>
+                <a:cs typeface="+mn-cs"/>
+              </a:defRPr>
+            </a:lvl2pPr>
+            <a:lvl3pPr marL="914400" indent="0" algn="ctr" defTabSz="914400" rtl="0" eaLnBrk="1" latinLnBrk="0" hangingPunct="1">
+              <a:lnSpc>
+                <a:spcPct val="90000"/>
+              </a:lnSpc>
+              <a:spcBef>
+                <a:spcPts val="500"/>
+              </a:spcBef>
+              <a:buFont typeface="Arial" panose="020B0604020202020204" pitchFamily="34" charset="0"/>
+              <a:buNone/>
+              <a:defRPr sz="1800" kern="1200">
+                <a:solidFill>
+                  <a:schemeClr val="tx1"/>
+                </a:solidFill>
+                <a:latin typeface="+mn-lt"/>
+                <a:ea typeface="+mn-ea"/>
+                <a:cs typeface="+mn-cs"/>
+              </a:defRPr>
+            </a:lvl3pPr>
+            <a:lvl4pPr marL="1371600" indent="0" algn="ctr" defTabSz="914400" rtl="0" eaLnBrk="1" latinLnBrk="0" hangingPunct="1">
+              <a:lnSpc>
+                <a:spcPct val="90000"/>
+              </a:lnSpc>
+              <a:spcBef>
+                <a:spcPts val="500"/>
+              </a:spcBef>
+              <a:buFont typeface="Arial" panose="020B0604020202020204" pitchFamily="34" charset="0"/>
+              <a:buNone/>
+              <a:defRPr sz="1600" kern="1200">
+                <a:solidFill>
+                  <a:schemeClr val="tx1"/>
+                </a:solidFill>
+                <a:latin typeface="+mn-lt"/>
+                <a:ea typeface="+mn-ea"/>
+                <a:cs typeface="+mn-cs"/>
+              </a:defRPr>
+            </a:lvl4pPr>
+            <a:lvl5pPr marL="1828800" indent="0" algn="ctr" defTabSz="914400" rtl="0" eaLnBrk="1" latinLnBrk="0" hangingPunct="1">
+              <a:lnSpc>
+                <a:spcPct val="90000"/>
+              </a:lnSpc>
+              <a:spcBef>
+                <a:spcPts val="500"/>
+              </a:spcBef>
+              <a:buFont typeface="Arial" panose="020B0604020202020204" pitchFamily="34" charset="0"/>
+              <a:buNone/>
+              <a:defRPr sz="1600" kern="1200">
+                <a:solidFill>
+                  <a:schemeClr val="tx1"/>
+                </a:solidFill>
+                <a:latin typeface="+mn-lt"/>
+                <a:ea typeface="+mn-ea"/>
+                <a:cs typeface="+mn-cs"/>
+              </a:defRPr>
+            </a:lvl5pPr>
+            <a:lvl6pPr marL="2286000" indent="0" algn="ctr" defTabSz="914400" rtl="0" eaLnBrk="1" latinLnBrk="0" hangingPunct="1">
+              <a:lnSpc>
+                <a:spcPct val="90000"/>
+              </a:lnSpc>
+              <a:spcBef>
+                <a:spcPts val="500"/>
+              </a:spcBef>
+              <a:buFont typeface="Arial" panose="020B0604020202020204" pitchFamily="34" charset="0"/>
+              <a:buNone/>
+              <a:defRPr sz="1600" kern="1200">
+                <a:solidFill>
+                  <a:schemeClr val="tx1"/>
+                </a:solidFill>
+                <a:latin typeface="+mn-lt"/>
+                <a:ea typeface="+mn-ea"/>
+                <a:cs typeface="+mn-cs"/>
+              </a:defRPr>
+            </a:lvl6pPr>
+            <a:lvl7pPr marL="2743200" indent="0" algn="ctr" defTabSz="914400" rtl="0" eaLnBrk="1" latinLnBrk="0" hangingPunct="1">
+              <a:lnSpc>
+                <a:spcPct val="90000"/>
+              </a:lnSpc>
+              <a:spcBef>
+                <a:spcPts val="500"/>
+              </a:spcBef>
+              <a:buFont typeface="Arial" panose="020B0604020202020204" pitchFamily="34" charset="0"/>
+              <a:buNone/>
+              <a:defRPr sz="1600" kern="1200">
+                <a:solidFill>
+                  <a:schemeClr val="tx1"/>
+                </a:solidFill>
+                <a:latin typeface="+mn-lt"/>
+                <a:ea typeface="+mn-ea"/>
+                <a:cs typeface="+mn-cs"/>
+              </a:defRPr>
+            </a:lvl7pPr>
+            <a:lvl8pPr marL="3200400" indent="0" algn="ctr" defTabSz="914400" rtl="0" eaLnBrk="1" latinLnBrk="0" hangingPunct="1">
+              <a:lnSpc>
+                <a:spcPct val="90000"/>
+              </a:lnSpc>
+              <a:spcBef>
+                <a:spcPts val="500"/>
+              </a:spcBef>
+              <a:buFont typeface="Arial" panose="020B0604020202020204" pitchFamily="34" charset="0"/>
+              <a:buNone/>
+              <a:defRPr sz="1600" kern="1200">
+                <a:solidFill>
+                  <a:schemeClr val="tx1"/>
+                </a:solidFill>
+                <a:latin typeface="+mn-lt"/>
+                <a:ea typeface="+mn-ea"/>
+                <a:cs typeface="+mn-cs"/>
+              </a:defRPr>
+            </a:lvl8pPr>
+            <a:lvl9pPr marL="3657600" indent="0" algn="ctr" defTabSz="914400" rtl="0" eaLnBrk="1" latinLnBrk="0" hangingPunct="1">
+              <a:lnSpc>
+                <a:spcPct val="90000"/>
+              </a:lnSpc>
+              <a:spcBef>
+                <a:spcPts val="500"/>
+              </a:spcBef>
+              <a:buFont typeface="Arial" panose="020B0604020202020204" pitchFamily="34" charset="0"/>
+              <a:buNone/>
+              <a:defRPr sz="1600" kern="1200">
+                <a:solidFill>
+                  <a:schemeClr val="tx1"/>
+                </a:solidFill>
+                <a:latin typeface="+mn-lt"/>
+                <a:ea typeface="+mn-ea"/>
+                <a:cs typeface="+mn-cs"/>
+              </a:defRPr>
+            </a:lvl9pPr>
+          </a:lstStyle>
+          <a:p>
+            <a:pPr algn="l"/>
+            <a:r>
+              <a:rPr lang="fr-FR" dirty="0"/>
+              <a:t>- RGPD</a:t>
+            </a:r>
+          </a:p>
+          <a:p>
+            <a:pPr algn="l"/>
+            <a:endParaRPr lang="en-US" dirty="0"/>
+          </a:p>
+        </p:txBody>
+      </p:sp>
+      <p:sp>
+        <p:nvSpPr>
+          <p:cNvPr id="13" name="Sous-titre 2">
+            <a:extLst>
+              <a:ext uri="{FF2B5EF4-FFF2-40B4-BE49-F238E27FC236}">
+                <a16:creationId xmlns:a16="http://schemas.microsoft.com/office/drawing/2014/main" id="{F30AF87E-AFB2-4E5D-B616-D7A6CDF4E9CC}"/>
+              </a:ext>
+            </a:extLst>
+          </p:cNvPr>
+          <p:cNvSpPr txBox="1">
+            <a:spLocks/>
+          </p:cNvSpPr>
+          <p:nvPr/>
+        </p:nvSpPr>
+        <p:spPr>
+          <a:xfrm>
+            <a:off x="-6054986" y="4335144"/>
+            <a:ext cx="5665695" cy="879768"/>
+          </a:xfrm>
+          <a:prstGeom prst="rect">
+            <a:avLst/>
+          </a:prstGeom>
+        </p:spPr>
+        <p:txBody>
+          <a:bodyPr vert="horz" lIns="91440" tIns="45720" rIns="91440" bIns="45720" rtlCol="0">
+            <a:normAutofit/>
+          </a:bodyPr>
+          <a:lstStyle>
+            <a:lvl1pPr marL="0" indent="0" algn="ctr" defTabSz="914400" rtl="0" eaLnBrk="1" latinLnBrk="0" hangingPunct="1">
+              <a:lnSpc>
+                <a:spcPct val="90000"/>
+              </a:lnSpc>
+              <a:spcBef>
+                <a:spcPts val="1000"/>
+              </a:spcBef>
+              <a:buFont typeface="Arial" panose="020B0604020202020204" pitchFamily="34" charset="0"/>
+              <a:buNone/>
+              <a:defRPr sz="2400" kern="1200">
+                <a:solidFill>
+                  <a:schemeClr val="tx1"/>
+                </a:solidFill>
+                <a:latin typeface="+mn-lt"/>
+                <a:ea typeface="+mn-ea"/>
+                <a:cs typeface="+mn-cs"/>
+              </a:defRPr>
+            </a:lvl1pPr>
+            <a:lvl2pPr marL="457200" indent="0" algn="ctr" defTabSz="914400" rtl="0" eaLnBrk="1" latinLnBrk="0" hangingPunct="1">
+              <a:lnSpc>
+                <a:spcPct val="90000"/>
+              </a:lnSpc>
+              <a:spcBef>
+                <a:spcPts val="500"/>
+              </a:spcBef>
+              <a:buFont typeface="Arial" panose="020B0604020202020204" pitchFamily="34" charset="0"/>
+              <a:buNone/>
+              <a:defRPr sz="2000" kern="1200">
+                <a:solidFill>
+                  <a:schemeClr val="tx1"/>
+                </a:solidFill>
+                <a:latin typeface="+mn-lt"/>
+                <a:ea typeface="+mn-ea"/>
+                <a:cs typeface="+mn-cs"/>
+              </a:defRPr>
+            </a:lvl2pPr>
+            <a:lvl3pPr marL="914400" indent="0" algn="ctr" defTabSz="914400" rtl="0" eaLnBrk="1" latinLnBrk="0" hangingPunct="1">
+              <a:lnSpc>
+                <a:spcPct val="90000"/>
+              </a:lnSpc>
+              <a:spcBef>
+                <a:spcPts val="500"/>
+              </a:spcBef>
+              <a:buFont typeface="Arial" panose="020B0604020202020204" pitchFamily="34" charset="0"/>
+              <a:buNone/>
+              <a:defRPr sz="1800" kern="1200">
+                <a:solidFill>
+                  <a:schemeClr val="tx1"/>
+                </a:solidFill>
+                <a:latin typeface="+mn-lt"/>
+                <a:ea typeface="+mn-ea"/>
+                <a:cs typeface="+mn-cs"/>
+              </a:defRPr>
+            </a:lvl3pPr>
+            <a:lvl4pPr marL="1371600" indent="0" algn="ctr" defTabSz="914400" rtl="0" eaLnBrk="1" latinLnBrk="0" hangingPunct="1">
+              <a:lnSpc>
+                <a:spcPct val="90000"/>
+              </a:lnSpc>
+              <a:spcBef>
+                <a:spcPts val="500"/>
+              </a:spcBef>
+              <a:buFont typeface="Arial" panose="020B0604020202020204" pitchFamily="34" charset="0"/>
+              <a:buNone/>
+              <a:defRPr sz="1600" kern="1200">
+                <a:solidFill>
+                  <a:schemeClr val="tx1"/>
+                </a:solidFill>
+                <a:latin typeface="+mn-lt"/>
+                <a:ea typeface="+mn-ea"/>
+                <a:cs typeface="+mn-cs"/>
+              </a:defRPr>
+            </a:lvl4pPr>
+            <a:lvl5pPr marL="1828800" indent="0" algn="ctr" defTabSz="914400" rtl="0" eaLnBrk="1" latinLnBrk="0" hangingPunct="1">
+              <a:lnSpc>
+                <a:spcPct val="90000"/>
+              </a:lnSpc>
+              <a:spcBef>
+                <a:spcPts val="500"/>
+              </a:spcBef>
+              <a:buFont typeface="Arial" panose="020B0604020202020204" pitchFamily="34" charset="0"/>
+              <a:buNone/>
+              <a:defRPr sz="1600" kern="1200">
+                <a:solidFill>
+                  <a:schemeClr val="tx1"/>
+                </a:solidFill>
+                <a:latin typeface="+mn-lt"/>
+                <a:ea typeface="+mn-ea"/>
+                <a:cs typeface="+mn-cs"/>
+              </a:defRPr>
+            </a:lvl5pPr>
+            <a:lvl6pPr marL="2286000" indent="0" algn="ctr" defTabSz="914400" rtl="0" eaLnBrk="1" latinLnBrk="0" hangingPunct="1">
+              <a:lnSpc>
+                <a:spcPct val="90000"/>
+              </a:lnSpc>
+              <a:spcBef>
+                <a:spcPts val="500"/>
+              </a:spcBef>
+              <a:buFont typeface="Arial" panose="020B0604020202020204" pitchFamily="34" charset="0"/>
+              <a:buNone/>
+              <a:defRPr sz="1600" kern="1200">
+                <a:solidFill>
+                  <a:schemeClr val="tx1"/>
+                </a:solidFill>
+                <a:latin typeface="+mn-lt"/>
+                <a:ea typeface="+mn-ea"/>
+                <a:cs typeface="+mn-cs"/>
+              </a:defRPr>
+            </a:lvl6pPr>
+            <a:lvl7pPr marL="2743200" indent="0" algn="ctr" defTabSz="914400" rtl="0" eaLnBrk="1" latinLnBrk="0" hangingPunct="1">
+              <a:lnSpc>
+                <a:spcPct val="90000"/>
+              </a:lnSpc>
+              <a:spcBef>
+                <a:spcPts val="500"/>
+              </a:spcBef>
+              <a:buFont typeface="Arial" panose="020B0604020202020204" pitchFamily="34" charset="0"/>
+              <a:buNone/>
+              <a:defRPr sz="1600" kern="1200">
+                <a:solidFill>
+                  <a:schemeClr val="tx1"/>
+                </a:solidFill>
+                <a:latin typeface="+mn-lt"/>
+                <a:ea typeface="+mn-ea"/>
+                <a:cs typeface="+mn-cs"/>
+              </a:defRPr>
+            </a:lvl7pPr>
+            <a:lvl8pPr marL="3200400" indent="0" algn="ctr" defTabSz="914400" rtl="0" eaLnBrk="1" latinLnBrk="0" hangingPunct="1">
+              <a:lnSpc>
+                <a:spcPct val="90000"/>
+              </a:lnSpc>
+              <a:spcBef>
+                <a:spcPts val="500"/>
+              </a:spcBef>
+              <a:buFont typeface="Arial" panose="020B0604020202020204" pitchFamily="34" charset="0"/>
+              <a:buNone/>
+              <a:defRPr sz="1600" kern="1200">
+                <a:solidFill>
+                  <a:schemeClr val="tx1"/>
+                </a:solidFill>
+                <a:latin typeface="+mn-lt"/>
+                <a:ea typeface="+mn-ea"/>
+                <a:cs typeface="+mn-cs"/>
+              </a:defRPr>
+            </a:lvl8pPr>
+            <a:lvl9pPr marL="3657600" indent="0" algn="ctr" defTabSz="914400" rtl="0" eaLnBrk="1" latinLnBrk="0" hangingPunct="1">
+              <a:lnSpc>
+                <a:spcPct val="90000"/>
+              </a:lnSpc>
+              <a:spcBef>
+                <a:spcPts val="500"/>
+              </a:spcBef>
+              <a:buFont typeface="Arial" panose="020B0604020202020204" pitchFamily="34" charset="0"/>
+              <a:buNone/>
+              <a:defRPr sz="1600" kern="1200">
+                <a:solidFill>
+                  <a:schemeClr val="tx1"/>
+                </a:solidFill>
+                <a:latin typeface="+mn-lt"/>
+                <a:ea typeface="+mn-ea"/>
+                <a:cs typeface="+mn-cs"/>
+              </a:defRPr>
+            </a:lvl9pPr>
+          </a:lstStyle>
+          <a:p>
+            <a:pPr algn="l"/>
+            <a:r>
+              <a:rPr lang="fr-FR" dirty="0"/>
+              <a:t>- Axes d’amélioration</a:t>
+            </a:r>
+          </a:p>
+          <a:p>
+            <a:pPr algn="l"/>
+            <a:endParaRPr lang="en-US" dirty="0"/>
+          </a:p>
+        </p:txBody>
+      </p:sp>
+      <p:sp>
+        <p:nvSpPr>
+          <p:cNvPr id="15" name="Sous-titre 2">
+            <a:extLst>
+              <a:ext uri="{FF2B5EF4-FFF2-40B4-BE49-F238E27FC236}">
+                <a16:creationId xmlns:a16="http://schemas.microsoft.com/office/drawing/2014/main" id="{EFDBB90E-22B2-4566-AD88-A4B703FD9AD9}"/>
+              </a:ext>
+            </a:extLst>
+          </p:cNvPr>
+          <p:cNvSpPr txBox="1">
+            <a:spLocks/>
+          </p:cNvSpPr>
+          <p:nvPr/>
+        </p:nvSpPr>
+        <p:spPr>
+          <a:xfrm>
+            <a:off x="-6571537" y="2270849"/>
+            <a:ext cx="5665695" cy="879768"/>
+          </a:xfrm>
+          <a:prstGeom prst="rect">
+            <a:avLst/>
+          </a:prstGeom>
+        </p:spPr>
+        <p:txBody>
+          <a:bodyPr vert="horz" lIns="91440" tIns="45720" rIns="91440" bIns="45720" rtlCol="0">
+            <a:normAutofit/>
+          </a:bodyPr>
+          <a:lstStyle>
+            <a:lvl1pPr marL="0" indent="0" algn="ctr" defTabSz="914400" rtl="0" eaLnBrk="1" latinLnBrk="0" hangingPunct="1">
+              <a:lnSpc>
+                <a:spcPct val="90000"/>
+              </a:lnSpc>
+              <a:spcBef>
+                <a:spcPts val="1000"/>
+              </a:spcBef>
+              <a:buFont typeface="Arial" panose="020B0604020202020204" pitchFamily="34" charset="0"/>
+              <a:buNone/>
+              <a:defRPr sz="2400" kern="1200">
+                <a:solidFill>
+                  <a:schemeClr val="tx1"/>
+                </a:solidFill>
+                <a:latin typeface="+mn-lt"/>
+                <a:ea typeface="+mn-ea"/>
+                <a:cs typeface="+mn-cs"/>
+              </a:defRPr>
+            </a:lvl1pPr>
+            <a:lvl2pPr marL="457200" indent="0" algn="ctr" defTabSz="914400" rtl="0" eaLnBrk="1" latinLnBrk="0" hangingPunct="1">
+              <a:lnSpc>
+                <a:spcPct val="90000"/>
+              </a:lnSpc>
+              <a:spcBef>
+                <a:spcPts val="500"/>
+              </a:spcBef>
+              <a:buFont typeface="Arial" panose="020B0604020202020204" pitchFamily="34" charset="0"/>
+              <a:buNone/>
+              <a:defRPr sz="2000" kern="1200">
+                <a:solidFill>
+                  <a:schemeClr val="tx1"/>
+                </a:solidFill>
+                <a:latin typeface="+mn-lt"/>
+                <a:ea typeface="+mn-ea"/>
+                <a:cs typeface="+mn-cs"/>
+              </a:defRPr>
+            </a:lvl2pPr>
+            <a:lvl3pPr marL="914400" indent="0" algn="ctr" defTabSz="914400" rtl="0" eaLnBrk="1" latinLnBrk="0" hangingPunct="1">
+              <a:lnSpc>
+                <a:spcPct val="90000"/>
+              </a:lnSpc>
+              <a:spcBef>
+                <a:spcPts val="500"/>
+              </a:spcBef>
+              <a:buFont typeface="Arial" panose="020B0604020202020204" pitchFamily="34" charset="0"/>
+              <a:buNone/>
+              <a:defRPr sz="1800" kern="1200">
+                <a:solidFill>
+                  <a:schemeClr val="tx1"/>
+                </a:solidFill>
+                <a:latin typeface="+mn-lt"/>
+                <a:ea typeface="+mn-ea"/>
+                <a:cs typeface="+mn-cs"/>
+              </a:defRPr>
+            </a:lvl3pPr>
+            <a:lvl4pPr marL="1371600" indent="0" algn="ctr" defTabSz="914400" rtl="0" eaLnBrk="1" latinLnBrk="0" hangingPunct="1">
+              <a:lnSpc>
+                <a:spcPct val="90000"/>
+              </a:lnSpc>
+              <a:spcBef>
+                <a:spcPts val="500"/>
+              </a:spcBef>
+              <a:buFont typeface="Arial" panose="020B0604020202020204" pitchFamily="34" charset="0"/>
+              <a:buNone/>
+              <a:defRPr sz="1600" kern="1200">
+                <a:solidFill>
+                  <a:schemeClr val="tx1"/>
+                </a:solidFill>
+                <a:latin typeface="+mn-lt"/>
+                <a:ea typeface="+mn-ea"/>
+                <a:cs typeface="+mn-cs"/>
+              </a:defRPr>
+            </a:lvl4pPr>
+            <a:lvl5pPr marL="1828800" indent="0" algn="ctr" defTabSz="914400" rtl="0" eaLnBrk="1" latinLnBrk="0" hangingPunct="1">
+              <a:lnSpc>
+                <a:spcPct val="90000"/>
+              </a:lnSpc>
+              <a:spcBef>
+                <a:spcPts val="500"/>
+              </a:spcBef>
+              <a:buFont typeface="Arial" panose="020B0604020202020204" pitchFamily="34" charset="0"/>
+              <a:buNone/>
+              <a:defRPr sz="1600" kern="1200">
+                <a:solidFill>
+                  <a:schemeClr val="tx1"/>
+                </a:solidFill>
+                <a:latin typeface="+mn-lt"/>
+                <a:ea typeface="+mn-ea"/>
+                <a:cs typeface="+mn-cs"/>
+              </a:defRPr>
+            </a:lvl5pPr>
+            <a:lvl6pPr marL="2286000" indent="0" algn="ctr" defTabSz="914400" rtl="0" eaLnBrk="1" latinLnBrk="0" hangingPunct="1">
+              <a:lnSpc>
+                <a:spcPct val="90000"/>
+              </a:lnSpc>
+              <a:spcBef>
+                <a:spcPts val="500"/>
+              </a:spcBef>
+              <a:buFont typeface="Arial" panose="020B0604020202020204" pitchFamily="34" charset="0"/>
+              <a:buNone/>
+              <a:defRPr sz="1600" kern="1200">
+                <a:solidFill>
+                  <a:schemeClr val="tx1"/>
+                </a:solidFill>
+                <a:latin typeface="+mn-lt"/>
+                <a:ea typeface="+mn-ea"/>
+                <a:cs typeface="+mn-cs"/>
+              </a:defRPr>
+            </a:lvl6pPr>
+            <a:lvl7pPr marL="2743200" indent="0" algn="ctr" defTabSz="914400" rtl="0" eaLnBrk="1" latinLnBrk="0" hangingPunct="1">
+              <a:lnSpc>
+                <a:spcPct val="90000"/>
+              </a:lnSpc>
+              <a:spcBef>
+                <a:spcPts val="500"/>
+              </a:spcBef>
+              <a:buFont typeface="Arial" panose="020B0604020202020204" pitchFamily="34" charset="0"/>
+              <a:buNone/>
+              <a:defRPr sz="1600" kern="1200">
+                <a:solidFill>
+                  <a:schemeClr val="tx1"/>
+                </a:solidFill>
+                <a:latin typeface="+mn-lt"/>
+                <a:ea typeface="+mn-ea"/>
+                <a:cs typeface="+mn-cs"/>
+              </a:defRPr>
+            </a:lvl7pPr>
+            <a:lvl8pPr marL="3200400" indent="0" algn="ctr" defTabSz="914400" rtl="0" eaLnBrk="1" latinLnBrk="0" hangingPunct="1">
+              <a:lnSpc>
+                <a:spcPct val="90000"/>
+              </a:lnSpc>
+              <a:spcBef>
+                <a:spcPts val="500"/>
+              </a:spcBef>
+              <a:buFont typeface="Arial" panose="020B0604020202020204" pitchFamily="34" charset="0"/>
+              <a:buNone/>
+              <a:defRPr sz="1600" kern="1200">
+                <a:solidFill>
+                  <a:schemeClr val="tx1"/>
+                </a:solidFill>
+                <a:latin typeface="+mn-lt"/>
+                <a:ea typeface="+mn-ea"/>
+                <a:cs typeface="+mn-cs"/>
+              </a:defRPr>
+            </a:lvl8pPr>
+            <a:lvl9pPr marL="3657600" indent="0" algn="ctr" defTabSz="914400" rtl="0" eaLnBrk="1" latinLnBrk="0" hangingPunct="1">
+              <a:lnSpc>
+                <a:spcPct val="90000"/>
+              </a:lnSpc>
+              <a:spcBef>
+                <a:spcPts val="500"/>
+              </a:spcBef>
+              <a:buFont typeface="Arial" panose="020B0604020202020204" pitchFamily="34" charset="0"/>
+              <a:buNone/>
+              <a:defRPr sz="1600" kern="1200">
+                <a:solidFill>
+                  <a:schemeClr val="tx1"/>
+                </a:solidFill>
+                <a:latin typeface="+mn-lt"/>
+                <a:ea typeface="+mn-ea"/>
+                <a:cs typeface="+mn-cs"/>
+              </a:defRPr>
+            </a:lvl9pPr>
+          </a:lstStyle>
+          <a:p>
+            <a:pPr algn="l"/>
+            <a:r>
+              <a:rPr lang="fr-FR" dirty="0"/>
+              <a:t>- Conception et développement</a:t>
+            </a:r>
+          </a:p>
+          <a:p>
+            <a:pPr algn="l"/>
+            <a:endParaRPr lang="en-US" dirty="0"/>
+          </a:p>
+        </p:txBody>
+      </p:sp>
+      <p:pic>
+        <p:nvPicPr>
+          <p:cNvPr id="3" name="Image 2">
+            <a:extLst>
+              <a:ext uri="{FF2B5EF4-FFF2-40B4-BE49-F238E27FC236}">
+                <a16:creationId xmlns:a16="http://schemas.microsoft.com/office/drawing/2014/main" id="{CE6FA541-C87C-4BCF-B11E-DF8777BB291F}"/>
+              </a:ext>
+            </a:extLst>
+          </p:cNvPr>
+          <p:cNvPicPr>
+            <a:picLocks noChangeAspect="1"/>
+          </p:cNvPicPr>
+          <p:nvPr/>
+        </p:nvPicPr>
+        <p:blipFill>
+          <a:blip r:embed="rId4">
+            <a:extLst>
+              <a:ext uri="{28A0092B-C50C-407E-A947-70E740481C1C}">
+                <a14:useLocalDpi xmlns:a14="http://schemas.microsoft.com/office/drawing/2010/main" val="0"/>
+              </a:ext>
+            </a:extLst>
+          </a:blip>
+          <a:stretch>
+            <a:fillRect/>
+          </a:stretch>
+        </p:blipFill>
+        <p:spPr>
+          <a:xfrm>
+            <a:off x="413464" y="7847962"/>
+            <a:ext cx="11005775" cy="3814762"/>
+          </a:xfrm>
+          <a:prstGeom prst="rect">
+            <a:avLst/>
+          </a:prstGeom>
+        </p:spPr>
+      </p:pic>
+      <p:sp>
+        <p:nvSpPr>
+          <p:cNvPr id="2" name="ZoneTexte 1">
+            <a:extLst>
+              <a:ext uri="{FF2B5EF4-FFF2-40B4-BE49-F238E27FC236}">
+                <a16:creationId xmlns:a16="http://schemas.microsoft.com/office/drawing/2014/main" id="{97F69C8F-CF5A-4073-8B7D-C8AD73E54218}"/>
+              </a:ext>
+            </a:extLst>
+          </p:cNvPr>
+          <p:cNvSpPr txBox="1"/>
+          <p:nvPr/>
+        </p:nvSpPr>
+        <p:spPr>
+          <a:xfrm>
+            <a:off x="637581" y="2377720"/>
+            <a:ext cx="5828146" cy="1200329"/>
+          </a:xfrm>
+          <a:prstGeom prst="rect">
+            <a:avLst/>
+          </a:prstGeom>
+          <a:noFill/>
+        </p:spPr>
+        <p:txBody>
+          <a:bodyPr wrap="square" rtlCol="0">
+            <a:spAutoFit/>
+          </a:bodyPr>
+          <a:lstStyle/>
+          <a:p>
+            <a:pPr marL="285750" indent="-285750">
+              <a:buFont typeface="Arial" panose="020B0604020202020204" pitchFamily="34" charset="0"/>
+              <a:buChar char="•"/>
+            </a:pPr>
+            <a:r>
+              <a:rPr lang="fr-FR" dirty="0"/>
+              <a:t>Environnements de développement</a:t>
+            </a:r>
+          </a:p>
+          <a:p>
+            <a:pPr marL="285750" indent="-285750">
+              <a:buFont typeface="Arial" panose="020B0604020202020204" pitchFamily="34" charset="0"/>
+              <a:buChar char="•"/>
+            </a:pPr>
+            <a:r>
+              <a:rPr lang="fr-FR" dirty="0"/>
+              <a:t>Technologies utilisées</a:t>
+            </a:r>
+          </a:p>
+          <a:p>
+            <a:pPr marL="285750" indent="-285750">
+              <a:buFont typeface="Arial" panose="020B0604020202020204" pitchFamily="34" charset="0"/>
+              <a:buChar char="•"/>
+            </a:pPr>
+            <a:r>
+              <a:rPr lang="fr-FR" dirty="0"/>
+              <a:t>Tiers et librairies </a:t>
+            </a:r>
+          </a:p>
+          <a:p>
+            <a:pPr marL="285750" indent="-285750">
+              <a:buFont typeface="Arial" panose="020B0604020202020204" pitchFamily="34" charset="0"/>
+              <a:buChar char="•"/>
+            </a:pPr>
+            <a:endParaRPr lang="fr-FR" dirty="0"/>
+          </a:p>
+        </p:txBody>
+      </p:sp>
+      <p:pic>
+        <p:nvPicPr>
+          <p:cNvPr id="5" name="Image 4">
+            <a:extLst>
+              <a:ext uri="{FF2B5EF4-FFF2-40B4-BE49-F238E27FC236}">
+                <a16:creationId xmlns:a16="http://schemas.microsoft.com/office/drawing/2014/main" id="{4D7CC0C0-0D13-407C-AFC6-9DFCC80B4AF4}"/>
+              </a:ext>
+            </a:extLst>
+          </p:cNvPr>
+          <p:cNvPicPr>
+            <a:picLocks noChangeAspect="1"/>
+          </p:cNvPicPr>
+          <p:nvPr/>
+        </p:nvPicPr>
+        <p:blipFill>
+          <a:blip r:embed="rId5">
+            <a:extLst>
+              <a:ext uri="{28A0092B-C50C-407E-A947-70E740481C1C}">
+                <a14:useLocalDpi xmlns:a14="http://schemas.microsoft.com/office/drawing/2010/main" val="0"/>
+              </a:ext>
+            </a:extLst>
+          </a:blip>
+          <a:stretch>
+            <a:fillRect/>
+          </a:stretch>
+        </p:blipFill>
+        <p:spPr>
+          <a:xfrm>
+            <a:off x="10039894" y="2738043"/>
+            <a:ext cx="1710404" cy="1710404"/>
+          </a:xfrm>
+          <a:prstGeom prst="rect">
+            <a:avLst/>
+          </a:prstGeom>
+        </p:spPr>
+      </p:pic>
+      <p:pic>
+        <p:nvPicPr>
+          <p:cNvPr id="16" name="Image 15">
+            <a:extLst>
+              <a:ext uri="{FF2B5EF4-FFF2-40B4-BE49-F238E27FC236}">
+                <a16:creationId xmlns:a16="http://schemas.microsoft.com/office/drawing/2014/main" id="{D424AFEE-1A34-4890-AEDE-498980FAEDFF}"/>
+              </a:ext>
+            </a:extLst>
+          </p:cNvPr>
+          <p:cNvPicPr>
+            <a:picLocks noChangeAspect="1"/>
+          </p:cNvPicPr>
+          <p:nvPr/>
+        </p:nvPicPr>
+        <p:blipFill>
+          <a:blip r:embed="rId6">
+            <a:extLst>
+              <a:ext uri="{28A0092B-C50C-407E-A947-70E740481C1C}">
+                <a14:useLocalDpi xmlns:a14="http://schemas.microsoft.com/office/drawing/2010/main" val="0"/>
+              </a:ext>
+            </a:extLst>
+          </a:blip>
+          <a:stretch>
+            <a:fillRect/>
+          </a:stretch>
+        </p:blipFill>
+        <p:spPr>
+          <a:xfrm>
+            <a:off x="7992398" y="2905232"/>
+            <a:ext cx="1376027" cy="1376027"/>
+          </a:xfrm>
+          <a:prstGeom prst="rect">
+            <a:avLst/>
+          </a:prstGeom>
+        </p:spPr>
+      </p:pic>
+      <p:pic>
+        <p:nvPicPr>
+          <p:cNvPr id="18" name="Image 17">
+            <a:extLst>
+              <a:ext uri="{FF2B5EF4-FFF2-40B4-BE49-F238E27FC236}">
+                <a16:creationId xmlns:a16="http://schemas.microsoft.com/office/drawing/2014/main" id="{33EA31CC-8674-4501-AD8E-9DB64CCF7879}"/>
+              </a:ext>
+            </a:extLst>
+          </p:cNvPr>
+          <p:cNvPicPr>
+            <a:picLocks noChangeAspect="1"/>
+          </p:cNvPicPr>
+          <p:nvPr/>
+        </p:nvPicPr>
+        <p:blipFill>
+          <a:blip r:embed="rId7">
+            <a:extLst>
+              <a:ext uri="{28A0092B-C50C-407E-A947-70E740481C1C}">
+                <a14:useLocalDpi xmlns:a14="http://schemas.microsoft.com/office/drawing/2010/main" val="0"/>
+              </a:ext>
+            </a:extLst>
+          </a:blip>
+          <a:stretch>
+            <a:fillRect/>
+          </a:stretch>
+        </p:blipFill>
+        <p:spPr>
+          <a:xfrm>
+            <a:off x="6262795" y="4981506"/>
+            <a:ext cx="1636617" cy="1687278"/>
+          </a:xfrm>
+          <a:prstGeom prst="rect">
+            <a:avLst/>
+          </a:prstGeom>
+        </p:spPr>
+      </p:pic>
+      <p:pic>
+        <p:nvPicPr>
+          <p:cNvPr id="20" name="Image 19">
+            <a:extLst>
+              <a:ext uri="{FF2B5EF4-FFF2-40B4-BE49-F238E27FC236}">
+                <a16:creationId xmlns:a16="http://schemas.microsoft.com/office/drawing/2014/main" id="{2FFABEDF-328E-4052-9E8C-E76CE466B466}"/>
+              </a:ext>
+            </a:extLst>
+          </p:cNvPr>
+          <p:cNvPicPr>
+            <a:picLocks noChangeAspect="1"/>
+          </p:cNvPicPr>
+          <p:nvPr/>
+        </p:nvPicPr>
+        <p:blipFill>
+          <a:blip r:embed="rId8">
+            <a:extLst>
+              <a:ext uri="{28A0092B-C50C-407E-A947-70E740481C1C}">
+                <a14:useLocalDpi xmlns:a14="http://schemas.microsoft.com/office/drawing/2010/main" val="0"/>
+              </a:ext>
+            </a:extLst>
+          </a:blip>
+          <a:stretch>
+            <a:fillRect/>
+          </a:stretch>
+        </p:blipFill>
+        <p:spPr>
+          <a:xfrm>
+            <a:off x="637581" y="5247599"/>
+            <a:ext cx="1976864" cy="1235540"/>
+          </a:xfrm>
+          <a:prstGeom prst="rect">
+            <a:avLst/>
+          </a:prstGeom>
+        </p:spPr>
+      </p:pic>
+      <p:pic>
+        <p:nvPicPr>
+          <p:cNvPr id="22" name="Image 21">
+            <a:extLst>
+              <a:ext uri="{FF2B5EF4-FFF2-40B4-BE49-F238E27FC236}">
+                <a16:creationId xmlns:a16="http://schemas.microsoft.com/office/drawing/2014/main" id="{4E90E171-7E05-4505-BE93-8D28CE7C75A7}"/>
+              </a:ext>
+            </a:extLst>
+          </p:cNvPr>
+          <p:cNvPicPr>
+            <a:picLocks noChangeAspect="1"/>
+          </p:cNvPicPr>
+          <p:nvPr/>
+        </p:nvPicPr>
+        <p:blipFill>
+          <a:blip r:embed="rId9">
+            <a:extLst>
+              <a:ext uri="{28A0092B-C50C-407E-A947-70E740481C1C}">
+                <a14:useLocalDpi xmlns:a14="http://schemas.microsoft.com/office/drawing/2010/main" val="0"/>
+              </a:ext>
+            </a:extLst>
+          </a:blip>
+          <a:stretch>
+            <a:fillRect/>
+          </a:stretch>
+        </p:blipFill>
+        <p:spPr>
+          <a:xfrm>
+            <a:off x="3290060" y="5382973"/>
+            <a:ext cx="2297121" cy="964791"/>
+          </a:xfrm>
+          <a:prstGeom prst="rect">
+            <a:avLst/>
+          </a:prstGeom>
+        </p:spPr>
+      </p:pic>
+      <p:pic>
+        <p:nvPicPr>
+          <p:cNvPr id="24" name="Image 23">
+            <a:extLst>
+              <a:ext uri="{FF2B5EF4-FFF2-40B4-BE49-F238E27FC236}">
+                <a16:creationId xmlns:a16="http://schemas.microsoft.com/office/drawing/2014/main" id="{52089D90-47D4-46FC-8762-91D334172EB9}"/>
+              </a:ext>
+            </a:extLst>
+          </p:cNvPr>
+          <p:cNvPicPr>
+            <a:picLocks noChangeAspect="1"/>
+          </p:cNvPicPr>
+          <p:nvPr/>
+        </p:nvPicPr>
+        <p:blipFill>
+          <a:blip r:embed="rId10">
+            <a:extLst>
+              <a:ext uri="{28A0092B-C50C-407E-A947-70E740481C1C}">
+                <a14:useLocalDpi xmlns:a14="http://schemas.microsoft.com/office/drawing/2010/main" val="0"/>
+              </a:ext>
+            </a:extLst>
+          </a:blip>
+          <a:stretch>
+            <a:fillRect/>
+          </a:stretch>
+        </p:blipFill>
+        <p:spPr>
+          <a:xfrm>
+            <a:off x="7899413" y="1250885"/>
+            <a:ext cx="1469013" cy="1469013"/>
+          </a:xfrm>
+          <a:prstGeom prst="rect">
+            <a:avLst/>
+          </a:prstGeom>
+        </p:spPr>
+      </p:pic>
+      <p:pic>
+        <p:nvPicPr>
+          <p:cNvPr id="26" name="Image 25">
+            <a:extLst>
+              <a:ext uri="{FF2B5EF4-FFF2-40B4-BE49-F238E27FC236}">
+                <a16:creationId xmlns:a16="http://schemas.microsoft.com/office/drawing/2014/main" id="{E8F6AE7B-56C4-4B47-862C-CB345B13D10D}"/>
+              </a:ext>
+            </a:extLst>
+          </p:cNvPr>
+          <p:cNvPicPr>
+            <a:picLocks noChangeAspect="1"/>
+          </p:cNvPicPr>
+          <p:nvPr/>
+        </p:nvPicPr>
+        <p:blipFill>
+          <a:blip r:embed="rId11">
+            <a:extLst>
+              <a:ext uri="{28A0092B-C50C-407E-A947-70E740481C1C}">
+                <a14:useLocalDpi xmlns:a14="http://schemas.microsoft.com/office/drawing/2010/main" val="0"/>
+              </a:ext>
+            </a:extLst>
+          </a:blip>
+          <a:stretch>
+            <a:fillRect/>
+          </a:stretch>
+        </p:blipFill>
+        <p:spPr>
+          <a:xfrm>
+            <a:off x="9962891" y="1294144"/>
+            <a:ext cx="1410218" cy="1410218"/>
+          </a:xfrm>
+          <a:prstGeom prst="rect">
+            <a:avLst/>
+          </a:prstGeom>
+        </p:spPr>
+      </p:pic>
+      <p:pic>
+        <p:nvPicPr>
+          <p:cNvPr id="28" name="Image 27">
+            <a:extLst>
+              <a:ext uri="{FF2B5EF4-FFF2-40B4-BE49-F238E27FC236}">
+                <a16:creationId xmlns:a16="http://schemas.microsoft.com/office/drawing/2014/main" id="{3A1C29D3-60D8-4BDF-83BC-542D486CB611}"/>
+              </a:ext>
+            </a:extLst>
+          </p:cNvPr>
+          <p:cNvPicPr>
+            <a:picLocks noChangeAspect="1"/>
+          </p:cNvPicPr>
+          <p:nvPr/>
+        </p:nvPicPr>
+        <p:blipFill>
+          <a:blip r:embed="rId12">
+            <a:extLst>
+              <a:ext uri="{28A0092B-C50C-407E-A947-70E740481C1C}">
+                <a14:useLocalDpi xmlns:a14="http://schemas.microsoft.com/office/drawing/2010/main" val="0"/>
+              </a:ext>
+            </a:extLst>
+          </a:blip>
+          <a:stretch>
+            <a:fillRect/>
+          </a:stretch>
+        </p:blipFill>
+        <p:spPr>
+          <a:xfrm>
+            <a:off x="8999898" y="4958246"/>
+            <a:ext cx="1897598" cy="1423199"/>
+          </a:xfrm>
+          <a:prstGeom prst="rect">
+            <a:avLst/>
+          </a:prstGeom>
+        </p:spPr>
+      </p:pic>
+    </p:spTree>
+    <p:extLst>
+      <p:ext uri="{BB962C8B-B14F-4D97-AF65-F5344CB8AC3E}">
+        <p14:creationId xmlns:p14="http://schemas.microsoft.com/office/powerpoint/2010/main" val="674997650"/>
+      </p:ext>
+    </p:extLst>
+  </p:cSld>
+  <p:clrMapOvr>
+    <a:masterClrMapping/>
+  </p:clrMapOvr>
+  <mc:AlternateContent xmlns:mc="http://schemas.openxmlformats.org/markup-compatibility/2006">
+    <mc:Choice xmlns:p159="http://schemas.microsoft.com/office/powerpoint/2015/09/main" Requires="p159">
+      <p:transition spd="med">
+        <p159:morph option="byObject"/>
+      </p:transition>
+    </mc:Choice>
+    <mc:Fallback>
+      <p:transition spd="med">
+        <p:fade/>
+      </p:transition>
+    </mc:Fallback>
+  </mc:AlternateContent>
+</p:sld>
+</file>
+
+<file path=ppt/slides/slide7.xml><?xml version="1.0" encoding="utf-8"?>
+<p:sld xmlns:a="http://schemas.openxmlformats.org/drawingml/2006/main" xmlns:r="http://schemas.openxmlformats.org/officeDocument/2006/relationships" xmlns:p="http://schemas.openxmlformats.org/presentationml/2006/main">
+  <p:cSld>
+    <p:spTree>
+      <p:nvGrpSpPr>
+        <p:cNvPr id="1" name=""/>
+        <p:cNvGrpSpPr/>
+        <p:nvPr/>
+      </p:nvGrpSpPr>
+      <p:grpSpPr>
+        <a:xfrm>
+          <a:off x="0" y="0"/>
+          <a:ext cx="0" cy="0"/>
+          <a:chOff x="0" y="0"/>
+          <a:chExt cx="0" cy="0"/>
+        </a:xfrm>
+      </p:grpSpPr>
+      <p:pic>
+        <p:nvPicPr>
+          <p:cNvPr id="14" name="Image 13">
+            <a:extLst>
+              <a:ext uri="{FF2B5EF4-FFF2-40B4-BE49-F238E27FC236}">
+                <a16:creationId xmlns:a16="http://schemas.microsoft.com/office/drawing/2014/main" id="{F5A204E3-AD38-4434-89DC-E7488ECDD735}"/>
+              </a:ext>
+            </a:extLst>
+          </p:cNvPr>
+          <p:cNvPicPr>
+            <a:picLocks noChangeAspect="1"/>
+          </p:cNvPicPr>
+          <p:nvPr/>
+        </p:nvPicPr>
+        <p:blipFill>
+          <a:blip r:embed="rId2">
+            <a:extLst>
+              <a:ext uri="{28A0092B-C50C-407E-A947-70E740481C1C}">
+                <a14:useLocalDpi xmlns:a14="http://schemas.microsoft.com/office/drawing/2010/main" val="0"/>
+              </a:ext>
+            </a:extLst>
+          </a:blip>
+          <a:stretch>
+            <a:fillRect/>
+          </a:stretch>
+        </p:blipFill>
+        <p:spPr>
+          <a:xfrm>
+            <a:off x="0" y="0"/>
+            <a:ext cx="12271127" cy="6902509"/>
+          </a:xfrm>
+          <a:prstGeom prst="rect">
+            <a:avLst/>
+          </a:prstGeom>
+        </p:spPr>
+      </p:pic>
+      <p:pic>
+        <p:nvPicPr>
+          <p:cNvPr id="9" name="Image 8">
+            <a:extLst>
+              <a:ext uri="{FF2B5EF4-FFF2-40B4-BE49-F238E27FC236}">
+                <a16:creationId xmlns:a16="http://schemas.microsoft.com/office/drawing/2014/main" id="{9EBE9283-C72F-4E8A-AD54-F8637DBD6806}"/>
+              </a:ext>
+            </a:extLst>
+          </p:cNvPr>
+          <p:cNvPicPr>
+            <a:picLocks noChangeAspect="1"/>
+          </p:cNvPicPr>
+          <p:nvPr/>
+        </p:nvPicPr>
+        <p:blipFill>
+          <a:blip r:embed="rId3">
+            <a:extLst>
+              <a:ext uri="{28A0092B-C50C-407E-A947-70E740481C1C}">
+                <a14:useLocalDpi xmlns:a14="http://schemas.microsoft.com/office/drawing/2010/main" val="0"/>
+              </a:ext>
+            </a:extLst>
+          </a:blip>
+          <a:stretch>
+            <a:fillRect/>
+          </a:stretch>
+        </p:blipFill>
+        <p:spPr>
+          <a:xfrm>
+            <a:off x="413464" y="266182"/>
+            <a:ext cx="448235" cy="441988"/>
+          </a:xfrm>
+          <a:prstGeom prst="rect">
+            <a:avLst/>
+          </a:prstGeom>
+        </p:spPr>
+      </p:pic>
+      <p:sp>
+        <p:nvSpPr>
+          <p:cNvPr id="10" name="Titre 9">
+            <a:extLst>
+              <a:ext uri="{FF2B5EF4-FFF2-40B4-BE49-F238E27FC236}">
+                <a16:creationId xmlns:a16="http://schemas.microsoft.com/office/drawing/2014/main" id="{7F8E0F24-CA3E-4387-9B1D-8105ED8F6302}"/>
+              </a:ext>
+            </a:extLst>
+          </p:cNvPr>
+          <p:cNvSpPr>
+            <a:spLocks noGrp="1"/>
+          </p:cNvSpPr>
+          <p:nvPr>
+            <p:ph type="ctrTitle"/>
+          </p:nvPr>
+        </p:nvSpPr>
+        <p:spPr>
+          <a:xfrm>
+            <a:off x="1524000" y="-2750393"/>
+            <a:ext cx="9144000" cy="2387600"/>
+          </a:xfrm>
+        </p:spPr>
+        <p:txBody>
+          <a:bodyPr/>
+          <a:lstStyle/>
+          <a:p>
+            <a:r>
+              <a:rPr lang="en-US" dirty="0"/>
+              <a:t>Table des mat</a:t>
+            </a:r>
+            <a:r>
+              <a:rPr lang="fr-FR" dirty="0" err="1"/>
+              <a:t>ières</a:t>
+            </a:r>
+            <a:endParaRPr lang="en-US" dirty="0"/>
+          </a:p>
+        </p:txBody>
+      </p:sp>
+      <p:sp>
+        <p:nvSpPr>
+          <p:cNvPr id="6" name="Sous-titre 2">
+            <a:extLst>
+              <a:ext uri="{FF2B5EF4-FFF2-40B4-BE49-F238E27FC236}">
+                <a16:creationId xmlns:a16="http://schemas.microsoft.com/office/drawing/2014/main" id="{05116A7A-ED8E-4DD3-AB23-C6AC37D31B1E}"/>
+              </a:ext>
+            </a:extLst>
+          </p:cNvPr>
+          <p:cNvSpPr txBox="1">
+            <a:spLocks/>
+          </p:cNvSpPr>
+          <p:nvPr/>
+        </p:nvSpPr>
+        <p:spPr>
+          <a:xfrm>
+            <a:off x="-6766181" y="1932162"/>
+            <a:ext cx="5665695" cy="879768"/>
+          </a:xfrm>
+          <a:prstGeom prst="rect">
+            <a:avLst/>
+          </a:prstGeom>
+        </p:spPr>
+        <p:txBody>
+          <a:bodyPr vert="horz" lIns="91440" tIns="45720" rIns="91440" bIns="45720" rtlCol="0">
+            <a:normAutofit/>
+          </a:bodyPr>
+          <a:lstStyle>
+            <a:lvl1pPr marL="0" indent="0" algn="ctr" defTabSz="914400" rtl="0" eaLnBrk="1" latinLnBrk="0" hangingPunct="1">
+              <a:lnSpc>
+                <a:spcPct val="90000"/>
+              </a:lnSpc>
+              <a:spcBef>
+                <a:spcPts val="1000"/>
+              </a:spcBef>
+              <a:buFont typeface="Arial" panose="020B0604020202020204" pitchFamily="34" charset="0"/>
+              <a:buNone/>
+              <a:defRPr sz="2400" kern="1200">
+                <a:solidFill>
+                  <a:schemeClr val="tx1"/>
+                </a:solidFill>
+                <a:latin typeface="+mn-lt"/>
+                <a:ea typeface="+mn-ea"/>
+                <a:cs typeface="+mn-cs"/>
+              </a:defRPr>
+            </a:lvl1pPr>
+            <a:lvl2pPr marL="457200" indent="0" algn="ctr" defTabSz="914400" rtl="0" eaLnBrk="1" latinLnBrk="0" hangingPunct="1">
+              <a:lnSpc>
+                <a:spcPct val="90000"/>
+              </a:lnSpc>
+              <a:spcBef>
+                <a:spcPts val="500"/>
+              </a:spcBef>
+              <a:buFont typeface="Arial" panose="020B0604020202020204" pitchFamily="34" charset="0"/>
+              <a:buNone/>
+              <a:defRPr sz="2000" kern="1200">
+                <a:solidFill>
+                  <a:schemeClr val="tx1"/>
+                </a:solidFill>
+                <a:latin typeface="+mn-lt"/>
+                <a:ea typeface="+mn-ea"/>
+                <a:cs typeface="+mn-cs"/>
+              </a:defRPr>
+            </a:lvl2pPr>
+            <a:lvl3pPr marL="914400" indent="0" algn="ctr" defTabSz="914400" rtl="0" eaLnBrk="1" latinLnBrk="0" hangingPunct="1">
+              <a:lnSpc>
+                <a:spcPct val="90000"/>
+              </a:lnSpc>
+              <a:spcBef>
+                <a:spcPts val="500"/>
+              </a:spcBef>
+              <a:buFont typeface="Arial" panose="020B0604020202020204" pitchFamily="34" charset="0"/>
+              <a:buNone/>
+              <a:defRPr sz="1800" kern="1200">
+                <a:solidFill>
+                  <a:schemeClr val="tx1"/>
+                </a:solidFill>
+                <a:latin typeface="+mn-lt"/>
+                <a:ea typeface="+mn-ea"/>
+                <a:cs typeface="+mn-cs"/>
+              </a:defRPr>
+            </a:lvl3pPr>
+            <a:lvl4pPr marL="1371600" indent="0" algn="ctr" defTabSz="914400" rtl="0" eaLnBrk="1" latinLnBrk="0" hangingPunct="1">
+              <a:lnSpc>
+                <a:spcPct val="90000"/>
+              </a:lnSpc>
+              <a:spcBef>
+                <a:spcPts val="500"/>
+              </a:spcBef>
+              <a:buFont typeface="Arial" panose="020B0604020202020204" pitchFamily="34" charset="0"/>
+              <a:buNone/>
+              <a:defRPr sz="1600" kern="1200">
+                <a:solidFill>
+                  <a:schemeClr val="tx1"/>
+                </a:solidFill>
+                <a:latin typeface="+mn-lt"/>
+                <a:ea typeface="+mn-ea"/>
+                <a:cs typeface="+mn-cs"/>
+              </a:defRPr>
+            </a:lvl4pPr>
+            <a:lvl5pPr marL="1828800" indent="0" algn="ctr" defTabSz="914400" rtl="0" eaLnBrk="1" latinLnBrk="0" hangingPunct="1">
+              <a:lnSpc>
+                <a:spcPct val="90000"/>
+              </a:lnSpc>
+              <a:spcBef>
+                <a:spcPts val="500"/>
+              </a:spcBef>
+              <a:buFont typeface="Arial" panose="020B0604020202020204" pitchFamily="34" charset="0"/>
+              <a:buNone/>
+              <a:defRPr sz="1600" kern="1200">
+                <a:solidFill>
+                  <a:schemeClr val="tx1"/>
+                </a:solidFill>
+                <a:latin typeface="+mn-lt"/>
+                <a:ea typeface="+mn-ea"/>
+                <a:cs typeface="+mn-cs"/>
+              </a:defRPr>
+            </a:lvl5pPr>
+            <a:lvl6pPr marL="2286000" indent="0" algn="ctr" defTabSz="914400" rtl="0" eaLnBrk="1" latinLnBrk="0" hangingPunct="1">
+              <a:lnSpc>
+                <a:spcPct val="90000"/>
+              </a:lnSpc>
+              <a:spcBef>
+                <a:spcPts val="500"/>
+              </a:spcBef>
+              <a:buFont typeface="Arial" panose="020B0604020202020204" pitchFamily="34" charset="0"/>
+              <a:buNone/>
+              <a:defRPr sz="1600" kern="1200">
+                <a:solidFill>
+                  <a:schemeClr val="tx1"/>
+                </a:solidFill>
+                <a:latin typeface="+mn-lt"/>
+                <a:ea typeface="+mn-ea"/>
+                <a:cs typeface="+mn-cs"/>
+              </a:defRPr>
+            </a:lvl6pPr>
+            <a:lvl7pPr marL="2743200" indent="0" algn="ctr" defTabSz="914400" rtl="0" eaLnBrk="1" latinLnBrk="0" hangingPunct="1">
+              <a:lnSpc>
+                <a:spcPct val="90000"/>
+              </a:lnSpc>
+              <a:spcBef>
+                <a:spcPts val="500"/>
+              </a:spcBef>
+              <a:buFont typeface="Arial" panose="020B0604020202020204" pitchFamily="34" charset="0"/>
+              <a:buNone/>
+              <a:defRPr sz="1600" kern="1200">
+                <a:solidFill>
+                  <a:schemeClr val="tx1"/>
+                </a:solidFill>
+                <a:latin typeface="+mn-lt"/>
+                <a:ea typeface="+mn-ea"/>
+                <a:cs typeface="+mn-cs"/>
+              </a:defRPr>
+            </a:lvl7pPr>
+            <a:lvl8pPr marL="3200400" indent="0" algn="ctr" defTabSz="914400" rtl="0" eaLnBrk="1" latinLnBrk="0" hangingPunct="1">
+              <a:lnSpc>
+                <a:spcPct val="90000"/>
+              </a:lnSpc>
+              <a:spcBef>
+                <a:spcPts val="500"/>
+              </a:spcBef>
+              <a:buFont typeface="Arial" panose="020B0604020202020204" pitchFamily="34" charset="0"/>
+              <a:buNone/>
+              <a:defRPr sz="1600" kern="1200">
+                <a:solidFill>
+                  <a:schemeClr val="tx1"/>
+                </a:solidFill>
+                <a:latin typeface="+mn-lt"/>
+                <a:ea typeface="+mn-ea"/>
+                <a:cs typeface="+mn-cs"/>
+              </a:defRPr>
+            </a:lvl8pPr>
+            <a:lvl9pPr marL="3657600" indent="0" algn="ctr" defTabSz="914400" rtl="0" eaLnBrk="1" latinLnBrk="0" hangingPunct="1">
+              <a:lnSpc>
+                <a:spcPct val="90000"/>
+              </a:lnSpc>
+              <a:spcBef>
+                <a:spcPts val="500"/>
+              </a:spcBef>
+              <a:buFont typeface="Arial" panose="020B0604020202020204" pitchFamily="34" charset="0"/>
+              <a:buNone/>
+              <a:defRPr sz="1600" kern="1200">
+                <a:solidFill>
+                  <a:schemeClr val="tx1"/>
+                </a:solidFill>
+                <a:latin typeface="+mn-lt"/>
+                <a:ea typeface="+mn-ea"/>
+                <a:cs typeface="+mn-cs"/>
+              </a:defRPr>
+            </a:lvl9pPr>
+          </a:lstStyle>
+          <a:p>
+            <a:pPr algn="l"/>
+            <a:r>
+              <a:rPr lang="fr-FR" dirty="0"/>
+              <a:t>- Cahier de charges et analyses des besoins</a:t>
+            </a:r>
+          </a:p>
+          <a:p>
+            <a:pPr algn="l"/>
+            <a:endParaRPr lang="en-US" dirty="0"/>
+          </a:p>
+        </p:txBody>
+      </p:sp>
+      <p:sp>
+        <p:nvSpPr>
+          <p:cNvPr id="8" name="Sous-titre 2">
+            <a:extLst>
+              <a:ext uri="{FF2B5EF4-FFF2-40B4-BE49-F238E27FC236}">
+                <a16:creationId xmlns:a16="http://schemas.microsoft.com/office/drawing/2014/main" id="{25094B41-AE58-40E1-990A-DCD3353EB428}"/>
+              </a:ext>
+            </a:extLst>
+          </p:cNvPr>
+          <p:cNvSpPr txBox="1">
+            <a:spLocks/>
+          </p:cNvSpPr>
+          <p:nvPr/>
+        </p:nvSpPr>
+        <p:spPr>
+          <a:xfrm>
+            <a:off x="5002305" y="268286"/>
+            <a:ext cx="5665695" cy="879768"/>
+          </a:xfrm>
+          <a:prstGeom prst="rect">
+            <a:avLst/>
+          </a:prstGeom>
+        </p:spPr>
+        <p:txBody>
+          <a:bodyPr vert="horz" lIns="91440" tIns="45720" rIns="91440" bIns="45720" rtlCol="0">
+            <a:normAutofit/>
+          </a:bodyPr>
+          <a:lstStyle>
+            <a:lvl1pPr marL="0" indent="0" algn="ctr" defTabSz="914400" rtl="0" eaLnBrk="1" latinLnBrk="0" hangingPunct="1">
+              <a:lnSpc>
+                <a:spcPct val="90000"/>
+              </a:lnSpc>
+              <a:spcBef>
+                <a:spcPts val="1000"/>
+              </a:spcBef>
+              <a:buFont typeface="Arial" panose="020B0604020202020204" pitchFamily="34" charset="0"/>
+              <a:buNone/>
+              <a:defRPr sz="2400" kern="1200">
+                <a:solidFill>
+                  <a:schemeClr val="tx1"/>
+                </a:solidFill>
+                <a:latin typeface="+mn-lt"/>
+                <a:ea typeface="+mn-ea"/>
+                <a:cs typeface="+mn-cs"/>
+              </a:defRPr>
+            </a:lvl1pPr>
+            <a:lvl2pPr marL="457200" indent="0" algn="ctr" defTabSz="914400" rtl="0" eaLnBrk="1" latinLnBrk="0" hangingPunct="1">
+              <a:lnSpc>
+                <a:spcPct val="90000"/>
+              </a:lnSpc>
+              <a:spcBef>
+                <a:spcPts val="500"/>
+              </a:spcBef>
+              <a:buFont typeface="Arial" panose="020B0604020202020204" pitchFamily="34" charset="0"/>
+              <a:buNone/>
+              <a:defRPr sz="2000" kern="1200">
+                <a:solidFill>
+                  <a:schemeClr val="tx1"/>
+                </a:solidFill>
+                <a:latin typeface="+mn-lt"/>
+                <a:ea typeface="+mn-ea"/>
+                <a:cs typeface="+mn-cs"/>
+              </a:defRPr>
+            </a:lvl2pPr>
+            <a:lvl3pPr marL="914400" indent="0" algn="ctr" defTabSz="914400" rtl="0" eaLnBrk="1" latinLnBrk="0" hangingPunct="1">
+              <a:lnSpc>
+                <a:spcPct val="90000"/>
+              </a:lnSpc>
+              <a:spcBef>
+                <a:spcPts val="500"/>
+              </a:spcBef>
+              <a:buFont typeface="Arial" panose="020B0604020202020204" pitchFamily="34" charset="0"/>
+              <a:buNone/>
+              <a:defRPr sz="1800" kern="1200">
+                <a:solidFill>
+                  <a:schemeClr val="tx1"/>
+                </a:solidFill>
+                <a:latin typeface="+mn-lt"/>
+                <a:ea typeface="+mn-ea"/>
+                <a:cs typeface="+mn-cs"/>
+              </a:defRPr>
+            </a:lvl3pPr>
+            <a:lvl4pPr marL="1371600" indent="0" algn="ctr" defTabSz="914400" rtl="0" eaLnBrk="1" latinLnBrk="0" hangingPunct="1">
+              <a:lnSpc>
+                <a:spcPct val="90000"/>
+              </a:lnSpc>
+              <a:spcBef>
+                <a:spcPts val="500"/>
+              </a:spcBef>
+              <a:buFont typeface="Arial" panose="020B0604020202020204" pitchFamily="34" charset="0"/>
+              <a:buNone/>
+              <a:defRPr sz="1600" kern="1200">
+                <a:solidFill>
+                  <a:schemeClr val="tx1"/>
+                </a:solidFill>
+                <a:latin typeface="+mn-lt"/>
+                <a:ea typeface="+mn-ea"/>
+                <a:cs typeface="+mn-cs"/>
+              </a:defRPr>
+            </a:lvl4pPr>
+            <a:lvl5pPr marL="1828800" indent="0" algn="ctr" defTabSz="914400" rtl="0" eaLnBrk="1" latinLnBrk="0" hangingPunct="1">
+              <a:lnSpc>
+                <a:spcPct val="90000"/>
+              </a:lnSpc>
+              <a:spcBef>
+                <a:spcPts val="500"/>
+              </a:spcBef>
+              <a:buFont typeface="Arial" panose="020B0604020202020204" pitchFamily="34" charset="0"/>
+              <a:buNone/>
+              <a:defRPr sz="1600" kern="1200">
+                <a:solidFill>
+                  <a:schemeClr val="tx1"/>
+                </a:solidFill>
+                <a:latin typeface="+mn-lt"/>
+                <a:ea typeface="+mn-ea"/>
+                <a:cs typeface="+mn-cs"/>
+              </a:defRPr>
+            </a:lvl5pPr>
+            <a:lvl6pPr marL="2286000" indent="0" algn="ctr" defTabSz="914400" rtl="0" eaLnBrk="1" latinLnBrk="0" hangingPunct="1">
+              <a:lnSpc>
+                <a:spcPct val="90000"/>
+              </a:lnSpc>
+              <a:spcBef>
+                <a:spcPts val="500"/>
+              </a:spcBef>
+              <a:buFont typeface="Arial" panose="020B0604020202020204" pitchFamily="34" charset="0"/>
+              <a:buNone/>
+              <a:defRPr sz="1600" kern="1200">
+                <a:solidFill>
+                  <a:schemeClr val="tx1"/>
+                </a:solidFill>
+                <a:latin typeface="+mn-lt"/>
+                <a:ea typeface="+mn-ea"/>
+                <a:cs typeface="+mn-cs"/>
+              </a:defRPr>
+            </a:lvl6pPr>
+            <a:lvl7pPr marL="2743200" indent="0" algn="ctr" defTabSz="914400" rtl="0" eaLnBrk="1" latinLnBrk="0" hangingPunct="1">
+              <a:lnSpc>
+                <a:spcPct val="90000"/>
+              </a:lnSpc>
+              <a:spcBef>
+                <a:spcPts val="500"/>
+              </a:spcBef>
+              <a:buFont typeface="Arial" panose="020B0604020202020204" pitchFamily="34" charset="0"/>
+              <a:buNone/>
+              <a:defRPr sz="1600" kern="1200">
+                <a:solidFill>
+                  <a:schemeClr val="tx1"/>
+                </a:solidFill>
+                <a:latin typeface="+mn-lt"/>
+                <a:ea typeface="+mn-ea"/>
+                <a:cs typeface="+mn-cs"/>
+              </a:defRPr>
+            </a:lvl7pPr>
+            <a:lvl8pPr marL="3200400" indent="0" algn="ctr" defTabSz="914400" rtl="0" eaLnBrk="1" latinLnBrk="0" hangingPunct="1">
+              <a:lnSpc>
+                <a:spcPct val="90000"/>
+              </a:lnSpc>
+              <a:spcBef>
+                <a:spcPts val="500"/>
+              </a:spcBef>
+              <a:buFont typeface="Arial" panose="020B0604020202020204" pitchFamily="34" charset="0"/>
+              <a:buNone/>
+              <a:defRPr sz="1600" kern="1200">
+                <a:solidFill>
+                  <a:schemeClr val="tx1"/>
+                </a:solidFill>
+                <a:latin typeface="+mn-lt"/>
+                <a:ea typeface="+mn-ea"/>
+                <a:cs typeface="+mn-cs"/>
+              </a:defRPr>
+            </a:lvl8pPr>
+            <a:lvl9pPr marL="3657600" indent="0" algn="ctr" defTabSz="914400" rtl="0" eaLnBrk="1" latinLnBrk="0" hangingPunct="1">
+              <a:lnSpc>
+                <a:spcPct val="90000"/>
+              </a:lnSpc>
+              <a:spcBef>
+                <a:spcPts val="500"/>
+              </a:spcBef>
+              <a:buFont typeface="Arial" panose="020B0604020202020204" pitchFamily="34" charset="0"/>
+              <a:buNone/>
+              <a:defRPr sz="1600" kern="1200">
+                <a:solidFill>
+                  <a:schemeClr val="tx1"/>
+                </a:solidFill>
+                <a:latin typeface="+mn-lt"/>
+                <a:ea typeface="+mn-ea"/>
+                <a:cs typeface="+mn-cs"/>
+              </a:defRPr>
+            </a:lvl9pPr>
+          </a:lstStyle>
+          <a:p>
+            <a:pPr algn="l"/>
+            <a:r>
+              <a:rPr lang="fr-FR" sz="4800" dirty="0"/>
+              <a:t>Fonctionnalités</a:t>
+            </a:r>
+          </a:p>
+          <a:p>
+            <a:pPr algn="l"/>
+            <a:endParaRPr lang="en-US" dirty="0"/>
+          </a:p>
+        </p:txBody>
+      </p:sp>
+      <p:sp>
+        <p:nvSpPr>
+          <p:cNvPr id="11" name="Sous-titre 2">
+            <a:extLst>
+              <a:ext uri="{FF2B5EF4-FFF2-40B4-BE49-F238E27FC236}">
+                <a16:creationId xmlns:a16="http://schemas.microsoft.com/office/drawing/2014/main" id="{F0D9748C-C317-4433-8E42-65A40EAB0073}"/>
+              </a:ext>
+            </a:extLst>
+          </p:cNvPr>
+          <p:cNvSpPr txBox="1">
+            <a:spLocks/>
+          </p:cNvSpPr>
+          <p:nvPr/>
+        </p:nvSpPr>
+        <p:spPr>
+          <a:xfrm>
+            <a:off x="-6059351" y="3387522"/>
+            <a:ext cx="5665695" cy="879768"/>
+          </a:xfrm>
+          <a:prstGeom prst="rect">
+            <a:avLst/>
+          </a:prstGeom>
+        </p:spPr>
+        <p:txBody>
+          <a:bodyPr vert="horz" lIns="91440" tIns="45720" rIns="91440" bIns="45720" rtlCol="0">
+            <a:normAutofit/>
+          </a:bodyPr>
+          <a:lstStyle>
+            <a:lvl1pPr marL="0" indent="0" algn="ctr" defTabSz="914400" rtl="0" eaLnBrk="1" latinLnBrk="0" hangingPunct="1">
+              <a:lnSpc>
+                <a:spcPct val="90000"/>
+              </a:lnSpc>
+              <a:spcBef>
+                <a:spcPts val="1000"/>
+              </a:spcBef>
+              <a:buFont typeface="Arial" panose="020B0604020202020204" pitchFamily="34" charset="0"/>
+              <a:buNone/>
+              <a:defRPr sz="2400" kern="1200">
+                <a:solidFill>
+                  <a:schemeClr val="tx1"/>
+                </a:solidFill>
+                <a:latin typeface="+mn-lt"/>
+                <a:ea typeface="+mn-ea"/>
+                <a:cs typeface="+mn-cs"/>
+              </a:defRPr>
+            </a:lvl1pPr>
+            <a:lvl2pPr marL="457200" indent="0" algn="ctr" defTabSz="914400" rtl="0" eaLnBrk="1" latinLnBrk="0" hangingPunct="1">
+              <a:lnSpc>
+                <a:spcPct val="90000"/>
+              </a:lnSpc>
+              <a:spcBef>
+                <a:spcPts val="500"/>
+              </a:spcBef>
+              <a:buFont typeface="Arial" panose="020B0604020202020204" pitchFamily="34" charset="0"/>
+              <a:buNone/>
+              <a:defRPr sz="2000" kern="1200">
+                <a:solidFill>
+                  <a:schemeClr val="tx1"/>
+                </a:solidFill>
+                <a:latin typeface="+mn-lt"/>
+                <a:ea typeface="+mn-ea"/>
+                <a:cs typeface="+mn-cs"/>
+              </a:defRPr>
+            </a:lvl2pPr>
+            <a:lvl3pPr marL="914400" indent="0" algn="ctr" defTabSz="914400" rtl="0" eaLnBrk="1" latinLnBrk="0" hangingPunct="1">
+              <a:lnSpc>
+                <a:spcPct val="90000"/>
+              </a:lnSpc>
+              <a:spcBef>
+                <a:spcPts val="500"/>
+              </a:spcBef>
+              <a:buFont typeface="Arial" panose="020B0604020202020204" pitchFamily="34" charset="0"/>
+              <a:buNone/>
+              <a:defRPr sz="1800" kern="1200">
+                <a:solidFill>
+                  <a:schemeClr val="tx1"/>
+                </a:solidFill>
+                <a:latin typeface="+mn-lt"/>
+                <a:ea typeface="+mn-ea"/>
+                <a:cs typeface="+mn-cs"/>
+              </a:defRPr>
+            </a:lvl3pPr>
+            <a:lvl4pPr marL="1371600" indent="0" algn="ctr" defTabSz="914400" rtl="0" eaLnBrk="1" latinLnBrk="0" hangingPunct="1">
+              <a:lnSpc>
+                <a:spcPct val="90000"/>
+              </a:lnSpc>
+              <a:spcBef>
+                <a:spcPts val="500"/>
+              </a:spcBef>
+              <a:buFont typeface="Arial" panose="020B0604020202020204" pitchFamily="34" charset="0"/>
+              <a:buNone/>
+              <a:defRPr sz="1600" kern="1200">
+                <a:solidFill>
+                  <a:schemeClr val="tx1"/>
+                </a:solidFill>
+                <a:latin typeface="+mn-lt"/>
+                <a:ea typeface="+mn-ea"/>
+                <a:cs typeface="+mn-cs"/>
+              </a:defRPr>
+            </a:lvl4pPr>
+            <a:lvl5pPr marL="1828800" indent="0" algn="ctr" defTabSz="914400" rtl="0" eaLnBrk="1" latinLnBrk="0" hangingPunct="1">
+              <a:lnSpc>
+                <a:spcPct val="90000"/>
+              </a:lnSpc>
+              <a:spcBef>
+                <a:spcPts val="500"/>
+              </a:spcBef>
+              <a:buFont typeface="Arial" panose="020B0604020202020204" pitchFamily="34" charset="0"/>
+              <a:buNone/>
+              <a:defRPr sz="1600" kern="1200">
+                <a:solidFill>
+                  <a:schemeClr val="tx1"/>
+                </a:solidFill>
+                <a:latin typeface="+mn-lt"/>
+                <a:ea typeface="+mn-ea"/>
+                <a:cs typeface="+mn-cs"/>
+              </a:defRPr>
+            </a:lvl5pPr>
+            <a:lvl6pPr marL="2286000" indent="0" algn="ctr" defTabSz="914400" rtl="0" eaLnBrk="1" latinLnBrk="0" hangingPunct="1">
+              <a:lnSpc>
+                <a:spcPct val="90000"/>
+              </a:lnSpc>
+              <a:spcBef>
+                <a:spcPts val="500"/>
+              </a:spcBef>
+              <a:buFont typeface="Arial" panose="020B0604020202020204" pitchFamily="34" charset="0"/>
+              <a:buNone/>
+              <a:defRPr sz="1600" kern="1200">
+                <a:solidFill>
+                  <a:schemeClr val="tx1"/>
+                </a:solidFill>
+                <a:latin typeface="+mn-lt"/>
+                <a:ea typeface="+mn-ea"/>
+                <a:cs typeface="+mn-cs"/>
+              </a:defRPr>
+            </a:lvl6pPr>
+            <a:lvl7pPr marL="2743200" indent="0" algn="ctr" defTabSz="914400" rtl="0" eaLnBrk="1" latinLnBrk="0" hangingPunct="1">
+              <a:lnSpc>
+                <a:spcPct val="90000"/>
+              </a:lnSpc>
+              <a:spcBef>
+                <a:spcPts val="500"/>
+              </a:spcBef>
+              <a:buFont typeface="Arial" panose="020B0604020202020204" pitchFamily="34" charset="0"/>
+              <a:buNone/>
+              <a:defRPr sz="1600" kern="1200">
+                <a:solidFill>
+                  <a:schemeClr val="tx1"/>
+                </a:solidFill>
+                <a:latin typeface="+mn-lt"/>
+                <a:ea typeface="+mn-ea"/>
+                <a:cs typeface="+mn-cs"/>
+              </a:defRPr>
+            </a:lvl7pPr>
+            <a:lvl8pPr marL="3200400" indent="0" algn="ctr" defTabSz="914400" rtl="0" eaLnBrk="1" latinLnBrk="0" hangingPunct="1">
+              <a:lnSpc>
+                <a:spcPct val="90000"/>
+              </a:lnSpc>
+              <a:spcBef>
+                <a:spcPts val="500"/>
+              </a:spcBef>
+              <a:buFont typeface="Arial" panose="020B0604020202020204" pitchFamily="34" charset="0"/>
+              <a:buNone/>
+              <a:defRPr sz="1600" kern="1200">
+                <a:solidFill>
+                  <a:schemeClr val="tx1"/>
+                </a:solidFill>
+                <a:latin typeface="+mn-lt"/>
+                <a:ea typeface="+mn-ea"/>
+                <a:cs typeface="+mn-cs"/>
+              </a:defRPr>
+            </a:lvl8pPr>
+            <a:lvl9pPr marL="3657600" indent="0" algn="ctr" defTabSz="914400" rtl="0" eaLnBrk="1" latinLnBrk="0" hangingPunct="1">
+              <a:lnSpc>
+                <a:spcPct val="90000"/>
+              </a:lnSpc>
+              <a:spcBef>
+                <a:spcPts val="500"/>
+              </a:spcBef>
+              <a:buFont typeface="Arial" panose="020B0604020202020204" pitchFamily="34" charset="0"/>
+              <a:buNone/>
+              <a:defRPr sz="1600" kern="1200">
+                <a:solidFill>
+                  <a:schemeClr val="tx1"/>
+                </a:solidFill>
+                <a:latin typeface="+mn-lt"/>
+                <a:ea typeface="+mn-ea"/>
+                <a:cs typeface="+mn-cs"/>
+              </a:defRPr>
+            </a:lvl9pPr>
+          </a:lstStyle>
+          <a:p>
+            <a:pPr algn="l"/>
+            <a:r>
+              <a:rPr lang="fr-FR" dirty="0"/>
+              <a:t>- Sécurités</a:t>
+            </a:r>
+          </a:p>
+          <a:p>
+            <a:pPr algn="l"/>
+            <a:endParaRPr lang="en-US" dirty="0"/>
+          </a:p>
+        </p:txBody>
+      </p:sp>
+      <p:sp>
+        <p:nvSpPr>
+          <p:cNvPr id="12" name="Sous-titre 2">
+            <a:extLst>
+              <a:ext uri="{FF2B5EF4-FFF2-40B4-BE49-F238E27FC236}">
+                <a16:creationId xmlns:a16="http://schemas.microsoft.com/office/drawing/2014/main" id="{F1F49EB7-3FFC-48A0-852D-B9B9324DCB2B}"/>
+              </a:ext>
+            </a:extLst>
+          </p:cNvPr>
+          <p:cNvSpPr txBox="1">
+            <a:spLocks/>
+          </p:cNvSpPr>
+          <p:nvPr/>
+        </p:nvSpPr>
+        <p:spPr>
+          <a:xfrm>
+            <a:off x="-6054985" y="3861333"/>
+            <a:ext cx="5665695" cy="879768"/>
+          </a:xfrm>
+          <a:prstGeom prst="rect">
+            <a:avLst/>
+          </a:prstGeom>
+        </p:spPr>
+        <p:txBody>
+          <a:bodyPr vert="horz" lIns="91440" tIns="45720" rIns="91440" bIns="45720" rtlCol="0">
+            <a:normAutofit/>
+          </a:bodyPr>
+          <a:lstStyle>
+            <a:lvl1pPr marL="0" indent="0" algn="ctr" defTabSz="914400" rtl="0" eaLnBrk="1" latinLnBrk="0" hangingPunct="1">
+              <a:lnSpc>
+                <a:spcPct val="90000"/>
+              </a:lnSpc>
+              <a:spcBef>
+                <a:spcPts val="1000"/>
+              </a:spcBef>
+              <a:buFont typeface="Arial" panose="020B0604020202020204" pitchFamily="34" charset="0"/>
+              <a:buNone/>
+              <a:defRPr sz="2400" kern="1200">
+                <a:solidFill>
+                  <a:schemeClr val="tx1"/>
+                </a:solidFill>
+                <a:latin typeface="+mn-lt"/>
+                <a:ea typeface="+mn-ea"/>
+                <a:cs typeface="+mn-cs"/>
+              </a:defRPr>
+            </a:lvl1pPr>
+            <a:lvl2pPr marL="457200" indent="0" algn="ctr" defTabSz="914400" rtl="0" eaLnBrk="1" latinLnBrk="0" hangingPunct="1">
+              <a:lnSpc>
+                <a:spcPct val="90000"/>
+              </a:lnSpc>
+              <a:spcBef>
+                <a:spcPts val="500"/>
+              </a:spcBef>
+              <a:buFont typeface="Arial" panose="020B0604020202020204" pitchFamily="34" charset="0"/>
+              <a:buNone/>
+              <a:defRPr sz="2000" kern="1200">
+                <a:solidFill>
+                  <a:schemeClr val="tx1"/>
+                </a:solidFill>
+                <a:latin typeface="+mn-lt"/>
+                <a:ea typeface="+mn-ea"/>
+                <a:cs typeface="+mn-cs"/>
+              </a:defRPr>
+            </a:lvl2pPr>
+            <a:lvl3pPr marL="914400" indent="0" algn="ctr" defTabSz="914400" rtl="0" eaLnBrk="1" latinLnBrk="0" hangingPunct="1">
+              <a:lnSpc>
+                <a:spcPct val="90000"/>
+              </a:lnSpc>
+              <a:spcBef>
+                <a:spcPts val="500"/>
+              </a:spcBef>
+              <a:buFont typeface="Arial" panose="020B0604020202020204" pitchFamily="34" charset="0"/>
+              <a:buNone/>
+              <a:defRPr sz="1800" kern="1200">
+                <a:solidFill>
+                  <a:schemeClr val="tx1"/>
+                </a:solidFill>
+                <a:latin typeface="+mn-lt"/>
+                <a:ea typeface="+mn-ea"/>
+                <a:cs typeface="+mn-cs"/>
+              </a:defRPr>
+            </a:lvl3pPr>
+            <a:lvl4pPr marL="1371600" indent="0" algn="ctr" defTabSz="914400" rtl="0" eaLnBrk="1" latinLnBrk="0" hangingPunct="1">
+              <a:lnSpc>
+                <a:spcPct val="90000"/>
+              </a:lnSpc>
+              <a:spcBef>
+                <a:spcPts val="500"/>
+              </a:spcBef>
+              <a:buFont typeface="Arial" panose="020B0604020202020204" pitchFamily="34" charset="0"/>
+              <a:buNone/>
+              <a:defRPr sz="1600" kern="1200">
+                <a:solidFill>
+                  <a:schemeClr val="tx1"/>
+                </a:solidFill>
+                <a:latin typeface="+mn-lt"/>
+                <a:ea typeface="+mn-ea"/>
+                <a:cs typeface="+mn-cs"/>
+              </a:defRPr>
+            </a:lvl4pPr>
+            <a:lvl5pPr marL="1828800" indent="0" algn="ctr" defTabSz="914400" rtl="0" eaLnBrk="1" latinLnBrk="0" hangingPunct="1">
+              <a:lnSpc>
+                <a:spcPct val="90000"/>
+              </a:lnSpc>
+              <a:spcBef>
+                <a:spcPts val="500"/>
+              </a:spcBef>
+              <a:buFont typeface="Arial" panose="020B0604020202020204" pitchFamily="34" charset="0"/>
+              <a:buNone/>
+              <a:defRPr sz="1600" kern="1200">
+                <a:solidFill>
+                  <a:schemeClr val="tx1"/>
+                </a:solidFill>
+                <a:latin typeface="+mn-lt"/>
+                <a:ea typeface="+mn-ea"/>
+                <a:cs typeface="+mn-cs"/>
+              </a:defRPr>
+            </a:lvl5pPr>
+            <a:lvl6pPr marL="2286000" indent="0" algn="ctr" defTabSz="914400" rtl="0" eaLnBrk="1" latinLnBrk="0" hangingPunct="1">
+              <a:lnSpc>
+                <a:spcPct val="90000"/>
+              </a:lnSpc>
+              <a:spcBef>
+                <a:spcPts val="500"/>
+              </a:spcBef>
+              <a:buFont typeface="Arial" panose="020B0604020202020204" pitchFamily="34" charset="0"/>
+              <a:buNone/>
+              <a:defRPr sz="1600" kern="1200">
+                <a:solidFill>
+                  <a:schemeClr val="tx1"/>
+                </a:solidFill>
+                <a:latin typeface="+mn-lt"/>
+                <a:ea typeface="+mn-ea"/>
+                <a:cs typeface="+mn-cs"/>
+              </a:defRPr>
+            </a:lvl6pPr>
+            <a:lvl7pPr marL="2743200" indent="0" algn="ctr" defTabSz="914400" rtl="0" eaLnBrk="1" latinLnBrk="0" hangingPunct="1">
+              <a:lnSpc>
+                <a:spcPct val="90000"/>
+              </a:lnSpc>
+              <a:spcBef>
+                <a:spcPts val="500"/>
+              </a:spcBef>
+              <a:buFont typeface="Arial" panose="020B0604020202020204" pitchFamily="34" charset="0"/>
+              <a:buNone/>
+              <a:defRPr sz="1600" kern="1200">
+                <a:solidFill>
+                  <a:schemeClr val="tx1"/>
+                </a:solidFill>
+                <a:latin typeface="+mn-lt"/>
+                <a:ea typeface="+mn-ea"/>
+                <a:cs typeface="+mn-cs"/>
+              </a:defRPr>
+            </a:lvl7pPr>
+            <a:lvl8pPr marL="3200400" indent="0" algn="ctr" defTabSz="914400" rtl="0" eaLnBrk="1" latinLnBrk="0" hangingPunct="1">
+              <a:lnSpc>
+                <a:spcPct val="90000"/>
+              </a:lnSpc>
+              <a:spcBef>
+                <a:spcPts val="500"/>
+              </a:spcBef>
+              <a:buFont typeface="Arial" panose="020B0604020202020204" pitchFamily="34" charset="0"/>
+              <a:buNone/>
+              <a:defRPr sz="1600" kern="1200">
+                <a:solidFill>
+                  <a:schemeClr val="tx1"/>
+                </a:solidFill>
+                <a:latin typeface="+mn-lt"/>
+                <a:ea typeface="+mn-ea"/>
+                <a:cs typeface="+mn-cs"/>
+              </a:defRPr>
+            </a:lvl8pPr>
+            <a:lvl9pPr marL="3657600" indent="0" algn="ctr" defTabSz="914400" rtl="0" eaLnBrk="1" latinLnBrk="0" hangingPunct="1">
+              <a:lnSpc>
+                <a:spcPct val="90000"/>
+              </a:lnSpc>
+              <a:spcBef>
+                <a:spcPts val="500"/>
+              </a:spcBef>
+              <a:buFont typeface="Arial" panose="020B0604020202020204" pitchFamily="34" charset="0"/>
+              <a:buNone/>
+              <a:defRPr sz="1600" kern="1200">
+                <a:solidFill>
+                  <a:schemeClr val="tx1"/>
+                </a:solidFill>
+                <a:latin typeface="+mn-lt"/>
+                <a:ea typeface="+mn-ea"/>
+                <a:cs typeface="+mn-cs"/>
+              </a:defRPr>
+            </a:lvl9pPr>
+          </a:lstStyle>
+          <a:p>
+            <a:pPr algn="l"/>
+            <a:r>
+              <a:rPr lang="fr-FR" dirty="0"/>
+              <a:t>- RGPD</a:t>
+            </a:r>
+          </a:p>
+          <a:p>
+            <a:pPr algn="l"/>
+            <a:endParaRPr lang="en-US" dirty="0"/>
+          </a:p>
+        </p:txBody>
+      </p:sp>
+      <p:sp>
+        <p:nvSpPr>
+          <p:cNvPr id="13" name="Sous-titre 2">
+            <a:extLst>
+              <a:ext uri="{FF2B5EF4-FFF2-40B4-BE49-F238E27FC236}">
+                <a16:creationId xmlns:a16="http://schemas.microsoft.com/office/drawing/2014/main" id="{F30AF87E-AFB2-4E5D-B616-D7A6CDF4E9CC}"/>
+              </a:ext>
+            </a:extLst>
+          </p:cNvPr>
+          <p:cNvSpPr txBox="1">
+            <a:spLocks/>
+          </p:cNvSpPr>
+          <p:nvPr/>
+        </p:nvSpPr>
+        <p:spPr>
+          <a:xfrm>
+            <a:off x="-6054986" y="4335144"/>
+            <a:ext cx="5665695" cy="879768"/>
+          </a:xfrm>
+          <a:prstGeom prst="rect">
+            <a:avLst/>
+          </a:prstGeom>
+        </p:spPr>
+        <p:txBody>
+          <a:bodyPr vert="horz" lIns="91440" tIns="45720" rIns="91440" bIns="45720" rtlCol="0">
+            <a:normAutofit/>
+          </a:bodyPr>
+          <a:lstStyle>
+            <a:lvl1pPr marL="0" indent="0" algn="ctr" defTabSz="914400" rtl="0" eaLnBrk="1" latinLnBrk="0" hangingPunct="1">
+              <a:lnSpc>
+                <a:spcPct val="90000"/>
+              </a:lnSpc>
+              <a:spcBef>
+                <a:spcPts val="1000"/>
+              </a:spcBef>
+              <a:buFont typeface="Arial" panose="020B0604020202020204" pitchFamily="34" charset="0"/>
+              <a:buNone/>
+              <a:defRPr sz="2400" kern="1200">
+                <a:solidFill>
+                  <a:schemeClr val="tx1"/>
+                </a:solidFill>
+                <a:latin typeface="+mn-lt"/>
+                <a:ea typeface="+mn-ea"/>
+                <a:cs typeface="+mn-cs"/>
+              </a:defRPr>
+            </a:lvl1pPr>
+            <a:lvl2pPr marL="457200" indent="0" algn="ctr" defTabSz="914400" rtl="0" eaLnBrk="1" latinLnBrk="0" hangingPunct="1">
+              <a:lnSpc>
+                <a:spcPct val="90000"/>
+              </a:lnSpc>
+              <a:spcBef>
+                <a:spcPts val="500"/>
+              </a:spcBef>
+              <a:buFont typeface="Arial" panose="020B0604020202020204" pitchFamily="34" charset="0"/>
+              <a:buNone/>
+              <a:defRPr sz="2000" kern="1200">
+                <a:solidFill>
+                  <a:schemeClr val="tx1"/>
+                </a:solidFill>
+                <a:latin typeface="+mn-lt"/>
+                <a:ea typeface="+mn-ea"/>
+                <a:cs typeface="+mn-cs"/>
+              </a:defRPr>
+            </a:lvl2pPr>
+            <a:lvl3pPr marL="914400" indent="0" algn="ctr" defTabSz="914400" rtl="0" eaLnBrk="1" latinLnBrk="0" hangingPunct="1">
+              <a:lnSpc>
+                <a:spcPct val="90000"/>
+              </a:lnSpc>
+              <a:spcBef>
+                <a:spcPts val="500"/>
+              </a:spcBef>
+              <a:buFont typeface="Arial" panose="020B0604020202020204" pitchFamily="34" charset="0"/>
+              <a:buNone/>
+              <a:defRPr sz="1800" kern="1200">
+                <a:solidFill>
+                  <a:schemeClr val="tx1"/>
+                </a:solidFill>
+                <a:latin typeface="+mn-lt"/>
+                <a:ea typeface="+mn-ea"/>
+                <a:cs typeface="+mn-cs"/>
+              </a:defRPr>
+            </a:lvl3pPr>
+            <a:lvl4pPr marL="1371600" indent="0" algn="ctr" defTabSz="914400" rtl="0" eaLnBrk="1" latinLnBrk="0" hangingPunct="1">
+              <a:lnSpc>
+                <a:spcPct val="90000"/>
+              </a:lnSpc>
+              <a:spcBef>
+                <a:spcPts val="500"/>
+              </a:spcBef>
+              <a:buFont typeface="Arial" panose="020B0604020202020204" pitchFamily="34" charset="0"/>
+              <a:buNone/>
+              <a:defRPr sz="1600" kern="1200">
+                <a:solidFill>
+                  <a:schemeClr val="tx1"/>
+                </a:solidFill>
+                <a:latin typeface="+mn-lt"/>
+                <a:ea typeface="+mn-ea"/>
+                <a:cs typeface="+mn-cs"/>
+              </a:defRPr>
+            </a:lvl4pPr>
+            <a:lvl5pPr marL="1828800" indent="0" algn="ctr" defTabSz="914400" rtl="0" eaLnBrk="1" latinLnBrk="0" hangingPunct="1">
+              <a:lnSpc>
+                <a:spcPct val="90000"/>
+              </a:lnSpc>
+              <a:spcBef>
+                <a:spcPts val="500"/>
+              </a:spcBef>
+              <a:buFont typeface="Arial" panose="020B0604020202020204" pitchFamily="34" charset="0"/>
+              <a:buNone/>
+              <a:defRPr sz="1600" kern="1200">
+                <a:solidFill>
+                  <a:schemeClr val="tx1"/>
+                </a:solidFill>
+                <a:latin typeface="+mn-lt"/>
+                <a:ea typeface="+mn-ea"/>
+                <a:cs typeface="+mn-cs"/>
+              </a:defRPr>
+            </a:lvl5pPr>
+            <a:lvl6pPr marL="2286000" indent="0" algn="ctr" defTabSz="914400" rtl="0" eaLnBrk="1" latinLnBrk="0" hangingPunct="1">
+              <a:lnSpc>
+                <a:spcPct val="90000"/>
+              </a:lnSpc>
+              <a:spcBef>
+                <a:spcPts val="500"/>
+              </a:spcBef>
+              <a:buFont typeface="Arial" panose="020B0604020202020204" pitchFamily="34" charset="0"/>
+              <a:buNone/>
+              <a:defRPr sz="1600" kern="1200">
+                <a:solidFill>
+                  <a:schemeClr val="tx1"/>
+                </a:solidFill>
+                <a:latin typeface="+mn-lt"/>
+                <a:ea typeface="+mn-ea"/>
+                <a:cs typeface="+mn-cs"/>
+              </a:defRPr>
+            </a:lvl6pPr>
+            <a:lvl7pPr marL="2743200" indent="0" algn="ctr" defTabSz="914400" rtl="0" eaLnBrk="1" latinLnBrk="0" hangingPunct="1">
+              <a:lnSpc>
+                <a:spcPct val="90000"/>
+              </a:lnSpc>
+              <a:spcBef>
+                <a:spcPts val="500"/>
+              </a:spcBef>
+              <a:buFont typeface="Arial" panose="020B0604020202020204" pitchFamily="34" charset="0"/>
+              <a:buNone/>
+              <a:defRPr sz="1600" kern="1200">
+                <a:solidFill>
+                  <a:schemeClr val="tx1"/>
+                </a:solidFill>
+                <a:latin typeface="+mn-lt"/>
+                <a:ea typeface="+mn-ea"/>
+                <a:cs typeface="+mn-cs"/>
+              </a:defRPr>
+            </a:lvl7pPr>
+            <a:lvl8pPr marL="3200400" indent="0" algn="ctr" defTabSz="914400" rtl="0" eaLnBrk="1" latinLnBrk="0" hangingPunct="1">
+              <a:lnSpc>
+                <a:spcPct val="90000"/>
+              </a:lnSpc>
+              <a:spcBef>
+                <a:spcPts val="500"/>
+              </a:spcBef>
+              <a:buFont typeface="Arial" panose="020B0604020202020204" pitchFamily="34" charset="0"/>
+              <a:buNone/>
+              <a:defRPr sz="1600" kern="1200">
+                <a:solidFill>
+                  <a:schemeClr val="tx1"/>
+                </a:solidFill>
+                <a:latin typeface="+mn-lt"/>
+                <a:ea typeface="+mn-ea"/>
+                <a:cs typeface="+mn-cs"/>
+              </a:defRPr>
+            </a:lvl8pPr>
+            <a:lvl9pPr marL="3657600" indent="0" algn="ctr" defTabSz="914400" rtl="0" eaLnBrk="1" latinLnBrk="0" hangingPunct="1">
+              <a:lnSpc>
+                <a:spcPct val="90000"/>
+              </a:lnSpc>
+              <a:spcBef>
+                <a:spcPts val="500"/>
+              </a:spcBef>
+              <a:buFont typeface="Arial" panose="020B0604020202020204" pitchFamily="34" charset="0"/>
+              <a:buNone/>
+              <a:defRPr sz="1600" kern="1200">
+                <a:solidFill>
+                  <a:schemeClr val="tx1"/>
+                </a:solidFill>
+                <a:latin typeface="+mn-lt"/>
+                <a:ea typeface="+mn-ea"/>
+                <a:cs typeface="+mn-cs"/>
+              </a:defRPr>
+            </a:lvl9pPr>
+          </a:lstStyle>
+          <a:p>
+            <a:pPr algn="l"/>
+            <a:r>
+              <a:rPr lang="fr-FR" dirty="0"/>
+              <a:t>- Axes d’amélioration</a:t>
+            </a:r>
+          </a:p>
+          <a:p>
+            <a:pPr algn="l"/>
+            <a:endParaRPr lang="en-US" dirty="0"/>
+          </a:p>
+        </p:txBody>
+      </p:sp>
+      <p:sp>
+        <p:nvSpPr>
+          <p:cNvPr id="15" name="Sous-titre 2">
+            <a:extLst>
+              <a:ext uri="{FF2B5EF4-FFF2-40B4-BE49-F238E27FC236}">
+                <a16:creationId xmlns:a16="http://schemas.microsoft.com/office/drawing/2014/main" id="{EFDBB90E-22B2-4566-AD88-A4B703FD9AD9}"/>
+              </a:ext>
+            </a:extLst>
+          </p:cNvPr>
+          <p:cNvSpPr txBox="1">
+            <a:spLocks/>
+          </p:cNvSpPr>
+          <p:nvPr/>
+        </p:nvSpPr>
+        <p:spPr>
+          <a:xfrm>
+            <a:off x="-6571537" y="2270849"/>
+            <a:ext cx="5665695" cy="879768"/>
+          </a:xfrm>
+          <a:prstGeom prst="rect">
+            <a:avLst/>
+          </a:prstGeom>
+        </p:spPr>
+        <p:txBody>
+          <a:bodyPr vert="horz" lIns="91440" tIns="45720" rIns="91440" bIns="45720" rtlCol="0">
+            <a:normAutofit/>
+          </a:bodyPr>
+          <a:lstStyle>
+            <a:lvl1pPr marL="0" indent="0" algn="ctr" defTabSz="914400" rtl="0" eaLnBrk="1" latinLnBrk="0" hangingPunct="1">
+              <a:lnSpc>
+                <a:spcPct val="90000"/>
+              </a:lnSpc>
+              <a:spcBef>
+                <a:spcPts val="1000"/>
+              </a:spcBef>
+              <a:buFont typeface="Arial" panose="020B0604020202020204" pitchFamily="34" charset="0"/>
+              <a:buNone/>
+              <a:defRPr sz="2400" kern="1200">
+                <a:solidFill>
+                  <a:schemeClr val="tx1"/>
+                </a:solidFill>
+                <a:latin typeface="+mn-lt"/>
+                <a:ea typeface="+mn-ea"/>
+                <a:cs typeface="+mn-cs"/>
+              </a:defRPr>
+            </a:lvl1pPr>
+            <a:lvl2pPr marL="457200" indent="0" algn="ctr" defTabSz="914400" rtl="0" eaLnBrk="1" latinLnBrk="0" hangingPunct="1">
+              <a:lnSpc>
+                <a:spcPct val="90000"/>
+              </a:lnSpc>
+              <a:spcBef>
+                <a:spcPts val="500"/>
+              </a:spcBef>
+              <a:buFont typeface="Arial" panose="020B0604020202020204" pitchFamily="34" charset="0"/>
+              <a:buNone/>
+              <a:defRPr sz="2000" kern="1200">
+                <a:solidFill>
+                  <a:schemeClr val="tx1"/>
+                </a:solidFill>
+                <a:latin typeface="+mn-lt"/>
+                <a:ea typeface="+mn-ea"/>
+                <a:cs typeface="+mn-cs"/>
+              </a:defRPr>
+            </a:lvl2pPr>
+            <a:lvl3pPr marL="914400" indent="0" algn="ctr" defTabSz="914400" rtl="0" eaLnBrk="1" latinLnBrk="0" hangingPunct="1">
+              <a:lnSpc>
+                <a:spcPct val="90000"/>
+              </a:lnSpc>
+              <a:spcBef>
+                <a:spcPts val="500"/>
+              </a:spcBef>
+              <a:buFont typeface="Arial" panose="020B0604020202020204" pitchFamily="34" charset="0"/>
+              <a:buNone/>
+              <a:defRPr sz="1800" kern="1200">
+                <a:solidFill>
+                  <a:schemeClr val="tx1"/>
+                </a:solidFill>
+                <a:latin typeface="+mn-lt"/>
+                <a:ea typeface="+mn-ea"/>
+                <a:cs typeface="+mn-cs"/>
+              </a:defRPr>
+            </a:lvl3pPr>
+            <a:lvl4pPr marL="1371600" indent="0" algn="ctr" defTabSz="914400" rtl="0" eaLnBrk="1" latinLnBrk="0" hangingPunct="1">
+              <a:lnSpc>
+                <a:spcPct val="90000"/>
+              </a:lnSpc>
+              <a:spcBef>
+                <a:spcPts val="500"/>
+              </a:spcBef>
+              <a:buFont typeface="Arial" panose="020B0604020202020204" pitchFamily="34" charset="0"/>
+              <a:buNone/>
+              <a:defRPr sz="1600" kern="1200">
+                <a:solidFill>
+                  <a:schemeClr val="tx1"/>
+                </a:solidFill>
+                <a:latin typeface="+mn-lt"/>
+                <a:ea typeface="+mn-ea"/>
+                <a:cs typeface="+mn-cs"/>
+              </a:defRPr>
+            </a:lvl4pPr>
+            <a:lvl5pPr marL="1828800" indent="0" algn="ctr" defTabSz="914400" rtl="0" eaLnBrk="1" latinLnBrk="0" hangingPunct="1">
+              <a:lnSpc>
+                <a:spcPct val="90000"/>
+              </a:lnSpc>
+              <a:spcBef>
+                <a:spcPts val="500"/>
+              </a:spcBef>
+              <a:buFont typeface="Arial" panose="020B0604020202020204" pitchFamily="34" charset="0"/>
+              <a:buNone/>
+              <a:defRPr sz="1600" kern="1200">
+                <a:solidFill>
+                  <a:schemeClr val="tx1"/>
+                </a:solidFill>
+                <a:latin typeface="+mn-lt"/>
+                <a:ea typeface="+mn-ea"/>
+                <a:cs typeface="+mn-cs"/>
+              </a:defRPr>
+            </a:lvl5pPr>
+            <a:lvl6pPr marL="2286000" indent="0" algn="ctr" defTabSz="914400" rtl="0" eaLnBrk="1" latinLnBrk="0" hangingPunct="1">
+              <a:lnSpc>
+                <a:spcPct val="90000"/>
+              </a:lnSpc>
+              <a:spcBef>
+                <a:spcPts val="500"/>
+              </a:spcBef>
+              <a:buFont typeface="Arial" panose="020B0604020202020204" pitchFamily="34" charset="0"/>
+              <a:buNone/>
+              <a:defRPr sz="1600" kern="1200">
+                <a:solidFill>
+                  <a:schemeClr val="tx1"/>
+                </a:solidFill>
+                <a:latin typeface="+mn-lt"/>
+                <a:ea typeface="+mn-ea"/>
+                <a:cs typeface="+mn-cs"/>
+              </a:defRPr>
+            </a:lvl6pPr>
+            <a:lvl7pPr marL="2743200" indent="0" algn="ctr" defTabSz="914400" rtl="0" eaLnBrk="1" latinLnBrk="0" hangingPunct="1">
+              <a:lnSpc>
+                <a:spcPct val="90000"/>
+              </a:lnSpc>
+              <a:spcBef>
+                <a:spcPts val="500"/>
+              </a:spcBef>
+              <a:buFont typeface="Arial" panose="020B0604020202020204" pitchFamily="34" charset="0"/>
+              <a:buNone/>
+              <a:defRPr sz="1600" kern="1200">
+                <a:solidFill>
+                  <a:schemeClr val="tx1"/>
+                </a:solidFill>
+                <a:latin typeface="+mn-lt"/>
+                <a:ea typeface="+mn-ea"/>
+                <a:cs typeface="+mn-cs"/>
+              </a:defRPr>
+            </a:lvl7pPr>
+            <a:lvl8pPr marL="3200400" indent="0" algn="ctr" defTabSz="914400" rtl="0" eaLnBrk="1" latinLnBrk="0" hangingPunct="1">
+              <a:lnSpc>
+                <a:spcPct val="90000"/>
+              </a:lnSpc>
+              <a:spcBef>
+                <a:spcPts val="500"/>
+              </a:spcBef>
+              <a:buFont typeface="Arial" panose="020B0604020202020204" pitchFamily="34" charset="0"/>
+              <a:buNone/>
+              <a:defRPr sz="1600" kern="1200">
+                <a:solidFill>
+                  <a:schemeClr val="tx1"/>
+                </a:solidFill>
+                <a:latin typeface="+mn-lt"/>
+                <a:ea typeface="+mn-ea"/>
+                <a:cs typeface="+mn-cs"/>
+              </a:defRPr>
+            </a:lvl8pPr>
+            <a:lvl9pPr marL="3657600" indent="0" algn="ctr" defTabSz="914400" rtl="0" eaLnBrk="1" latinLnBrk="0" hangingPunct="1">
+              <a:lnSpc>
+                <a:spcPct val="90000"/>
+              </a:lnSpc>
+              <a:spcBef>
+                <a:spcPts val="500"/>
+              </a:spcBef>
+              <a:buFont typeface="Arial" panose="020B0604020202020204" pitchFamily="34" charset="0"/>
+              <a:buNone/>
+              <a:defRPr sz="1600" kern="1200">
+                <a:solidFill>
+                  <a:schemeClr val="tx1"/>
+                </a:solidFill>
+                <a:latin typeface="+mn-lt"/>
+                <a:ea typeface="+mn-ea"/>
+                <a:cs typeface="+mn-cs"/>
+              </a:defRPr>
+            </a:lvl9pPr>
+          </a:lstStyle>
+          <a:p>
+            <a:pPr algn="l"/>
+            <a:r>
+              <a:rPr lang="fr-FR" dirty="0"/>
+              <a:t>- Conception et développement</a:t>
+            </a:r>
+          </a:p>
+          <a:p>
+            <a:pPr algn="l"/>
+            <a:endParaRPr lang="en-US" dirty="0"/>
+          </a:p>
+        </p:txBody>
+      </p:sp>
+      <p:pic>
+        <p:nvPicPr>
+          <p:cNvPr id="3" name="Image 2">
+            <a:extLst>
+              <a:ext uri="{FF2B5EF4-FFF2-40B4-BE49-F238E27FC236}">
+                <a16:creationId xmlns:a16="http://schemas.microsoft.com/office/drawing/2014/main" id="{CE6FA541-C87C-4BCF-B11E-DF8777BB291F}"/>
+              </a:ext>
+            </a:extLst>
+          </p:cNvPr>
+          <p:cNvPicPr>
+            <a:picLocks noChangeAspect="1"/>
+          </p:cNvPicPr>
+          <p:nvPr/>
+        </p:nvPicPr>
+        <p:blipFill>
+          <a:blip r:embed="rId4">
+            <a:extLst>
+              <a:ext uri="{28A0092B-C50C-407E-A947-70E740481C1C}">
+                <a14:useLocalDpi xmlns:a14="http://schemas.microsoft.com/office/drawing/2010/main" val="0"/>
+              </a:ext>
+            </a:extLst>
+          </a:blip>
+          <a:stretch>
+            <a:fillRect/>
+          </a:stretch>
+        </p:blipFill>
+        <p:spPr>
+          <a:xfrm>
+            <a:off x="413464" y="7847962"/>
+            <a:ext cx="11005775" cy="3814762"/>
+          </a:xfrm>
+          <a:prstGeom prst="rect">
+            <a:avLst/>
+          </a:prstGeom>
+        </p:spPr>
+      </p:pic>
+      <p:sp>
+        <p:nvSpPr>
+          <p:cNvPr id="21" name="Sous-titre 2">
+            <a:extLst>
+              <a:ext uri="{FF2B5EF4-FFF2-40B4-BE49-F238E27FC236}">
+                <a16:creationId xmlns:a16="http://schemas.microsoft.com/office/drawing/2014/main" id="{2C9799C8-D113-43FD-AF8B-BA8564279E93}"/>
+              </a:ext>
+            </a:extLst>
+          </p:cNvPr>
+          <p:cNvSpPr txBox="1">
+            <a:spLocks/>
+          </p:cNvSpPr>
+          <p:nvPr/>
+        </p:nvSpPr>
+        <p:spPr>
+          <a:xfrm>
+            <a:off x="-5906951" y="3539922"/>
+            <a:ext cx="5665695" cy="879768"/>
+          </a:xfrm>
+          <a:prstGeom prst="rect">
+            <a:avLst/>
+          </a:prstGeom>
+        </p:spPr>
+        <p:txBody>
+          <a:bodyPr vert="horz" lIns="91440" tIns="45720" rIns="91440" bIns="45720" rtlCol="0">
+            <a:normAutofit/>
+          </a:bodyPr>
+          <a:lstStyle>
+            <a:lvl1pPr marL="0" indent="0" algn="ctr" defTabSz="914400" rtl="0" eaLnBrk="1" latinLnBrk="0" hangingPunct="1">
+              <a:lnSpc>
+                <a:spcPct val="90000"/>
+              </a:lnSpc>
+              <a:spcBef>
+                <a:spcPts val="1000"/>
+              </a:spcBef>
+              <a:buFont typeface="Arial" panose="020B0604020202020204" pitchFamily="34" charset="0"/>
+              <a:buNone/>
+              <a:defRPr sz="2400" kern="1200">
+                <a:solidFill>
+                  <a:schemeClr val="tx1"/>
+                </a:solidFill>
+                <a:latin typeface="+mn-lt"/>
+                <a:ea typeface="+mn-ea"/>
+                <a:cs typeface="+mn-cs"/>
+              </a:defRPr>
+            </a:lvl1pPr>
+            <a:lvl2pPr marL="457200" indent="0" algn="ctr" defTabSz="914400" rtl="0" eaLnBrk="1" latinLnBrk="0" hangingPunct="1">
+              <a:lnSpc>
+                <a:spcPct val="90000"/>
+              </a:lnSpc>
+              <a:spcBef>
+                <a:spcPts val="500"/>
+              </a:spcBef>
+              <a:buFont typeface="Arial" panose="020B0604020202020204" pitchFamily="34" charset="0"/>
+              <a:buNone/>
+              <a:defRPr sz="2000" kern="1200">
+                <a:solidFill>
+                  <a:schemeClr val="tx1"/>
+                </a:solidFill>
+                <a:latin typeface="+mn-lt"/>
+                <a:ea typeface="+mn-ea"/>
+                <a:cs typeface="+mn-cs"/>
+              </a:defRPr>
+            </a:lvl2pPr>
+            <a:lvl3pPr marL="914400" indent="0" algn="ctr" defTabSz="914400" rtl="0" eaLnBrk="1" latinLnBrk="0" hangingPunct="1">
+              <a:lnSpc>
+                <a:spcPct val="90000"/>
+              </a:lnSpc>
+              <a:spcBef>
+                <a:spcPts val="500"/>
+              </a:spcBef>
+              <a:buFont typeface="Arial" panose="020B0604020202020204" pitchFamily="34" charset="0"/>
+              <a:buNone/>
+              <a:defRPr sz="1800" kern="1200">
+                <a:solidFill>
+                  <a:schemeClr val="tx1"/>
+                </a:solidFill>
+                <a:latin typeface="+mn-lt"/>
+                <a:ea typeface="+mn-ea"/>
+                <a:cs typeface="+mn-cs"/>
+              </a:defRPr>
+            </a:lvl3pPr>
+            <a:lvl4pPr marL="1371600" indent="0" algn="ctr" defTabSz="914400" rtl="0" eaLnBrk="1" latinLnBrk="0" hangingPunct="1">
+              <a:lnSpc>
+                <a:spcPct val="90000"/>
+              </a:lnSpc>
+              <a:spcBef>
+                <a:spcPts val="500"/>
+              </a:spcBef>
+              <a:buFont typeface="Arial" panose="020B0604020202020204" pitchFamily="34" charset="0"/>
+              <a:buNone/>
+              <a:defRPr sz="1600" kern="1200">
+                <a:solidFill>
+                  <a:schemeClr val="tx1"/>
+                </a:solidFill>
+                <a:latin typeface="+mn-lt"/>
+                <a:ea typeface="+mn-ea"/>
+                <a:cs typeface="+mn-cs"/>
+              </a:defRPr>
+            </a:lvl4pPr>
+            <a:lvl5pPr marL="1828800" indent="0" algn="ctr" defTabSz="914400" rtl="0" eaLnBrk="1" latinLnBrk="0" hangingPunct="1">
+              <a:lnSpc>
+                <a:spcPct val="90000"/>
+              </a:lnSpc>
+              <a:spcBef>
+                <a:spcPts val="500"/>
+              </a:spcBef>
+              <a:buFont typeface="Arial" panose="020B0604020202020204" pitchFamily="34" charset="0"/>
+              <a:buNone/>
+              <a:defRPr sz="1600" kern="1200">
+                <a:solidFill>
+                  <a:schemeClr val="tx1"/>
+                </a:solidFill>
+                <a:latin typeface="+mn-lt"/>
+                <a:ea typeface="+mn-ea"/>
+                <a:cs typeface="+mn-cs"/>
+              </a:defRPr>
+            </a:lvl5pPr>
+            <a:lvl6pPr marL="2286000" indent="0" algn="ctr" defTabSz="914400" rtl="0" eaLnBrk="1" latinLnBrk="0" hangingPunct="1">
+              <a:lnSpc>
+                <a:spcPct val="90000"/>
+              </a:lnSpc>
+              <a:spcBef>
+                <a:spcPts val="500"/>
+              </a:spcBef>
+              <a:buFont typeface="Arial" panose="020B0604020202020204" pitchFamily="34" charset="0"/>
+              <a:buNone/>
+              <a:defRPr sz="1600" kern="1200">
+                <a:solidFill>
+                  <a:schemeClr val="tx1"/>
+                </a:solidFill>
+                <a:latin typeface="+mn-lt"/>
+                <a:ea typeface="+mn-ea"/>
+                <a:cs typeface="+mn-cs"/>
+              </a:defRPr>
+            </a:lvl6pPr>
+            <a:lvl7pPr marL="2743200" indent="0" algn="ctr" defTabSz="914400" rtl="0" eaLnBrk="1" latinLnBrk="0" hangingPunct="1">
+              <a:lnSpc>
+                <a:spcPct val="90000"/>
+              </a:lnSpc>
+              <a:spcBef>
+                <a:spcPts val="500"/>
+              </a:spcBef>
+              <a:buFont typeface="Arial" panose="020B0604020202020204" pitchFamily="34" charset="0"/>
+              <a:buNone/>
+              <a:defRPr sz="1600" kern="1200">
+                <a:solidFill>
+                  <a:schemeClr val="tx1"/>
+                </a:solidFill>
+                <a:latin typeface="+mn-lt"/>
+                <a:ea typeface="+mn-ea"/>
+                <a:cs typeface="+mn-cs"/>
+              </a:defRPr>
+            </a:lvl7pPr>
+            <a:lvl8pPr marL="3200400" indent="0" algn="ctr" defTabSz="914400" rtl="0" eaLnBrk="1" latinLnBrk="0" hangingPunct="1">
+              <a:lnSpc>
+                <a:spcPct val="90000"/>
+              </a:lnSpc>
+              <a:spcBef>
+                <a:spcPts val="500"/>
+              </a:spcBef>
+              <a:buFont typeface="Arial" panose="020B0604020202020204" pitchFamily="34" charset="0"/>
+              <a:buNone/>
+              <a:defRPr sz="1600" kern="1200">
+                <a:solidFill>
+                  <a:schemeClr val="tx1"/>
+                </a:solidFill>
+                <a:latin typeface="+mn-lt"/>
+                <a:ea typeface="+mn-ea"/>
+                <a:cs typeface="+mn-cs"/>
+              </a:defRPr>
+            </a:lvl8pPr>
+            <a:lvl9pPr marL="3657600" indent="0" algn="ctr" defTabSz="914400" rtl="0" eaLnBrk="1" latinLnBrk="0" hangingPunct="1">
+              <a:lnSpc>
+                <a:spcPct val="90000"/>
+              </a:lnSpc>
+              <a:spcBef>
+                <a:spcPts val="500"/>
+              </a:spcBef>
+              <a:buFont typeface="Arial" panose="020B0604020202020204" pitchFamily="34" charset="0"/>
+              <a:buNone/>
+              <a:defRPr sz="1600" kern="1200">
+                <a:solidFill>
+                  <a:schemeClr val="tx1"/>
+                </a:solidFill>
+                <a:latin typeface="+mn-lt"/>
+                <a:ea typeface="+mn-ea"/>
+                <a:cs typeface="+mn-cs"/>
+              </a:defRPr>
+            </a:lvl9pPr>
+          </a:lstStyle>
+          <a:p>
+            <a:pPr algn="l"/>
+            <a:r>
+              <a:rPr lang="fr-FR" dirty="0"/>
+              <a:t>- Sécurités</a:t>
+            </a:r>
+          </a:p>
+          <a:p>
+            <a:pPr algn="l"/>
+            <a:endParaRPr lang="en-US" dirty="0"/>
+          </a:p>
+        </p:txBody>
+      </p:sp>
+      <p:sp>
+        <p:nvSpPr>
+          <p:cNvPr id="4" name="ZoneTexte 3">
+            <a:extLst>
+              <a:ext uri="{FF2B5EF4-FFF2-40B4-BE49-F238E27FC236}">
+                <a16:creationId xmlns:a16="http://schemas.microsoft.com/office/drawing/2014/main" id="{8670A5DC-89D4-4E00-B292-4C157F928AC6}"/>
+              </a:ext>
+            </a:extLst>
+          </p:cNvPr>
+          <p:cNvSpPr txBox="1"/>
+          <p:nvPr/>
+        </p:nvSpPr>
+        <p:spPr>
+          <a:xfrm>
+            <a:off x="637580" y="1586022"/>
+            <a:ext cx="3321233" cy="461665"/>
+          </a:xfrm>
+          <a:prstGeom prst="rect">
+            <a:avLst/>
+          </a:prstGeom>
+          <a:noFill/>
+        </p:spPr>
+        <p:txBody>
+          <a:bodyPr wrap="square" rtlCol="0">
+            <a:spAutoFit/>
+          </a:bodyPr>
+          <a:lstStyle/>
+          <a:p>
+            <a:r>
+              <a:rPr lang="fr-FR" sz="2400" dirty="0">
+                <a:solidFill>
+                  <a:schemeClr val="tx1">
+                    <a:lumMod val="50000"/>
+                    <a:lumOff val="50000"/>
+                  </a:schemeClr>
+                </a:solidFill>
+              </a:rPr>
+              <a:t>Espace Utilisateur</a:t>
+            </a:r>
+          </a:p>
+        </p:txBody>
+      </p:sp>
+      <p:sp>
+        <p:nvSpPr>
+          <p:cNvPr id="23" name="ZoneTexte 22">
+            <a:extLst>
+              <a:ext uri="{FF2B5EF4-FFF2-40B4-BE49-F238E27FC236}">
+                <a16:creationId xmlns:a16="http://schemas.microsoft.com/office/drawing/2014/main" id="{4B28D6C7-16B0-47A1-B4A1-662C3D8DEDA3}"/>
+              </a:ext>
+            </a:extLst>
+          </p:cNvPr>
+          <p:cNvSpPr txBox="1"/>
+          <p:nvPr/>
+        </p:nvSpPr>
+        <p:spPr>
+          <a:xfrm>
+            <a:off x="637580" y="2179647"/>
+            <a:ext cx="5322156" cy="461665"/>
+          </a:xfrm>
+          <a:prstGeom prst="rect">
+            <a:avLst/>
+          </a:prstGeom>
+          <a:noFill/>
+        </p:spPr>
+        <p:txBody>
+          <a:bodyPr wrap="square" rtlCol="0">
+            <a:spAutoFit/>
+          </a:bodyPr>
+          <a:lstStyle/>
+          <a:p>
+            <a:r>
+              <a:rPr lang="fr-FR" sz="2400" dirty="0">
+                <a:solidFill>
+                  <a:schemeClr val="tx1">
+                    <a:lumMod val="50000"/>
+                    <a:lumOff val="50000"/>
+                  </a:schemeClr>
+                </a:solidFill>
+              </a:rPr>
+              <a:t>Gestion des créneaux et réservations</a:t>
+            </a:r>
+          </a:p>
+        </p:txBody>
+      </p:sp>
+      <p:sp>
+        <p:nvSpPr>
+          <p:cNvPr id="25" name="ZoneTexte 24">
+            <a:extLst>
+              <a:ext uri="{FF2B5EF4-FFF2-40B4-BE49-F238E27FC236}">
+                <a16:creationId xmlns:a16="http://schemas.microsoft.com/office/drawing/2014/main" id="{110F3B53-F910-446A-A127-63B0F65A7C6A}"/>
+              </a:ext>
+            </a:extLst>
+          </p:cNvPr>
+          <p:cNvSpPr txBox="1"/>
+          <p:nvPr/>
+        </p:nvSpPr>
+        <p:spPr>
+          <a:xfrm>
+            <a:off x="637580" y="2773272"/>
+            <a:ext cx="5322156" cy="461665"/>
+          </a:xfrm>
+          <a:prstGeom prst="rect">
+            <a:avLst/>
+          </a:prstGeom>
+          <a:noFill/>
+        </p:spPr>
+        <p:txBody>
+          <a:bodyPr wrap="square" rtlCol="0">
+            <a:spAutoFit/>
+          </a:bodyPr>
+          <a:lstStyle/>
+          <a:p>
+            <a:r>
+              <a:rPr lang="fr-FR" sz="2400" dirty="0">
+                <a:solidFill>
+                  <a:schemeClr val="tx1">
+                    <a:lumMod val="50000"/>
+                    <a:lumOff val="50000"/>
+                  </a:schemeClr>
+                </a:solidFill>
+              </a:rPr>
+              <a:t>Consultations</a:t>
+            </a:r>
+          </a:p>
+        </p:txBody>
+      </p:sp>
+      <p:sp>
+        <p:nvSpPr>
+          <p:cNvPr id="27" name="ZoneTexte 26">
+            <a:extLst>
+              <a:ext uri="{FF2B5EF4-FFF2-40B4-BE49-F238E27FC236}">
+                <a16:creationId xmlns:a16="http://schemas.microsoft.com/office/drawing/2014/main" id="{298E48E5-0632-4A78-8681-E8FFE4A29493}"/>
+              </a:ext>
+            </a:extLst>
+          </p:cNvPr>
+          <p:cNvSpPr txBox="1"/>
+          <p:nvPr/>
+        </p:nvSpPr>
+        <p:spPr>
+          <a:xfrm>
+            <a:off x="637580" y="4180390"/>
+            <a:ext cx="5322156" cy="461665"/>
+          </a:xfrm>
+          <a:prstGeom prst="rect">
+            <a:avLst/>
+          </a:prstGeom>
+          <a:noFill/>
+        </p:spPr>
+        <p:txBody>
+          <a:bodyPr wrap="square" rtlCol="0">
+            <a:spAutoFit/>
+          </a:bodyPr>
+          <a:lstStyle/>
+          <a:p>
+            <a:r>
+              <a:rPr lang="fr-FR" sz="2400" dirty="0">
+                <a:solidFill>
+                  <a:schemeClr val="tx1">
+                    <a:lumMod val="50000"/>
+                    <a:lumOff val="50000"/>
+                  </a:schemeClr>
+                </a:solidFill>
+              </a:rPr>
+              <a:t>Payments en ligne</a:t>
+            </a:r>
+          </a:p>
+        </p:txBody>
+      </p:sp>
+      <p:sp>
+        <p:nvSpPr>
+          <p:cNvPr id="28" name="ZoneTexte 27">
+            <a:extLst>
+              <a:ext uri="{FF2B5EF4-FFF2-40B4-BE49-F238E27FC236}">
+                <a16:creationId xmlns:a16="http://schemas.microsoft.com/office/drawing/2014/main" id="{2316AB88-E6D9-4726-9466-0A7FD029A82E}"/>
+              </a:ext>
+            </a:extLst>
+          </p:cNvPr>
+          <p:cNvSpPr txBox="1"/>
+          <p:nvPr/>
+        </p:nvSpPr>
+        <p:spPr>
+          <a:xfrm>
+            <a:off x="637580" y="4733047"/>
+            <a:ext cx="5322156" cy="461665"/>
+          </a:xfrm>
+          <a:prstGeom prst="rect">
+            <a:avLst/>
+          </a:prstGeom>
+          <a:noFill/>
+        </p:spPr>
+        <p:txBody>
+          <a:bodyPr wrap="square" rtlCol="0">
+            <a:spAutoFit/>
+          </a:bodyPr>
+          <a:lstStyle/>
+          <a:p>
+            <a:r>
+              <a:rPr lang="fr-FR" sz="2400" dirty="0">
+                <a:solidFill>
+                  <a:schemeClr val="tx1">
+                    <a:lumMod val="50000"/>
+                    <a:lumOff val="50000"/>
+                  </a:schemeClr>
+                </a:solidFill>
+              </a:rPr>
+              <a:t>Facturation</a:t>
+            </a:r>
+          </a:p>
+        </p:txBody>
+      </p:sp>
+      <p:sp>
+        <p:nvSpPr>
+          <p:cNvPr id="29" name="ZoneTexte 28">
+            <a:extLst>
+              <a:ext uri="{FF2B5EF4-FFF2-40B4-BE49-F238E27FC236}">
+                <a16:creationId xmlns:a16="http://schemas.microsoft.com/office/drawing/2014/main" id="{5300C794-8DD2-47E3-BEB8-11187B5897BA}"/>
+              </a:ext>
+            </a:extLst>
+          </p:cNvPr>
+          <p:cNvSpPr txBox="1"/>
+          <p:nvPr/>
+        </p:nvSpPr>
+        <p:spPr>
+          <a:xfrm>
+            <a:off x="637580" y="5271978"/>
+            <a:ext cx="5322156" cy="461665"/>
+          </a:xfrm>
+          <a:prstGeom prst="rect">
+            <a:avLst/>
+          </a:prstGeom>
+          <a:noFill/>
+        </p:spPr>
+        <p:txBody>
+          <a:bodyPr wrap="square" rtlCol="0">
+            <a:spAutoFit/>
+          </a:bodyPr>
+          <a:lstStyle/>
+          <a:p>
+            <a:r>
+              <a:rPr lang="fr-FR" sz="2400" dirty="0">
+                <a:solidFill>
+                  <a:schemeClr val="tx1">
+                    <a:lumMod val="50000"/>
+                    <a:lumOff val="50000"/>
+                  </a:schemeClr>
+                </a:solidFill>
+              </a:rPr>
+              <a:t>Contact</a:t>
+            </a:r>
+          </a:p>
+        </p:txBody>
+      </p:sp>
+      <p:sp>
+        <p:nvSpPr>
+          <p:cNvPr id="30" name="ZoneTexte 29">
+            <a:extLst>
+              <a:ext uri="{FF2B5EF4-FFF2-40B4-BE49-F238E27FC236}">
+                <a16:creationId xmlns:a16="http://schemas.microsoft.com/office/drawing/2014/main" id="{9DF88A1C-965F-45AB-8577-B09356CF8DD7}"/>
+              </a:ext>
+            </a:extLst>
+          </p:cNvPr>
+          <p:cNvSpPr txBox="1"/>
+          <p:nvPr/>
+        </p:nvSpPr>
+        <p:spPr>
+          <a:xfrm>
+            <a:off x="637580" y="3465532"/>
+            <a:ext cx="5322156" cy="461665"/>
+          </a:xfrm>
+          <a:prstGeom prst="rect">
+            <a:avLst/>
+          </a:prstGeom>
+          <a:noFill/>
+        </p:spPr>
+        <p:txBody>
+          <a:bodyPr wrap="square" rtlCol="0">
+            <a:spAutoFit/>
+          </a:bodyPr>
+          <a:lstStyle/>
+          <a:p>
+            <a:r>
+              <a:rPr lang="fr-FR" sz="2400" dirty="0">
+                <a:solidFill>
+                  <a:schemeClr val="tx1">
+                    <a:lumMod val="50000"/>
+                    <a:lumOff val="50000"/>
+                  </a:schemeClr>
+                </a:solidFill>
+              </a:rPr>
+              <a:t>Suivi</a:t>
+            </a:r>
+          </a:p>
+        </p:txBody>
+      </p:sp>
+    </p:spTree>
+    <p:extLst>
+      <p:ext uri="{BB962C8B-B14F-4D97-AF65-F5344CB8AC3E}">
+        <p14:creationId xmlns:p14="http://schemas.microsoft.com/office/powerpoint/2010/main" val="1220358173"/>
+      </p:ext>
+    </p:extLst>
+  </p:cSld>
+  <p:clrMapOvr>
+    <a:masterClrMapping/>
+  </p:clrMapOvr>
+  <mc:AlternateContent xmlns:mc="http://schemas.openxmlformats.org/markup-compatibility/2006">
+    <mc:Choice xmlns:p159="http://schemas.microsoft.com/office/powerpoint/2015/09/main" Requires="p159">
+      <p:transition spd="med">
+        <p159:morph option="byObject"/>
+      </p:transition>
+    </mc:Choice>
+    <mc:Fallback>
+      <p:transition spd="med">
+        <p:fade/>
+      </p:transition>
+    </mc:Fallback>
+  </mc:AlternateContent>
+</p:sld>
+</file>
+
+<file path=ppt/slides/slide8.xml><?xml version="1.0" encoding="utf-8"?>
+<p:sld xmlns:a="http://schemas.openxmlformats.org/drawingml/2006/main" xmlns:r="http://schemas.openxmlformats.org/officeDocument/2006/relationships" xmlns:p="http://schemas.openxmlformats.org/presentationml/2006/main">
+  <p:cSld>
+    <p:spTree>
+      <p:nvGrpSpPr>
+        <p:cNvPr id="1" name=""/>
+        <p:cNvGrpSpPr/>
+        <p:nvPr/>
+      </p:nvGrpSpPr>
+      <p:grpSpPr>
+        <a:xfrm>
+          <a:off x="0" y="0"/>
+          <a:ext cx="0" cy="0"/>
+          <a:chOff x="0" y="0"/>
+          <a:chExt cx="0" cy="0"/>
+        </a:xfrm>
+      </p:grpSpPr>
+      <p:pic>
+        <p:nvPicPr>
+          <p:cNvPr id="14" name="Image 13">
+            <a:extLst>
+              <a:ext uri="{FF2B5EF4-FFF2-40B4-BE49-F238E27FC236}">
+                <a16:creationId xmlns:a16="http://schemas.microsoft.com/office/drawing/2014/main" id="{F5A204E3-AD38-4434-89DC-E7488ECDD735}"/>
+              </a:ext>
+            </a:extLst>
+          </p:cNvPr>
+          <p:cNvPicPr>
+            <a:picLocks noChangeAspect="1"/>
+          </p:cNvPicPr>
+          <p:nvPr/>
+        </p:nvPicPr>
+        <p:blipFill>
+          <a:blip r:embed="rId2">
+            <a:extLst>
+              <a:ext uri="{28A0092B-C50C-407E-A947-70E740481C1C}">
+                <a14:useLocalDpi xmlns:a14="http://schemas.microsoft.com/office/drawing/2010/main" val="0"/>
+              </a:ext>
+            </a:extLst>
+          </a:blip>
+          <a:stretch>
+            <a:fillRect/>
+          </a:stretch>
+        </p:blipFill>
+        <p:spPr>
+          <a:xfrm>
+            <a:off x="0" y="0"/>
+            <a:ext cx="12271127" cy="6902509"/>
+          </a:xfrm>
+          <a:prstGeom prst="rect">
+            <a:avLst/>
+          </a:prstGeom>
+        </p:spPr>
+      </p:pic>
+      <p:pic>
+        <p:nvPicPr>
+          <p:cNvPr id="9" name="Image 8">
+            <a:extLst>
+              <a:ext uri="{FF2B5EF4-FFF2-40B4-BE49-F238E27FC236}">
+                <a16:creationId xmlns:a16="http://schemas.microsoft.com/office/drawing/2014/main" id="{9EBE9283-C72F-4E8A-AD54-F8637DBD6806}"/>
+              </a:ext>
+            </a:extLst>
+          </p:cNvPr>
+          <p:cNvPicPr>
+            <a:picLocks noChangeAspect="1"/>
+          </p:cNvPicPr>
+          <p:nvPr/>
+        </p:nvPicPr>
+        <p:blipFill>
+          <a:blip r:embed="rId3">
+            <a:extLst>
+              <a:ext uri="{28A0092B-C50C-407E-A947-70E740481C1C}">
+                <a14:useLocalDpi xmlns:a14="http://schemas.microsoft.com/office/drawing/2010/main" val="0"/>
+              </a:ext>
+            </a:extLst>
+          </a:blip>
+          <a:stretch>
+            <a:fillRect/>
+          </a:stretch>
+        </p:blipFill>
+        <p:spPr>
+          <a:xfrm>
+            <a:off x="413464" y="266182"/>
+            <a:ext cx="448235" cy="441988"/>
+          </a:xfrm>
+          <a:prstGeom prst="rect">
+            <a:avLst/>
+          </a:prstGeom>
+        </p:spPr>
+      </p:pic>
+      <p:sp>
+        <p:nvSpPr>
+          <p:cNvPr id="10" name="Titre 9">
+            <a:extLst>
+              <a:ext uri="{FF2B5EF4-FFF2-40B4-BE49-F238E27FC236}">
+                <a16:creationId xmlns:a16="http://schemas.microsoft.com/office/drawing/2014/main" id="{7F8E0F24-CA3E-4387-9B1D-8105ED8F6302}"/>
+              </a:ext>
+            </a:extLst>
+          </p:cNvPr>
+          <p:cNvSpPr>
+            <a:spLocks noGrp="1"/>
+          </p:cNvSpPr>
+          <p:nvPr>
+            <p:ph type="ctrTitle"/>
+          </p:nvPr>
+        </p:nvSpPr>
+        <p:spPr>
+          <a:xfrm>
+            <a:off x="1524000" y="-2750393"/>
+            <a:ext cx="9144000" cy="2387600"/>
+          </a:xfrm>
+        </p:spPr>
+        <p:txBody>
+          <a:bodyPr/>
+          <a:lstStyle/>
+          <a:p>
+            <a:r>
+              <a:rPr lang="en-US" dirty="0"/>
+              <a:t>Table des mat</a:t>
+            </a:r>
+            <a:r>
+              <a:rPr lang="fr-FR" dirty="0" err="1"/>
+              <a:t>ières</a:t>
+            </a:r>
+            <a:endParaRPr lang="en-US" dirty="0"/>
+          </a:p>
+        </p:txBody>
+      </p:sp>
+      <p:sp>
+        <p:nvSpPr>
+          <p:cNvPr id="6" name="Sous-titre 2">
+            <a:extLst>
+              <a:ext uri="{FF2B5EF4-FFF2-40B4-BE49-F238E27FC236}">
+                <a16:creationId xmlns:a16="http://schemas.microsoft.com/office/drawing/2014/main" id="{05116A7A-ED8E-4DD3-AB23-C6AC37D31B1E}"/>
+              </a:ext>
+            </a:extLst>
+          </p:cNvPr>
+          <p:cNvSpPr txBox="1">
+            <a:spLocks/>
+          </p:cNvSpPr>
+          <p:nvPr/>
+        </p:nvSpPr>
+        <p:spPr>
+          <a:xfrm>
+            <a:off x="-6766181" y="1932162"/>
+            <a:ext cx="5665695" cy="879768"/>
+          </a:xfrm>
+          <a:prstGeom prst="rect">
+            <a:avLst/>
+          </a:prstGeom>
+        </p:spPr>
+        <p:txBody>
+          <a:bodyPr vert="horz" lIns="91440" tIns="45720" rIns="91440" bIns="45720" rtlCol="0">
+            <a:normAutofit/>
+          </a:bodyPr>
+          <a:lstStyle>
+            <a:lvl1pPr marL="0" indent="0" algn="ctr" defTabSz="914400" rtl="0" eaLnBrk="1" latinLnBrk="0" hangingPunct="1">
+              <a:lnSpc>
+                <a:spcPct val="90000"/>
+              </a:lnSpc>
+              <a:spcBef>
+                <a:spcPts val="1000"/>
+              </a:spcBef>
+              <a:buFont typeface="Arial" panose="020B0604020202020204" pitchFamily="34" charset="0"/>
+              <a:buNone/>
+              <a:defRPr sz="2400" kern="1200">
+                <a:solidFill>
+                  <a:schemeClr val="tx1"/>
+                </a:solidFill>
+                <a:latin typeface="+mn-lt"/>
+                <a:ea typeface="+mn-ea"/>
+                <a:cs typeface="+mn-cs"/>
+              </a:defRPr>
+            </a:lvl1pPr>
+            <a:lvl2pPr marL="457200" indent="0" algn="ctr" defTabSz="914400" rtl="0" eaLnBrk="1" latinLnBrk="0" hangingPunct="1">
+              <a:lnSpc>
+                <a:spcPct val="90000"/>
+              </a:lnSpc>
+              <a:spcBef>
+                <a:spcPts val="500"/>
+              </a:spcBef>
+              <a:buFont typeface="Arial" panose="020B0604020202020204" pitchFamily="34" charset="0"/>
+              <a:buNone/>
+              <a:defRPr sz="2000" kern="1200">
+                <a:solidFill>
+                  <a:schemeClr val="tx1"/>
+                </a:solidFill>
+                <a:latin typeface="+mn-lt"/>
+                <a:ea typeface="+mn-ea"/>
+                <a:cs typeface="+mn-cs"/>
+              </a:defRPr>
+            </a:lvl2pPr>
+            <a:lvl3pPr marL="914400" indent="0" algn="ctr" defTabSz="914400" rtl="0" eaLnBrk="1" latinLnBrk="0" hangingPunct="1">
+              <a:lnSpc>
+                <a:spcPct val="90000"/>
+              </a:lnSpc>
+              <a:spcBef>
+                <a:spcPts val="500"/>
+              </a:spcBef>
+              <a:buFont typeface="Arial" panose="020B0604020202020204" pitchFamily="34" charset="0"/>
+              <a:buNone/>
+              <a:defRPr sz="1800" kern="1200">
+                <a:solidFill>
+                  <a:schemeClr val="tx1"/>
+                </a:solidFill>
+                <a:latin typeface="+mn-lt"/>
+                <a:ea typeface="+mn-ea"/>
+                <a:cs typeface="+mn-cs"/>
+              </a:defRPr>
+            </a:lvl3pPr>
+            <a:lvl4pPr marL="1371600" indent="0" algn="ctr" defTabSz="914400" rtl="0" eaLnBrk="1" latinLnBrk="0" hangingPunct="1">
+              <a:lnSpc>
+                <a:spcPct val="90000"/>
+              </a:lnSpc>
+              <a:spcBef>
+                <a:spcPts val="500"/>
+              </a:spcBef>
+              <a:buFont typeface="Arial" panose="020B0604020202020204" pitchFamily="34" charset="0"/>
+              <a:buNone/>
+              <a:defRPr sz="1600" kern="1200">
+                <a:solidFill>
+                  <a:schemeClr val="tx1"/>
+                </a:solidFill>
+                <a:latin typeface="+mn-lt"/>
+                <a:ea typeface="+mn-ea"/>
+                <a:cs typeface="+mn-cs"/>
+              </a:defRPr>
+            </a:lvl4pPr>
+            <a:lvl5pPr marL="1828800" indent="0" algn="ctr" defTabSz="914400" rtl="0" eaLnBrk="1" latinLnBrk="0" hangingPunct="1">
+              <a:lnSpc>
+                <a:spcPct val="90000"/>
+              </a:lnSpc>
+              <a:spcBef>
+                <a:spcPts val="500"/>
+              </a:spcBef>
+              <a:buFont typeface="Arial" panose="020B0604020202020204" pitchFamily="34" charset="0"/>
+              <a:buNone/>
+              <a:defRPr sz="1600" kern="1200">
+                <a:solidFill>
+                  <a:schemeClr val="tx1"/>
+                </a:solidFill>
+                <a:latin typeface="+mn-lt"/>
+                <a:ea typeface="+mn-ea"/>
+                <a:cs typeface="+mn-cs"/>
+              </a:defRPr>
+            </a:lvl5pPr>
+            <a:lvl6pPr marL="2286000" indent="0" algn="ctr" defTabSz="914400" rtl="0" eaLnBrk="1" latinLnBrk="0" hangingPunct="1">
+              <a:lnSpc>
+                <a:spcPct val="90000"/>
+              </a:lnSpc>
+              <a:spcBef>
+                <a:spcPts val="500"/>
+              </a:spcBef>
+              <a:buFont typeface="Arial" panose="020B0604020202020204" pitchFamily="34" charset="0"/>
+              <a:buNone/>
+              <a:defRPr sz="1600" kern="1200">
+                <a:solidFill>
+                  <a:schemeClr val="tx1"/>
+                </a:solidFill>
+                <a:latin typeface="+mn-lt"/>
+                <a:ea typeface="+mn-ea"/>
+                <a:cs typeface="+mn-cs"/>
+              </a:defRPr>
+            </a:lvl6pPr>
+            <a:lvl7pPr marL="2743200" indent="0" algn="ctr" defTabSz="914400" rtl="0" eaLnBrk="1" latinLnBrk="0" hangingPunct="1">
+              <a:lnSpc>
+                <a:spcPct val="90000"/>
+              </a:lnSpc>
+              <a:spcBef>
+                <a:spcPts val="500"/>
+              </a:spcBef>
+              <a:buFont typeface="Arial" panose="020B0604020202020204" pitchFamily="34" charset="0"/>
+              <a:buNone/>
+              <a:defRPr sz="1600" kern="1200">
+                <a:solidFill>
+                  <a:schemeClr val="tx1"/>
+                </a:solidFill>
+                <a:latin typeface="+mn-lt"/>
+                <a:ea typeface="+mn-ea"/>
+                <a:cs typeface="+mn-cs"/>
+              </a:defRPr>
+            </a:lvl7pPr>
+            <a:lvl8pPr marL="3200400" indent="0" algn="ctr" defTabSz="914400" rtl="0" eaLnBrk="1" latinLnBrk="0" hangingPunct="1">
+              <a:lnSpc>
+                <a:spcPct val="90000"/>
+              </a:lnSpc>
+              <a:spcBef>
+                <a:spcPts val="500"/>
+              </a:spcBef>
+              <a:buFont typeface="Arial" panose="020B0604020202020204" pitchFamily="34" charset="0"/>
+              <a:buNone/>
+              <a:defRPr sz="1600" kern="1200">
+                <a:solidFill>
+                  <a:schemeClr val="tx1"/>
+                </a:solidFill>
+                <a:latin typeface="+mn-lt"/>
+                <a:ea typeface="+mn-ea"/>
+                <a:cs typeface="+mn-cs"/>
+              </a:defRPr>
+            </a:lvl8pPr>
+            <a:lvl9pPr marL="3657600" indent="0" algn="ctr" defTabSz="914400" rtl="0" eaLnBrk="1" latinLnBrk="0" hangingPunct="1">
+              <a:lnSpc>
+                <a:spcPct val="90000"/>
+              </a:lnSpc>
+              <a:spcBef>
+                <a:spcPts val="500"/>
+              </a:spcBef>
+              <a:buFont typeface="Arial" panose="020B0604020202020204" pitchFamily="34" charset="0"/>
+              <a:buNone/>
+              <a:defRPr sz="1600" kern="1200">
+                <a:solidFill>
+                  <a:schemeClr val="tx1"/>
+                </a:solidFill>
+                <a:latin typeface="+mn-lt"/>
+                <a:ea typeface="+mn-ea"/>
+                <a:cs typeface="+mn-cs"/>
+              </a:defRPr>
+            </a:lvl9pPr>
+          </a:lstStyle>
+          <a:p>
+            <a:pPr algn="l"/>
+            <a:r>
+              <a:rPr lang="fr-FR" dirty="0"/>
+              <a:t>- Cahier de charges et analyses des besoins</a:t>
+            </a:r>
+          </a:p>
+          <a:p>
+            <a:pPr algn="l"/>
+            <a:endParaRPr lang="en-US" dirty="0"/>
+          </a:p>
+        </p:txBody>
+      </p:sp>
+      <p:sp>
+        <p:nvSpPr>
+          <p:cNvPr id="8" name="Sous-titre 2">
+            <a:extLst>
+              <a:ext uri="{FF2B5EF4-FFF2-40B4-BE49-F238E27FC236}">
+                <a16:creationId xmlns:a16="http://schemas.microsoft.com/office/drawing/2014/main" id="{25094B41-AE58-40E1-990A-DCD3353EB428}"/>
+              </a:ext>
+            </a:extLst>
+          </p:cNvPr>
+          <p:cNvSpPr txBox="1">
+            <a:spLocks/>
+          </p:cNvSpPr>
+          <p:nvPr/>
+        </p:nvSpPr>
+        <p:spPr>
+          <a:xfrm>
+            <a:off x="5002305" y="268286"/>
+            <a:ext cx="5665695" cy="879768"/>
+          </a:xfrm>
+          <a:prstGeom prst="rect">
+            <a:avLst/>
+          </a:prstGeom>
+        </p:spPr>
+        <p:txBody>
+          <a:bodyPr vert="horz" lIns="91440" tIns="45720" rIns="91440" bIns="45720" rtlCol="0">
+            <a:normAutofit/>
+          </a:bodyPr>
+          <a:lstStyle>
+            <a:lvl1pPr marL="0" indent="0" algn="ctr" defTabSz="914400" rtl="0" eaLnBrk="1" latinLnBrk="0" hangingPunct="1">
+              <a:lnSpc>
+                <a:spcPct val="90000"/>
+              </a:lnSpc>
+              <a:spcBef>
+                <a:spcPts val="1000"/>
+              </a:spcBef>
+              <a:buFont typeface="Arial" panose="020B0604020202020204" pitchFamily="34" charset="0"/>
+              <a:buNone/>
+              <a:defRPr sz="2400" kern="1200">
+                <a:solidFill>
+                  <a:schemeClr val="tx1"/>
+                </a:solidFill>
+                <a:latin typeface="+mn-lt"/>
+                <a:ea typeface="+mn-ea"/>
+                <a:cs typeface="+mn-cs"/>
+              </a:defRPr>
+            </a:lvl1pPr>
+            <a:lvl2pPr marL="457200" indent="0" algn="ctr" defTabSz="914400" rtl="0" eaLnBrk="1" latinLnBrk="0" hangingPunct="1">
+              <a:lnSpc>
+                <a:spcPct val="90000"/>
+              </a:lnSpc>
+              <a:spcBef>
+                <a:spcPts val="500"/>
+              </a:spcBef>
+              <a:buFont typeface="Arial" panose="020B0604020202020204" pitchFamily="34" charset="0"/>
+              <a:buNone/>
+              <a:defRPr sz="2000" kern="1200">
+                <a:solidFill>
+                  <a:schemeClr val="tx1"/>
+                </a:solidFill>
+                <a:latin typeface="+mn-lt"/>
+                <a:ea typeface="+mn-ea"/>
+                <a:cs typeface="+mn-cs"/>
+              </a:defRPr>
+            </a:lvl2pPr>
+            <a:lvl3pPr marL="914400" indent="0" algn="ctr" defTabSz="914400" rtl="0" eaLnBrk="1" latinLnBrk="0" hangingPunct="1">
+              <a:lnSpc>
+                <a:spcPct val="90000"/>
+              </a:lnSpc>
+              <a:spcBef>
+                <a:spcPts val="500"/>
+              </a:spcBef>
+              <a:buFont typeface="Arial" panose="020B0604020202020204" pitchFamily="34" charset="0"/>
+              <a:buNone/>
+              <a:defRPr sz="1800" kern="1200">
+                <a:solidFill>
+                  <a:schemeClr val="tx1"/>
+                </a:solidFill>
+                <a:latin typeface="+mn-lt"/>
+                <a:ea typeface="+mn-ea"/>
+                <a:cs typeface="+mn-cs"/>
+              </a:defRPr>
+            </a:lvl3pPr>
+            <a:lvl4pPr marL="1371600" indent="0" algn="ctr" defTabSz="914400" rtl="0" eaLnBrk="1" latinLnBrk="0" hangingPunct="1">
+              <a:lnSpc>
+                <a:spcPct val="90000"/>
+              </a:lnSpc>
+              <a:spcBef>
+                <a:spcPts val="500"/>
+              </a:spcBef>
+              <a:buFont typeface="Arial" panose="020B0604020202020204" pitchFamily="34" charset="0"/>
+              <a:buNone/>
+              <a:defRPr sz="1600" kern="1200">
+                <a:solidFill>
+                  <a:schemeClr val="tx1"/>
+                </a:solidFill>
+                <a:latin typeface="+mn-lt"/>
+                <a:ea typeface="+mn-ea"/>
+                <a:cs typeface="+mn-cs"/>
+              </a:defRPr>
+            </a:lvl4pPr>
+            <a:lvl5pPr marL="1828800" indent="0" algn="ctr" defTabSz="914400" rtl="0" eaLnBrk="1" latinLnBrk="0" hangingPunct="1">
+              <a:lnSpc>
+                <a:spcPct val="90000"/>
+              </a:lnSpc>
+              <a:spcBef>
+                <a:spcPts val="500"/>
+              </a:spcBef>
+              <a:buFont typeface="Arial" panose="020B0604020202020204" pitchFamily="34" charset="0"/>
+              <a:buNone/>
+              <a:defRPr sz="1600" kern="1200">
+                <a:solidFill>
+                  <a:schemeClr val="tx1"/>
+                </a:solidFill>
+                <a:latin typeface="+mn-lt"/>
+                <a:ea typeface="+mn-ea"/>
+                <a:cs typeface="+mn-cs"/>
+              </a:defRPr>
+            </a:lvl5pPr>
+            <a:lvl6pPr marL="2286000" indent="0" algn="ctr" defTabSz="914400" rtl="0" eaLnBrk="1" latinLnBrk="0" hangingPunct="1">
+              <a:lnSpc>
+                <a:spcPct val="90000"/>
+              </a:lnSpc>
+              <a:spcBef>
+                <a:spcPts val="500"/>
+              </a:spcBef>
+              <a:buFont typeface="Arial" panose="020B0604020202020204" pitchFamily="34" charset="0"/>
+              <a:buNone/>
+              <a:defRPr sz="1600" kern="1200">
+                <a:solidFill>
+                  <a:schemeClr val="tx1"/>
+                </a:solidFill>
+                <a:latin typeface="+mn-lt"/>
+                <a:ea typeface="+mn-ea"/>
+                <a:cs typeface="+mn-cs"/>
+              </a:defRPr>
+            </a:lvl6pPr>
+            <a:lvl7pPr marL="2743200" indent="0" algn="ctr" defTabSz="914400" rtl="0" eaLnBrk="1" latinLnBrk="0" hangingPunct="1">
+              <a:lnSpc>
+                <a:spcPct val="90000"/>
+              </a:lnSpc>
+              <a:spcBef>
+                <a:spcPts val="500"/>
+              </a:spcBef>
+              <a:buFont typeface="Arial" panose="020B0604020202020204" pitchFamily="34" charset="0"/>
+              <a:buNone/>
+              <a:defRPr sz="1600" kern="1200">
+                <a:solidFill>
+                  <a:schemeClr val="tx1"/>
+                </a:solidFill>
+                <a:latin typeface="+mn-lt"/>
+                <a:ea typeface="+mn-ea"/>
+                <a:cs typeface="+mn-cs"/>
+              </a:defRPr>
+            </a:lvl7pPr>
+            <a:lvl8pPr marL="3200400" indent="0" algn="ctr" defTabSz="914400" rtl="0" eaLnBrk="1" latinLnBrk="0" hangingPunct="1">
+              <a:lnSpc>
+                <a:spcPct val="90000"/>
+              </a:lnSpc>
+              <a:spcBef>
+                <a:spcPts val="500"/>
+              </a:spcBef>
+              <a:buFont typeface="Arial" panose="020B0604020202020204" pitchFamily="34" charset="0"/>
+              <a:buNone/>
+              <a:defRPr sz="1600" kern="1200">
+                <a:solidFill>
+                  <a:schemeClr val="tx1"/>
+                </a:solidFill>
+                <a:latin typeface="+mn-lt"/>
+                <a:ea typeface="+mn-ea"/>
+                <a:cs typeface="+mn-cs"/>
+              </a:defRPr>
+            </a:lvl8pPr>
+            <a:lvl9pPr marL="3657600" indent="0" algn="ctr" defTabSz="914400" rtl="0" eaLnBrk="1" latinLnBrk="0" hangingPunct="1">
+              <a:lnSpc>
+                <a:spcPct val="90000"/>
+              </a:lnSpc>
+              <a:spcBef>
+                <a:spcPts val="500"/>
+              </a:spcBef>
+              <a:buFont typeface="Arial" panose="020B0604020202020204" pitchFamily="34" charset="0"/>
+              <a:buNone/>
+              <a:defRPr sz="1600" kern="1200">
+                <a:solidFill>
+                  <a:schemeClr val="tx1"/>
+                </a:solidFill>
+                <a:latin typeface="+mn-lt"/>
+                <a:ea typeface="+mn-ea"/>
+                <a:cs typeface="+mn-cs"/>
+              </a:defRPr>
+            </a:lvl9pPr>
+          </a:lstStyle>
+          <a:p>
+            <a:pPr algn="l"/>
+            <a:r>
+              <a:rPr lang="fr-FR" sz="4800" dirty="0"/>
+              <a:t>Fonctionnalités</a:t>
+            </a:r>
+          </a:p>
+          <a:p>
+            <a:pPr algn="l"/>
+            <a:endParaRPr lang="en-US" dirty="0"/>
+          </a:p>
+        </p:txBody>
+      </p:sp>
+      <p:sp>
+        <p:nvSpPr>
+          <p:cNvPr id="11" name="Sous-titre 2">
+            <a:extLst>
+              <a:ext uri="{FF2B5EF4-FFF2-40B4-BE49-F238E27FC236}">
+                <a16:creationId xmlns:a16="http://schemas.microsoft.com/office/drawing/2014/main" id="{F0D9748C-C317-4433-8E42-65A40EAB0073}"/>
+              </a:ext>
+            </a:extLst>
+          </p:cNvPr>
+          <p:cNvSpPr txBox="1">
+            <a:spLocks/>
+          </p:cNvSpPr>
+          <p:nvPr/>
+        </p:nvSpPr>
+        <p:spPr>
+          <a:xfrm>
+            <a:off x="-6059351" y="3387522"/>
+            <a:ext cx="5665695" cy="879768"/>
+          </a:xfrm>
+          <a:prstGeom prst="rect">
+            <a:avLst/>
+          </a:prstGeom>
+        </p:spPr>
+        <p:txBody>
+          <a:bodyPr vert="horz" lIns="91440" tIns="45720" rIns="91440" bIns="45720" rtlCol="0">
+            <a:normAutofit/>
+          </a:bodyPr>
+          <a:lstStyle>
+            <a:lvl1pPr marL="0" indent="0" algn="ctr" defTabSz="914400" rtl="0" eaLnBrk="1" latinLnBrk="0" hangingPunct="1">
+              <a:lnSpc>
+                <a:spcPct val="90000"/>
+              </a:lnSpc>
+              <a:spcBef>
+                <a:spcPts val="1000"/>
+              </a:spcBef>
+              <a:buFont typeface="Arial" panose="020B0604020202020204" pitchFamily="34" charset="0"/>
+              <a:buNone/>
+              <a:defRPr sz="2400" kern="1200">
+                <a:solidFill>
+                  <a:schemeClr val="tx1"/>
+                </a:solidFill>
+                <a:latin typeface="+mn-lt"/>
+                <a:ea typeface="+mn-ea"/>
+                <a:cs typeface="+mn-cs"/>
+              </a:defRPr>
+            </a:lvl1pPr>
+            <a:lvl2pPr marL="457200" indent="0" algn="ctr" defTabSz="914400" rtl="0" eaLnBrk="1" latinLnBrk="0" hangingPunct="1">
+              <a:lnSpc>
+                <a:spcPct val="90000"/>
+              </a:lnSpc>
+              <a:spcBef>
+                <a:spcPts val="500"/>
+              </a:spcBef>
+              <a:buFont typeface="Arial" panose="020B0604020202020204" pitchFamily="34" charset="0"/>
+              <a:buNone/>
+              <a:defRPr sz="2000" kern="1200">
+                <a:solidFill>
+                  <a:schemeClr val="tx1"/>
+                </a:solidFill>
+                <a:latin typeface="+mn-lt"/>
+                <a:ea typeface="+mn-ea"/>
+                <a:cs typeface="+mn-cs"/>
+              </a:defRPr>
+            </a:lvl2pPr>
+            <a:lvl3pPr marL="914400" indent="0" algn="ctr" defTabSz="914400" rtl="0" eaLnBrk="1" latinLnBrk="0" hangingPunct="1">
+              <a:lnSpc>
+                <a:spcPct val="90000"/>
+              </a:lnSpc>
+              <a:spcBef>
+                <a:spcPts val="500"/>
+              </a:spcBef>
+              <a:buFont typeface="Arial" panose="020B0604020202020204" pitchFamily="34" charset="0"/>
+              <a:buNone/>
+              <a:defRPr sz="1800" kern="1200">
+                <a:solidFill>
+                  <a:schemeClr val="tx1"/>
+                </a:solidFill>
+                <a:latin typeface="+mn-lt"/>
+                <a:ea typeface="+mn-ea"/>
+                <a:cs typeface="+mn-cs"/>
+              </a:defRPr>
+            </a:lvl3pPr>
+            <a:lvl4pPr marL="1371600" indent="0" algn="ctr" defTabSz="914400" rtl="0" eaLnBrk="1" latinLnBrk="0" hangingPunct="1">
+              <a:lnSpc>
+                <a:spcPct val="90000"/>
+              </a:lnSpc>
+              <a:spcBef>
+                <a:spcPts val="500"/>
+              </a:spcBef>
+              <a:buFont typeface="Arial" panose="020B0604020202020204" pitchFamily="34" charset="0"/>
+              <a:buNone/>
+              <a:defRPr sz="1600" kern="1200">
+                <a:solidFill>
+                  <a:schemeClr val="tx1"/>
+                </a:solidFill>
+                <a:latin typeface="+mn-lt"/>
+                <a:ea typeface="+mn-ea"/>
+                <a:cs typeface="+mn-cs"/>
+              </a:defRPr>
+            </a:lvl4pPr>
+            <a:lvl5pPr marL="1828800" indent="0" algn="ctr" defTabSz="914400" rtl="0" eaLnBrk="1" latinLnBrk="0" hangingPunct="1">
+              <a:lnSpc>
+                <a:spcPct val="90000"/>
+              </a:lnSpc>
+              <a:spcBef>
+                <a:spcPts val="500"/>
+              </a:spcBef>
+              <a:buFont typeface="Arial" panose="020B0604020202020204" pitchFamily="34" charset="0"/>
+              <a:buNone/>
+              <a:defRPr sz="1600" kern="1200">
+                <a:solidFill>
+                  <a:schemeClr val="tx1"/>
+                </a:solidFill>
+                <a:latin typeface="+mn-lt"/>
+                <a:ea typeface="+mn-ea"/>
+                <a:cs typeface="+mn-cs"/>
+              </a:defRPr>
+            </a:lvl5pPr>
+            <a:lvl6pPr marL="2286000" indent="0" algn="ctr" defTabSz="914400" rtl="0" eaLnBrk="1" latinLnBrk="0" hangingPunct="1">
+              <a:lnSpc>
+                <a:spcPct val="90000"/>
+              </a:lnSpc>
+              <a:spcBef>
+                <a:spcPts val="500"/>
+              </a:spcBef>
+              <a:buFont typeface="Arial" panose="020B0604020202020204" pitchFamily="34" charset="0"/>
+              <a:buNone/>
+              <a:defRPr sz="1600" kern="1200">
+                <a:solidFill>
+                  <a:schemeClr val="tx1"/>
+                </a:solidFill>
+                <a:latin typeface="+mn-lt"/>
+                <a:ea typeface="+mn-ea"/>
+                <a:cs typeface="+mn-cs"/>
+              </a:defRPr>
+            </a:lvl6pPr>
+            <a:lvl7pPr marL="2743200" indent="0" algn="ctr" defTabSz="914400" rtl="0" eaLnBrk="1" latinLnBrk="0" hangingPunct="1">
+              <a:lnSpc>
+                <a:spcPct val="90000"/>
+              </a:lnSpc>
+              <a:spcBef>
+                <a:spcPts val="500"/>
+              </a:spcBef>
+              <a:buFont typeface="Arial" panose="020B0604020202020204" pitchFamily="34" charset="0"/>
+              <a:buNone/>
+              <a:defRPr sz="1600" kern="1200">
+                <a:solidFill>
+                  <a:schemeClr val="tx1"/>
+                </a:solidFill>
+                <a:latin typeface="+mn-lt"/>
+                <a:ea typeface="+mn-ea"/>
+                <a:cs typeface="+mn-cs"/>
+              </a:defRPr>
+            </a:lvl7pPr>
+            <a:lvl8pPr marL="3200400" indent="0" algn="ctr" defTabSz="914400" rtl="0" eaLnBrk="1" latinLnBrk="0" hangingPunct="1">
+              <a:lnSpc>
+                <a:spcPct val="90000"/>
+              </a:lnSpc>
+              <a:spcBef>
+                <a:spcPts val="500"/>
+              </a:spcBef>
+              <a:buFont typeface="Arial" panose="020B0604020202020204" pitchFamily="34" charset="0"/>
+              <a:buNone/>
+              <a:defRPr sz="1600" kern="1200">
+                <a:solidFill>
+                  <a:schemeClr val="tx1"/>
+                </a:solidFill>
+                <a:latin typeface="+mn-lt"/>
+                <a:ea typeface="+mn-ea"/>
+                <a:cs typeface="+mn-cs"/>
+              </a:defRPr>
+            </a:lvl8pPr>
+            <a:lvl9pPr marL="3657600" indent="0" algn="ctr" defTabSz="914400" rtl="0" eaLnBrk="1" latinLnBrk="0" hangingPunct="1">
+              <a:lnSpc>
+                <a:spcPct val="90000"/>
+              </a:lnSpc>
+              <a:spcBef>
+                <a:spcPts val="500"/>
+              </a:spcBef>
+              <a:buFont typeface="Arial" panose="020B0604020202020204" pitchFamily="34" charset="0"/>
+              <a:buNone/>
+              <a:defRPr sz="1600" kern="1200">
+                <a:solidFill>
+                  <a:schemeClr val="tx1"/>
+                </a:solidFill>
+                <a:latin typeface="+mn-lt"/>
+                <a:ea typeface="+mn-ea"/>
+                <a:cs typeface="+mn-cs"/>
+              </a:defRPr>
+            </a:lvl9pPr>
+          </a:lstStyle>
+          <a:p>
+            <a:pPr algn="l"/>
+            <a:r>
+              <a:rPr lang="fr-FR" dirty="0"/>
+              <a:t>- Sécurités</a:t>
+            </a:r>
+          </a:p>
+          <a:p>
+            <a:pPr algn="l"/>
+            <a:endParaRPr lang="en-US" dirty="0"/>
+          </a:p>
+        </p:txBody>
+      </p:sp>
+      <p:sp>
+        <p:nvSpPr>
+          <p:cNvPr id="12" name="Sous-titre 2">
+            <a:extLst>
+              <a:ext uri="{FF2B5EF4-FFF2-40B4-BE49-F238E27FC236}">
+                <a16:creationId xmlns:a16="http://schemas.microsoft.com/office/drawing/2014/main" id="{F1F49EB7-3FFC-48A0-852D-B9B9324DCB2B}"/>
+              </a:ext>
+            </a:extLst>
+          </p:cNvPr>
+          <p:cNvSpPr txBox="1">
+            <a:spLocks/>
+          </p:cNvSpPr>
+          <p:nvPr/>
+        </p:nvSpPr>
+        <p:spPr>
+          <a:xfrm>
+            <a:off x="-6054985" y="3861333"/>
+            <a:ext cx="5665695" cy="879768"/>
+          </a:xfrm>
+          <a:prstGeom prst="rect">
+            <a:avLst/>
+          </a:prstGeom>
+        </p:spPr>
+        <p:txBody>
+          <a:bodyPr vert="horz" lIns="91440" tIns="45720" rIns="91440" bIns="45720" rtlCol="0">
+            <a:normAutofit/>
+          </a:bodyPr>
+          <a:lstStyle>
+            <a:lvl1pPr marL="0" indent="0" algn="ctr" defTabSz="914400" rtl="0" eaLnBrk="1" latinLnBrk="0" hangingPunct="1">
+              <a:lnSpc>
+                <a:spcPct val="90000"/>
+              </a:lnSpc>
+              <a:spcBef>
+                <a:spcPts val="1000"/>
+              </a:spcBef>
+              <a:buFont typeface="Arial" panose="020B0604020202020204" pitchFamily="34" charset="0"/>
+              <a:buNone/>
+              <a:defRPr sz="2400" kern="1200">
+                <a:solidFill>
+                  <a:schemeClr val="tx1"/>
+                </a:solidFill>
+                <a:latin typeface="+mn-lt"/>
+                <a:ea typeface="+mn-ea"/>
+                <a:cs typeface="+mn-cs"/>
+              </a:defRPr>
+            </a:lvl1pPr>
+            <a:lvl2pPr marL="457200" indent="0" algn="ctr" defTabSz="914400" rtl="0" eaLnBrk="1" latinLnBrk="0" hangingPunct="1">
+              <a:lnSpc>
+                <a:spcPct val="90000"/>
+              </a:lnSpc>
+              <a:spcBef>
+                <a:spcPts val="500"/>
+              </a:spcBef>
+              <a:buFont typeface="Arial" panose="020B0604020202020204" pitchFamily="34" charset="0"/>
+              <a:buNone/>
+              <a:defRPr sz="2000" kern="1200">
+                <a:solidFill>
+                  <a:schemeClr val="tx1"/>
+                </a:solidFill>
+                <a:latin typeface="+mn-lt"/>
+                <a:ea typeface="+mn-ea"/>
+                <a:cs typeface="+mn-cs"/>
+              </a:defRPr>
+            </a:lvl2pPr>
+            <a:lvl3pPr marL="914400" indent="0" algn="ctr" defTabSz="914400" rtl="0" eaLnBrk="1" latinLnBrk="0" hangingPunct="1">
+              <a:lnSpc>
+                <a:spcPct val="90000"/>
+              </a:lnSpc>
+              <a:spcBef>
+                <a:spcPts val="500"/>
+              </a:spcBef>
+              <a:buFont typeface="Arial" panose="020B0604020202020204" pitchFamily="34" charset="0"/>
+              <a:buNone/>
+              <a:defRPr sz="1800" kern="1200">
+                <a:solidFill>
+                  <a:schemeClr val="tx1"/>
+                </a:solidFill>
+                <a:latin typeface="+mn-lt"/>
+                <a:ea typeface="+mn-ea"/>
+                <a:cs typeface="+mn-cs"/>
+              </a:defRPr>
+            </a:lvl3pPr>
+            <a:lvl4pPr marL="1371600" indent="0" algn="ctr" defTabSz="914400" rtl="0" eaLnBrk="1" latinLnBrk="0" hangingPunct="1">
+              <a:lnSpc>
+                <a:spcPct val="90000"/>
+              </a:lnSpc>
+              <a:spcBef>
+                <a:spcPts val="500"/>
+              </a:spcBef>
+              <a:buFont typeface="Arial" panose="020B0604020202020204" pitchFamily="34" charset="0"/>
+              <a:buNone/>
+              <a:defRPr sz="1600" kern="1200">
+                <a:solidFill>
+                  <a:schemeClr val="tx1"/>
+                </a:solidFill>
+                <a:latin typeface="+mn-lt"/>
+                <a:ea typeface="+mn-ea"/>
+                <a:cs typeface="+mn-cs"/>
+              </a:defRPr>
+            </a:lvl4pPr>
+            <a:lvl5pPr marL="1828800" indent="0" algn="ctr" defTabSz="914400" rtl="0" eaLnBrk="1" latinLnBrk="0" hangingPunct="1">
+              <a:lnSpc>
+                <a:spcPct val="90000"/>
+              </a:lnSpc>
+              <a:spcBef>
+                <a:spcPts val="500"/>
+              </a:spcBef>
+              <a:buFont typeface="Arial" panose="020B0604020202020204" pitchFamily="34" charset="0"/>
+              <a:buNone/>
+              <a:defRPr sz="1600" kern="1200">
+                <a:solidFill>
+                  <a:schemeClr val="tx1"/>
+                </a:solidFill>
+                <a:latin typeface="+mn-lt"/>
+                <a:ea typeface="+mn-ea"/>
+                <a:cs typeface="+mn-cs"/>
+              </a:defRPr>
+            </a:lvl5pPr>
+            <a:lvl6pPr marL="2286000" indent="0" algn="ctr" defTabSz="914400" rtl="0" eaLnBrk="1" latinLnBrk="0" hangingPunct="1">
+              <a:lnSpc>
+                <a:spcPct val="90000"/>
+              </a:lnSpc>
+              <a:spcBef>
+                <a:spcPts val="500"/>
+              </a:spcBef>
+              <a:buFont typeface="Arial" panose="020B0604020202020204" pitchFamily="34" charset="0"/>
+              <a:buNone/>
+              <a:defRPr sz="1600" kern="1200">
+                <a:solidFill>
+                  <a:schemeClr val="tx1"/>
+                </a:solidFill>
+                <a:latin typeface="+mn-lt"/>
+                <a:ea typeface="+mn-ea"/>
+                <a:cs typeface="+mn-cs"/>
+              </a:defRPr>
+            </a:lvl6pPr>
+            <a:lvl7pPr marL="2743200" indent="0" algn="ctr" defTabSz="914400" rtl="0" eaLnBrk="1" latinLnBrk="0" hangingPunct="1">
+              <a:lnSpc>
+                <a:spcPct val="90000"/>
+              </a:lnSpc>
+              <a:spcBef>
+                <a:spcPts val="500"/>
+              </a:spcBef>
+              <a:buFont typeface="Arial" panose="020B0604020202020204" pitchFamily="34" charset="0"/>
+              <a:buNone/>
+              <a:defRPr sz="1600" kern="1200">
+                <a:solidFill>
+                  <a:schemeClr val="tx1"/>
+                </a:solidFill>
+                <a:latin typeface="+mn-lt"/>
+                <a:ea typeface="+mn-ea"/>
+                <a:cs typeface="+mn-cs"/>
+              </a:defRPr>
+            </a:lvl7pPr>
+            <a:lvl8pPr marL="3200400" indent="0" algn="ctr" defTabSz="914400" rtl="0" eaLnBrk="1" latinLnBrk="0" hangingPunct="1">
+              <a:lnSpc>
+                <a:spcPct val="90000"/>
+              </a:lnSpc>
+              <a:spcBef>
+                <a:spcPts val="500"/>
+              </a:spcBef>
+              <a:buFont typeface="Arial" panose="020B0604020202020204" pitchFamily="34" charset="0"/>
+              <a:buNone/>
+              <a:defRPr sz="1600" kern="1200">
+                <a:solidFill>
+                  <a:schemeClr val="tx1"/>
+                </a:solidFill>
+                <a:latin typeface="+mn-lt"/>
+                <a:ea typeface="+mn-ea"/>
+                <a:cs typeface="+mn-cs"/>
+              </a:defRPr>
+            </a:lvl8pPr>
+            <a:lvl9pPr marL="3657600" indent="0" algn="ctr" defTabSz="914400" rtl="0" eaLnBrk="1" latinLnBrk="0" hangingPunct="1">
+              <a:lnSpc>
+                <a:spcPct val="90000"/>
+              </a:lnSpc>
+              <a:spcBef>
+                <a:spcPts val="500"/>
+              </a:spcBef>
+              <a:buFont typeface="Arial" panose="020B0604020202020204" pitchFamily="34" charset="0"/>
+              <a:buNone/>
+              <a:defRPr sz="1600" kern="1200">
+                <a:solidFill>
+                  <a:schemeClr val="tx1"/>
+                </a:solidFill>
+                <a:latin typeface="+mn-lt"/>
+                <a:ea typeface="+mn-ea"/>
+                <a:cs typeface="+mn-cs"/>
+              </a:defRPr>
+            </a:lvl9pPr>
+          </a:lstStyle>
+          <a:p>
+            <a:pPr algn="l"/>
+            <a:r>
+              <a:rPr lang="fr-FR" dirty="0"/>
+              <a:t>- RGPD</a:t>
+            </a:r>
+          </a:p>
+          <a:p>
+            <a:pPr algn="l"/>
+            <a:endParaRPr lang="en-US" dirty="0"/>
+          </a:p>
+        </p:txBody>
+      </p:sp>
+      <p:sp>
+        <p:nvSpPr>
+          <p:cNvPr id="13" name="Sous-titre 2">
+            <a:extLst>
+              <a:ext uri="{FF2B5EF4-FFF2-40B4-BE49-F238E27FC236}">
+                <a16:creationId xmlns:a16="http://schemas.microsoft.com/office/drawing/2014/main" id="{F30AF87E-AFB2-4E5D-B616-D7A6CDF4E9CC}"/>
+              </a:ext>
+            </a:extLst>
+          </p:cNvPr>
+          <p:cNvSpPr txBox="1">
+            <a:spLocks/>
+          </p:cNvSpPr>
+          <p:nvPr/>
+        </p:nvSpPr>
+        <p:spPr>
+          <a:xfrm>
+            <a:off x="-6054986" y="4335144"/>
+            <a:ext cx="5665695" cy="879768"/>
+          </a:xfrm>
+          <a:prstGeom prst="rect">
+            <a:avLst/>
+          </a:prstGeom>
+        </p:spPr>
+        <p:txBody>
+          <a:bodyPr vert="horz" lIns="91440" tIns="45720" rIns="91440" bIns="45720" rtlCol="0">
+            <a:normAutofit/>
+          </a:bodyPr>
+          <a:lstStyle>
+            <a:lvl1pPr marL="0" indent="0" algn="ctr" defTabSz="914400" rtl="0" eaLnBrk="1" latinLnBrk="0" hangingPunct="1">
+              <a:lnSpc>
+                <a:spcPct val="90000"/>
+              </a:lnSpc>
+              <a:spcBef>
+                <a:spcPts val="1000"/>
+              </a:spcBef>
+              <a:buFont typeface="Arial" panose="020B0604020202020204" pitchFamily="34" charset="0"/>
+              <a:buNone/>
+              <a:defRPr sz="2400" kern="1200">
+                <a:solidFill>
+                  <a:schemeClr val="tx1"/>
+                </a:solidFill>
+                <a:latin typeface="+mn-lt"/>
+                <a:ea typeface="+mn-ea"/>
+                <a:cs typeface="+mn-cs"/>
+              </a:defRPr>
+            </a:lvl1pPr>
+            <a:lvl2pPr marL="457200" indent="0" algn="ctr" defTabSz="914400" rtl="0" eaLnBrk="1" latinLnBrk="0" hangingPunct="1">
+              <a:lnSpc>
+                <a:spcPct val="90000"/>
+              </a:lnSpc>
+              <a:spcBef>
+                <a:spcPts val="500"/>
+              </a:spcBef>
+              <a:buFont typeface="Arial" panose="020B0604020202020204" pitchFamily="34" charset="0"/>
+              <a:buNone/>
+              <a:defRPr sz="2000" kern="1200">
+                <a:solidFill>
+                  <a:schemeClr val="tx1"/>
+                </a:solidFill>
+                <a:latin typeface="+mn-lt"/>
+                <a:ea typeface="+mn-ea"/>
+                <a:cs typeface="+mn-cs"/>
+              </a:defRPr>
+            </a:lvl2pPr>
+            <a:lvl3pPr marL="914400" indent="0" algn="ctr" defTabSz="914400" rtl="0" eaLnBrk="1" latinLnBrk="0" hangingPunct="1">
+              <a:lnSpc>
+                <a:spcPct val="90000"/>
+              </a:lnSpc>
+              <a:spcBef>
+                <a:spcPts val="500"/>
+              </a:spcBef>
+              <a:buFont typeface="Arial" panose="020B0604020202020204" pitchFamily="34" charset="0"/>
+              <a:buNone/>
+              <a:defRPr sz="1800" kern="1200">
+                <a:solidFill>
+                  <a:schemeClr val="tx1"/>
+                </a:solidFill>
+                <a:latin typeface="+mn-lt"/>
+                <a:ea typeface="+mn-ea"/>
+                <a:cs typeface="+mn-cs"/>
+              </a:defRPr>
+            </a:lvl3pPr>
+            <a:lvl4pPr marL="1371600" indent="0" algn="ctr" defTabSz="914400" rtl="0" eaLnBrk="1" latinLnBrk="0" hangingPunct="1">
+              <a:lnSpc>
+                <a:spcPct val="90000"/>
+              </a:lnSpc>
+              <a:spcBef>
+                <a:spcPts val="500"/>
+              </a:spcBef>
+              <a:buFont typeface="Arial" panose="020B0604020202020204" pitchFamily="34" charset="0"/>
+              <a:buNone/>
+              <a:defRPr sz="1600" kern="1200">
+                <a:solidFill>
+                  <a:schemeClr val="tx1"/>
+                </a:solidFill>
+                <a:latin typeface="+mn-lt"/>
+                <a:ea typeface="+mn-ea"/>
+                <a:cs typeface="+mn-cs"/>
+              </a:defRPr>
+            </a:lvl4pPr>
+            <a:lvl5pPr marL="1828800" indent="0" algn="ctr" defTabSz="914400" rtl="0" eaLnBrk="1" latinLnBrk="0" hangingPunct="1">
+              <a:lnSpc>
+                <a:spcPct val="90000"/>
+              </a:lnSpc>
+              <a:spcBef>
+                <a:spcPts val="500"/>
+              </a:spcBef>
+              <a:buFont typeface="Arial" panose="020B0604020202020204" pitchFamily="34" charset="0"/>
+              <a:buNone/>
+              <a:defRPr sz="1600" kern="1200">
+                <a:solidFill>
+                  <a:schemeClr val="tx1"/>
+                </a:solidFill>
+                <a:latin typeface="+mn-lt"/>
+                <a:ea typeface="+mn-ea"/>
+                <a:cs typeface="+mn-cs"/>
+              </a:defRPr>
+            </a:lvl5pPr>
+            <a:lvl6pPr marL="2286000" indent="0" algn="ctr" defTabSz="914400" rtl="0" eaLnBrk="1" latinLnBrk="0" hangingPunct="1">
+              <a:lnSpc>
+                <a:spcPct val="90000"/>
+              </a:lnSpc>
+              <a:spcBef>
+                <a:spcPts val="500"/>
+              </a:spcBef>
+              <a:buFont typeface="Arial" panose="020B0604020202020204" pitchFamily="34" charset="0"/>
+              <a:buNone/>
+              <a:defRPr sz="1600" kern="1200">
+                <a:solidFill>
+                  <a:schemeClr val="tx1"/>
+                </a:solidFill>
+                <a:latin typeface="+mn-lt"/>
+                <a:ea typeface="+mn-ea"/>
+                <a:cs typeface="+mn-cs"/>
+              </a:defRPr>
+            </a:lvl6pPr>
+            <a:lvl7pPr marL="2743200" indent="0" algn="ctr" defTabSz="914400" rtl="0" eaLnBrk="1" latinLnBrk="0" hangingPunct="1">
+              <a:lnSpc>
+                <a:spcPct val="90000"/>
+              </a:lnSpc>
+              <a:spcBef>
+                <a:spcPts val="500"/>
+              </a:spcBef>
+              <a:buFont typeface="Arial" panose="020B0604020202020204" pitchFamily="34" charset="0"/>
+              <a:buNone/>
+              <a:defRPr sz="1600" kern="1200">
+                <a:solidFill>
+                  <a:schemeClr val="tx1"/>
+                </a:solidFill>
+                <a:latin typeface="+mn-lt"/>
+                <a:ea typeface="+mn-ea"/>
+                <a:cs typeface="+mn-cs"/>
+              </a:defRPr>
+            </a:lvl7pPr>
+            <a:lvl8pPr marL="3200400" indent="0" algn="ctr" defTabSz="914400" rtl="0" eaLnBrk="1" latinLnBrk="0" hangingPunct="1">
+              <a:lnSpc>
+                <a:spcPct val="90000"/>
+              </a:lnSpc>
+              <a:spcBef>
+                <a:spcPts val="500"/>
+              </a:spcBef>
+              <a:buFont typeface="Arial" panose="020B0604020202020204" pitchFamily="34" charset="0"/>
+              <a:buNone/>
+              <a:defRPr sz="1600" kern="1200">
+                <a:solidFill>
+                  <a:schemeClr val="tx1"/>
+                </a:solidFill>
+                <a:latin typeface="+mn-lt"/>
+                <a:ea typeface="+mn-ea"/>
+                <a:cs typeface="+mn-cs"/>
+              </a:defRPr>
+            </a:lvl8pPr>
+            <a:lvl9pPr marL="3657600" indent="0" algn="ctr" defTabSz="914400" rtl="0" eaLnBrk="1" latinLnBrk="0" hangingPunct="1">
+              <a:lnSpc>
+                <a:spcPct val="90000"/>
+              </a:lnSpc>
+              <a:spcBef>
+                <a:spcPts val="500"/>
+              </a:spcBef>
+              <a:buFont typeface="Arial" panose="020B0604020202020204" pitchFamily="34" charset="0"/>
+              <a:buNone/>
+              <a:defRPr sz="1600" kern="1200">
+                <a:solidFill>
+                  <a:schemeClr val="tx1"/>
+                </a:solidFill>
+                <a:latin typeface="+mn-lt"/>
+                <a:ea typeface="+mn-ea"/>
+                <a:cs typeface="+mn-cs"/>
+              </a:defRPr>
+            </a:lvl9pPr>
+          </a:lstStyle>
+          <a:p>
+            <a:pPr algn="l"/>
+            <a:r>
+              <a:rPr lang="fr-FR" dirty="0"/>
+              <a:t>- Axes d’amélioration</a:t>
+            </a:r>
+          </a:p>
+          <a:p>
+            <a:pPr algn="l"/>
+            <a:endParaRPr lang="en-US" dirty="0"/>
+          </a:p>
+        </p:txBody>
+      </p:sp>
+      <p:sp>
+        <p:nvSpPr>
+          <p:cNvPr id="15" name="Sous-titre 2">
+            <a:extLst>
+              <a:ext uri="{FF2B5EF4-FFF2-40B4-BE49-F238E27FC236}">
+                <a16:creationId xmlns:a16="http://schemas.microsoft.com/office/drawing/2014/main" id="{EFDBB90E-22B2-4566-AD88-A4B703FD9AD9}"/>
+              </a:ext>
+            </a:extLst>
+          </p:cNvPr>
+          <p:cNvSpPr txBox="1">
+            <a:spLocks/>
+          </p:cNvSpPr>
+          <p:nvPr/>
+        </p:nvSpPr>
+        <p:spPr>
+          <a:xfrm>
+            <a:off x="-6571537" y="2270849"/>
+            <a:ext cx="5665695" cy="879768"/>
+          </a:xfrm>
+          <a:prstGeom prst="rect">
+            <a:avLst/>
+          </a:prstGeom>
+        </p:spPr>
+        <p:txBody>
+          <a:bodyPr vert="horz" lIns="91440" tIns="45720" rIns="91440" bIns="45720" rtlCol="0">
+            <a:normAutofit/>
+          </a:bodyPr>
+          <a:lstStyle>
+            <a:lvl1pPr marL="0" indent="0" algn="ctr" defTabSz="914400" rtl="0" eaLnBrk="1" latinLnBrk="0" hangingPunct="1">
+              <a:lnSpc>
+                <a:spcPct val="90000"/>
+              </a:lnSpc>
+              <a:spcBef>
+                <a:spcPts val="1000"/>
+              </a:spcBef>
+              <a:buFont typeface="Arial" panose="020B0604020202020204" pitchFamily="34" charset="0"/>
+              <a:buNone/>
+              <a:defRPr sz="2400" kern="1200">
+                <a:solidFill>
+                  <a:schemeClr val="tx1"/>
+                </a:solidFill>
+                <a:latin typeface="+mn-lt"/>
+                <a:ea typeface="+mn-ea"/>
+                <a:cs typeface="+mn-cs"/>
+              </a:defRPr>
+            </a:lvl1pPr>
+            <a:lvl2pPr marL="457200" indent="0" algn="ctr" defTabSz="914400" rtl="0" eaLnBrk="1" latinLnBrk="0" hangingPunct="1">
+              <a:lnSpc>
+                <a:spcPct val="90000"/>
+              </a:lnSpc>
+              <a:spcBef>
+                <a:spcPts val="500"/>
+              </a:spcBef>
+              <a:buFont typeface="Arial" panose="020B0604020202020204" pitchFamily="34" charset="0"/>
+              <a:buNone/>
+              <a:defRPr sz="2000" kern="1200">
+                <a:solidFill>
+                  <a:schemeClr val="tx1"/>
+                </a:solidFill>
+                <a:latin typeface="+mn-lt"/>
+                <a:ea typeface="+mn-ea"/>
+                <a:cs typeface="+mn-cs"/>
+              </a:defRPr>
+            </a:lvl2pPr>
+            <a:lvl3pPr marL="914400" indent="0" algn="ctr" defTabSz="914400" rtl="0" eaLnBrk="1" latinLnBrk="0" hangingPunct="1">
+              <a:lnSpc>
+                <a:spcPct val="90000"/>
+              </a:lnSpc>
+              <a:spcBef>
+                <a:spcPts val="500"/>
+              </a:spcBef>
+              <a:buFont typeface="Arial" panose="020B0604020202020204" pitchFamily="34" charset="0"/>
+              <a:buNone/>
+              <a:defRPr sz="1800" kern="1200">
+                <a:solidFill>
+                  <a:schemeClr val="tx1"/>
+                </a:solidFill>
+                <a:latin typeface="+mn-lt"/>
+                <a:ea typeface="+mn-ea"/>
+                <a:cs typeface="+mn-cs"/>
+              </a:defRPr>
+            </a:lvl3pPr>
+            <a:lvl4pPr marL="1371600" indent="0" algn="ctr" defTabSz="914400" rtl="0" eaLnBrk="1" latinLnBrk="0" hangingPunct="1">
+              <a:lnSpc>
+                <a:spcPct val="90000"/>
+              </a:lnSpc>
+              <a:spcBef>
+                <a:spcPts val="500"/>
+              </a:spcBef>
+              <a:buFont typeface="Arial" panose="020B0604020202020204" pitchFamily="34" charset="0"/>
+              <a:buNone/>
+              <a:defRPr sz="1600" kern="1200">
+                <a:solidFill>
+                  <a:schemeClr val="tx1"/>
+                </a:solidFill>
+                <a:latin typeface="+mn-lt"/>
+                <a:ea typeface="+mn-ea"/>
+                <a:cs typeface="+mn-cs"/>
+              </a:defRPr>
+            </a:lvl4pPr>
+            <a:lvl5pPr marL="1828800" indent="0" algn="ctr" defTabSz="914400" rtl="0" eaLnBrk="1" latinLnBrk="0" hangingPunct="1">
+              <a:lnSpc>
+                <a:spcPct val="90000"/>
+              </a:lnSpc>
+              <a:spcBef>
+                <a:spcPts val="500"/>
+              </a:spcBef>
+              <a:buFont typeface="Arial" panose="020B0604020202020204" pitchFamily="34" charset="0"/>
+              <a:buNone/>
+              <a:defRPr sz="1600" kern="1200">
+                <a:solidFill>
+                  <a:schemeClr val="tx1"/>
+                </a:solidFill>
+                <a:latin typeface="+mn-lt"/>
+                <a:ea typeface="+mn-ea"/>
+                <a:cs typeface="+mn-cs"/>
+              </a:defRPr>
+            </a:lvl5pPr>
+            <a:lvl6pPr marL="2286000" indent="0" algn="ctr" defTabSz="914400" rtl="0" eaLnBrk="1" latinLnBrk="0" hangingPunct="1">
+              <a:lnSpc>
+                <a:spcPct val="90000"/>
+              </a:lnSpc>
+              <a:spcBef>
+                <a:spcPts val="500"/>
+              </a:spcBef>
+              <a:buFont typeface="Arial" panose="020B0604020202020204" pitchFamily="34" charset="0"/>
+              <a:buNone/>
+              <a:defRPr sz="1600" kern="1200">
+                <a:solidFill>
+                  <a:schemeClr val="tx1"/>
+                </a:solidFill>
+                <a:latin typeface="+mn-lt"/>
+                <a:ea typeface="+mn-ea"/>
+                <a:cs typeface="+mn-cs"/>
+              </a:defRPr>
+            </a:lvl6pPr>
+            <a:lvl7pPr marL="2743200" indent="0" algn="ctr" defTabSz="914400" rtl="0" eaLnBrk="1" latinLnBrk="0" hangingPunct="1">
+              <a:lnSpc>
+                <a:spcPct val="90000"/>
+              </a:lnSpc>
+              <a:spcBef>
+                <a:spcPts val="500"/>
+              </a:spcBef>
+              <a:buFont typeface="Arial" panose="020B0604020202020204" pitchFamily="34" charset="0"/>
+              <a:buNone/>
+              <a:defRPr sz="1600" kern="1200">
+                <a:solidFill>
+                  <a:schemeClr val="tx1"/>
+                </a:solidFill>
+                <a:latin typeface="+mn-lt"/>
+                <a:ea typeface="+mn-ea"/>
+                <a:cs typeface="+mn-cs"/>
+              </a:defRPr>
+            </a:lvl7pPr>
+            <a:lvl8pPr marL="3200400" indent="0" algn="ctr" defTabSz="914400" rtl="0" eaLnBrk="1" latinLnBrk="0" hangingPunct="1">
+              <a:lnSpc>
+                <a:spcPct val="90000"/>
+              </a:lnSpc>
+              <a:spcBef>
+                <a:spcPts val="500"/>
+              </a:spcBef>
+              <a:buFont typeface="Arial" panose="020B0604020202020204" pitchFamily="34" charset="0"/>
+              <a:buNone/>
+              <a:defRPr sz="1600" kern="1200">
+                <a:solidFill>
+                  <a:schemeClr val="tx1"/>
+                </a:solidFill>
+                <a:latin typeface="+mn-lt"/>
+                <a:ea typeface="+mn-ea"/>
+                <a:cs typeface="+mn-cs"/>
+              </a:defRPr>
+            </a:lvl8pPr>
+            <a:lvl9pPr marL="3657600" indent="0" algn="ctr" defTabSz="914400" rtl="0" eaLnBrk="1" latinLnBrk="0" hangingPunct="1">
+              <a:lnSpc>
+                <a:spcPct val="90000"/>
+              </a:lnSpc>
+              <a:spcBef>
+                <a:spcPts val="500"/>
+              </a:spcBef>
+              <a:buFont typeface="Arial" panose="020B0604020202020204" pitchFamily="34" charset="0"/>
+              <a:buNone/>
+              <a:defRPr sz="1600" kern="1200">
+                <a:solidFill>
+                  <a:schemeClr val="tx1"/>
+                </a:solidFill>
+                <a:latin typeface="+mn-lt"/>
+                <a:ea typeface="+mn-ea"/>
+                <a:cs typeface="+mn-cs"/>
+              </a:defRPr>
+            </a:lvl9pPr>
+          </a:lstStyle>
+          <a:p>
+            <a:pPr algn="l"/>
+            <a:r>
+              <a:rPr lang="fr-FR" dirty="0"/>
+              <a:t>- Conception et développement</a:t>
+            </a:r>
+          </a:p>
+          <a:p>
+            <a:pPr algn="l"/>
+            <a:endParaRPr lang="en-US" dirty="0"/>
+          </a:p>
+        </p:txBody>
+      </p:sp>
+      <p:pic>
+        <p:nvPicPr>
+          <p:cNvPr id="3" name="Image 2">
+            <a:extLst>
+              <a:ext uri="{FF2B5EF4-FFF2-40B4-BE49-F238E27FC236}">
+                <a16:creationId xmlns:a16="http://schemas.microsoft.com/office/drawing/2014/main" id="{CE6FA541-C87C-4BCF-B11E-DF8777BB291F}"/>
+              </a:ext>
+            </a:extLst>
+          </p:cNvPr>
+          <p:cNvPicPr>
+            <a:picLocks noChangeAspect="1"/>
+          </p:cNvPicPr>
+          <p:nvPr/>
+        </p:nvPicPr>
+        <p:blipFill>
+          <a:blip r:embed="rId4">
+            <a:extLst>
+              <a:ext uri="{28A0092B-C50C-407E-A947-70E740481C1C}">
+                <a14:useLocalDpi xmlns:a14="http://schemas.microsoft.com/office/drawing/2010/main" val="0"/>
+              </a:ext>
+            </a:extLst>
+          </a:blip>
+          <a:stretch>
+            <a:fillRect/>
+          </a:stretch>
+        </p:blipFill>
+        <p:spPr>
+          <a:xfrm>
+            <a:off x="413464" y="7847962"/>
+            <a:ext cx="11005775" cy="3814762"/>
+          </a:xfrm>
+          <a:prstGeom prst="rect">
+            <a:avLst/>
+          </a:prstGeom>
+        </p:spPr>
+      </p:pic>
+      <p:sp>
+        <p:nvSpPr>
+          <p:cNvPr id="21" name="Sous-titre 2">
+            <a:extLst>
+              <a:ext uri="{FF2B5EF4-FFF2-40B4-BE49-F238E27FC236}">
+                <a16:creationId xmlns:a16="http://schemas.microsoft.com/office/drawing/2014/main" id="{2C9799C8-D113-43FD-AF8B-BA8564279E93}"/>
+              </a:ext>
+            </a:extLst>
+          </p:cNvPr>
+          <p:cNvSpPr txBox="1">
+            <a:spLocks/>
+          </p:cNvSpPr>
+          <p:nvPr/>
+        </p:nvSpPr>
+        <p:spPr>
+          <a:xfrm>
+            <a:off x="-5906951" y="3539922"/>
+            <a:ext cx="5665695" cy="879768"/>
+          </a:xfrm>
+          <a:prstGeom prst="rect">
+            <a:avLst/>
+          </a:prstGeom>
+        </p:spPr>
+        <p:txBody>
+          <a:bodyPr vert="horz" lIns="91440" tIns="45720" rIns="91440" bIns="45720" rtlCol="0">
+            <a:normAutofit/>
+          </a:bodyPr>
+          <a:lstStyle>
+            <a:lvl1pPr marL="0" indent="0" algn="ctr" defTabSz="914400" rtl="0" eaLnBrk="1" latinLnBrk="0" hangingPunct="1">
+              <a:lnSpc>
+                <a:spcPct val="90000"/>
+              </a:lnSpc>
+              <a:spcBef>
+                <a:spcPts val="1000"/>
+              </a:spcBef>
+              <a:buFont typeface="Arial" panose="020B0604020202020204" pitchFamily="34" charset="0"/>
+              <a:buNone/>
+              <a:defRPr sz="2400" kern="1200">
+                <a:solidFill>
+                  <a:schemeClr val="tx1"/>
+                </a:solidFill>
+                <a:latin typeface="+mn-lt"/>
+                <a:ea typeface="+mn-ea"/>
+                <a:cs typeface="+mn-cs"/>
+              </a:defRPr>
+            </a:lvl1pPr>
+            <a:lvl2pPr marL="457200" indent="0" algn="ctr" defTabSz="914400" rtl="0" eaLnBrk="1" latinLnBrk="0" hangingPunct="1">
+              <a:lnSpc>
+                <a:spcPct val="90000"/>
+              </a:lnSpc>
+              <a:spcBef>
+                <a:spcPts val="500"/>
+              </a:spcBef>
+              <a:buFont typeface="Arial" panose="020B0604020202020204" pitchFamily="34" charset="0"/>
+              <a:buNone/>
+              <a:defRPr sz="2000" kern="1200">
+                <a:solidFill>
+                  <a:schemeClr val="tx1"/>
+                </a:solidFill>
+                <a:latin typeface="+mn-lt"/>
+                <a:ea typeface="+mn-ea"/>
+                <a:cs typeface="+mn-cs"/>
+              </a:defRPr>
+            </a:lvl2pPr>
+            <a:lvl3pPr marL="914400" indent="0" algn="ctr" defTabSz="914400" rtl="0" eaLnBrk="1" latinLnBrk="0" hangingPunct="1">
+              <a:lnSpc>
+                <a:spcPct val="90000"/>
+              </a:lnSpc>
+              <a:spcBef>
+                <a:spcPts val="500"/>
+              </a:spcBef>
+              <a:buFont typeface="Arial" panose="020B0604020202020204" pitchFamily="34" charset="0"/>
+              <a:buNone/>
+              <a:defRPr sz="1800" kern="1200">
+                <a:solidFill>
+                  <a:schemeClr val="tx1"/>
+                </a:solidFill>
+                <a:latin typeface="+mn-lt"/>
+                <a:ea typeface="+mn-ea"/>
+                <a:cs typeface="+mn-cs"/>
+              </a:defRPr>
+            </a:lvl3pPr>
+            <a:lvl4pPr marL="1371600" indent="0" algn="ctr" defTabSz="914400" rtl="0" eaLnBrk="1" latinLnBrk="0" hangingPunct="1">
+              <a:lnSpc>
+                <a:spcPct val="90000"/>
+              </a:lnSpc>
+              <a:spcBef>
+                <a:spcPts val="500"/>
+              </a:spcBef>
+              <a:buFont typeface="Arial" panose="020B0604020202020204" pitchFamily="34" charset="0"/>
+              <a:buNone/>
+              <a:defRPr sz="1600" kern="1200">
+                <a:solidFill>
+                  <a:schemeClr val="tx1"/>
+                </a:solidFill>
+                <a:latin typeface="+mn-lt"/>
+                <a:ea typeface="+mn-ea"/>
+                <a:cs typeface="+mn-cs"/>
+              </a:defRPr>
+            </a:lvl4pPr>
+            <a:lvl5pPr marL="1828800" indent="0" algn="ctr" defTabSz="914400" rtl="0" eaLnBrk="1" latinLnBrk="0" hangingPunct="1">
+              <a:lnSpc>
+                <a:spcPct val="90000"/>
+              </a:lnSpc>
+              <a:spcBef>
+                <a:spcPts val="500"/>
+              </a:spcBef>
+              <a:buFont typeface="Arial" panose="020B0604020202020204" pitchFamily="34" charset="0"/>
+              <a:buNone/>
+              <a:defRPr sz="1600" kern="1200">
+                <a:solidFill>
+                  <a:schemeClr val="tx1"/>
+                </a:solidFill>
+                <a:latin typeface="+mn-lt"/>
+                <a:ea typeface="+mn-ea"/>
+                <a:cs typeface="+mn-cs"/>
+              </a:defRPr>
+            </a:lvl5pPr>
+            <a:lvl6pPr marL="2286000" indent="0" algn="ctr" defTabSz="914400" rtl="0" eaLnBrk="1" latinLnBrk="0" hangingPunct="1">
+              <a:lnSpc>
+                <a:spcPct val="90000"/>
+              </a:lnSpc>
+              <a:spcBef>
+                <a:spcPts val="500"/>
+              </a:spcBef>
+              <a:buFont typeface="Arial" panose="020B0604020202020204" pitchFamily="34" charset="0"/>
+              <a:buNone/>
+              <a:defRPr sz="1600" kern="1200">
+                <a:solidFill>
+                  <a:schemeClr val="tx1"/>
+                </a:solidFill>
+                <a:latin typeface="+mn-lt"/>
+                <a:ea typeface="+mn-ea"/>
+                <a:cs typeface="+mn-cs"/>
+              </a:defRPr>
+            </a:lvl6pPr>
+            <a:lvl7pPr marL="2743200" indent="0" algn="ctr" defTabSz="914400" rtl="0" eaLnBrk="1" latinLnBrk="0" hangingPunct="1">
+              <a:lnSpc>
+                <a:spcPct val="90000"/>
+              </a:lnSpc>
+              <a:spcBef>
+                <a:spcPts val="500"/>
+              </a:spcBef>
+              <a:buFont typeface="Arial" panose="020B0604020202020204" pitchFamily="34" charset="0"/>
+              <a:buNone/>
+              <a:defRPr sz="1600" kern="1200">
+                <a:solidFill>
+                  <a:schemeClr val="tx1"/>
+                </a:solidFill>
+                <a:latin typeface="+mn-lt"/>
+                <a:ea typeface="+mn-ea"/>
+                <a:cs typeface="+mn-cs"/>
+              </a:defRPr>
+            </a:lvl7pPr>
+            <a:lvl8pPr marL="3200400" indent="0" algn="ctr" defTabSz="914400" rtl="0" eaLnBrk="1" latinLnBrk="0" hangingPunct="1">
+              <a:lnSpc>
+                <a:spcPct val="90000"/>
+              </a:lnSpc>
+              <a:spcBef>
+                <a:spcPts val="500"/>
+              </a:spcBef>
+              <a:buFont typeface="Arial" panose="020B0604020202020204" pitchFamily="34" charset="0"/>
+              <a:buNone/>
+              <a:defRPr sz="1600" kern="1200">
+                <a:solidFill>
+                  <a:schemeClr val="tx1"/>
+                </a:solidFill>
+                <a:latin typeface="+mn-lt"/>
+                <a:ea typeface="+mn-ea"/>
+                <a:cs typeface="+mn-cs"/>
+              </a:defRPr>
+            </a:lvl8pPr>
+            <a:lvl9pPr marL="3657600" indent="0" algn="ctr" defTabSz="914400" rtl="0" eaLnBrk="1" latinLnBrk="0" hangingPunct="1">
+              <a:lnSpc>
+                <a:spcPct val="90000"/>
+              </a:lnSpc>
+              <a:spcBef>
+                <a:spcPts val="500"/>
+              </a:spcBef>
+              <a:buFont typeface="Arial" panose="020B0604020202020204" pitchFamily="34" charset="0"/>
+              <a:buNone/>
+              <a:defRPr sz="1600" kern="1200">
+                <a:solidFill>
+                  <a:schemeClr val="tx1"/>
+                </a:solidFill>
+                <a:latin typeface="+mn-lt"/>
+                <a:ea typeface="+mn-ea"/>
+                <a:cs typeface="+mn-cs"/>
+              </a:defRPr>
+            </a:lvl9pPr>
+          </a:lstStyle>
+          <a:p>
+            <a:pPr algn="l"/>
+            <a:r>
+              <a:rPr lang="fr-FR" dirty="0"/>
+              <a:t>- Sécurités</a:t>
+            </a:r>
+          </a:p>
+          <a:p>
+            <a:pPr algn="l"/>
+            <a:endParaRPr lang="en-US" dirty="0"/>
+          </a:p>
+        </p:txBody>
+      </p:sp>
+      <p:sp>
+        <p:nvSpPr>
+          <p:cNvPr id="4" name="ZoneTexte 3">
+            <a:extLst>
+              <a:ext uri="{FF2B5EF4-FFF2-40B4-BE49-F238E27FC236}">
+                <a16:creationId xmlns:a16="http://schemas.microsoft.com/office/drawing/2014/main" id="{8670A5DC-89D4-4E00-B292-4C157F928AC6}"/>
+              </a:ext>
+            </a:extLst>
+          </p:cNvPr>
+          <p:cNvSpPr txBox="1"/>
+          <p:nvPr/>
+        </p:nvSpPr>
+        <p:spPr>
+          <a:xfrm>
+            <a:off x="637580" y="1586022"/>
+            <a:ext cx="3321233" cy="461665"/>
+          </a:xfrm>
+          <a:prstGeom prst="rect">
+            <a:avLst/>
+          </a:prstGeom>
+          <a:noFill/>
+        </p:spPr>
+        <p:txBody>
+          <a:bodyPr wrap="square" rtlCol="0">
+            <a:spAutoFit/>
+          </a:bodyPr>
+          <a:lstStyle/>
+          <a:p>
+            <a:r>
+              <a:rPr lang="fr-FR" sz="2400" dirty="0">
+                <a:solidFill>
+                  <a:schemeClr val="tx1">
+                    <a:lumMod val="50000"/>
+                    <a:lumOff val="50000"/>
+                  </a:schemeClr>
+                </a:solidFill>
+              </a:rPr>
+              <a:t>Espace Utilisateur</a:t>
+            </a:r>
+          </a:p>
+        </p:txBody>
+      </p:sp>
+      <p:sp>
+        <p:nvSpPr>
+          <p:cNvPr id="23" name="ZoneTexte 22">
+            <a:extLst>
+              <a:ext uri="{FF2B5EF4-FFF2-40B4-BE49-F238E27FC236}">
+                <a16:creationId xmlns:a16="http://schemas.microsoft.com/office/drawing/2014/main" id="{4B28D6C7-16B0-47A1-B4A1-662C3D8DEDA3}"/>
+              </a:ext>
+            </a:extLst>
+          </p:cNvPr>
+          <p:cNvSpPr txBox="1"/>
+          <p:nvPr/>
+        </p:nvSpPr>
+        <p:spPr>
+          <a:xfrm>
+            <a:off x="637580" y="2179647"/>
+            <a:ext cx="5322156" cy="461665"/>
+          </a:xfrm>
+          <a:prstGeom prst="rect">
+            <a:avLst/>
+          </a:prstGeom>
+          <a:noFill/>
+        </p:spPr>
+        <p:txBody>
+          <a:bodyPr wrap="square" rtlCol="0">
+            <a:spAutoFit/>
+          </a:bodyPr>
+          <a:lstStyle/>
+          <a:p>
+            <a:r>
+              <a:rPr lang="fr-FR" sz="2400" dirty="0">
+                <a:solidFill>
+                  <a:schemeClr val="tx1">
+                    <a:lumMod val="50000"/>
+                    <a:lumOff val="50000"/>
+                  </a:schemeClr>
+                </a:solidFill>
+              </a:rPr>
+              <a:t>Gestion des créneaux et réservations</a:t>
+            </a:r>
+          </a:p>
+        </p:txBody>
+      </p:sp>
+      <p:sp>
+        <p:nvSpPr>
+          <p:cNvPr id="25" name="ZoneTexte 24">
+            <a:extLst>
+              <a:ext uri="{FF2B5EF4-FFF2-40B4-BE49-F238E27FC236}">
+                <a16:creationId xmlns:a16="http://schemas.microsoft.com/office/drawing/2014/main" id="{110F3B53-F910-446A-A127-63B0F65A7C6A}"/>
+              </a:ext>
+            </a:extLst>
+          </p:cNvPr>
+          <p:cNvSpPr txBox="1"/>
+          <p:nvPr/>
+        </p:nvSpPr>
+        <p:spPr>
+          <a:xfrm>
+            <a:off x="637580" y="2773272"/>
+            <a:ext cx="5322156" cy="461665"/>
+          </a:xfrm>
+          <a:prstGeom prst="rect">
+            <a:avLst/>
+          </a:prstGeom>
+          <a:noFill/>
+        </p:spPr>
+        <p:txBody>
+          <a:bodyPr wrap="square" rtlCol="0">
+            <a:spAutoFit/>
+          </a:bodyPr>
+          <a:lstStyle/>
+          <a:p>
+            <a:r>
+              <a:rPr lang="fr-FR" sz="2400" dirty="0">
+                <a:solidFill>
+                  <a:schemeClr val="tx1">
+                    <a:lumMod val="50000"/>
+                    <a:lumOff val="50000"/>
+                  </a:schemeClr>
+                </a:solidFill>
+              </a:rPr>
+              <a:t>Consultations</a:t>
+            </a:r>
+          </a:p>
+        </p:txBody>
+      </p:sp>
+      <p:sp>
+        <p:nvSpPr>
+          <p:cNvPr id="27" name="ZoneTexte 26">
+            <a:extLst>
+              <a:ext uri="{FF2B5EF4-FFF2-40B4-BE49-F238E27FC236}">
+                <a16:creationId xmlns:a16="http://schemas.microsoft.com/office/drawing/2014/main" id="{298E48E5-0632-4A78-8681-E8FFE4A29493}"/>
+              </a:ext>
+            </a:extLst>
+          </p:cNvPr>
+          <p:cNvSpPr txBox="1"/>
+          <p:nvPr/>
+        </p:nvSpPr>
+        <p:spPr>
+          <a:xfrm>
+            <a:off x="637580" y="4180390"/>
+            <a:ext cx="5322156" cy="461665"/>
+          </a:xfrm>
+          <a:prstGeom prst="rect">
+            <a:avLst/>
+          </a:prstGeom>
+          <a:noFill/>
+        </p:spPr>
+        <p:txBody>
+          <a:bodyPr wrap="square" rtlCol="0">
+            <a:spAutoFit/>
+          </a:bodyPr>
+          <a:lstStyle/>
+          <a:p>
+            <a:r>
+              <a:rPr lang="fr-FR" sz="2400" dirty="0">
+                <a:solidFill>
+                  <a:schemeClr val="tx1">
+                    <a:lumMod val="50000"/>
+                    <a:lumOff val="50000"/>
+                  </a:schemeClr>
+                </a:solidFill>
+              </a:rPr>
+              <a:t>Payments en ligne</a:t>
+            </a:r>
+          </a:p>
+        </p:txBody>
+      </p:sp>
+      <p:sp>
+        <p:nvSpPr>
+          <p:cNvPr id="28" name="ZoneTexte 27">
+            <a:extLst>
+              <a:ext uri="{FF2B5EF4-FFF2-40B4-BE49-F238E27FC236}">
+                <a16:creationId xmlns:a16="http://schemas.microsoft.com/office/drawing/2014/main" id="{2316AB88-E6D9-4726-9466-0A7FD029A82E}"/>
+              </a:ext>
+            </a:extLst>
+          </p:cNvPr>
+          <p:cNvSpPr txBox="1"/>
+          <p:nvPr/>
+        </p:nvSpPr>
+        <p:spPr>
+          <a:xfrm>
+            <a:off x="637580" y="4733047"/>
+            <a:ext cx="5322156" cy="461665"/>
+          </a:xfrm>
+          <a:prstGeom prst="rect">
+            <a:avLst/>
+          </a:prstGeom>
+          <a:noFill/>
+        </p:spPr>
+        <p:txBody>
+          <a:bodyPr wrap="square" rtlCol="0">
+            <a:spAutoFit/>
+          </a:bodyPr>
+          <a:lstStyle/>
+          <a:p>
+            <a:r>
+              <a:rPr lang="fr-FR" sz="2400" dirty="0">
+                <a:solidFill>
+                  <a:schemeClr val="tx1">
+                    <a:lumMod val="50000"/>
+                    <a:lumOff val="50000"/>
+                  </a:schemeClr>
+                </a:solidFill>
+              </a:rPr>
+              <a:t>Facturation</a:t>
+            </a:r>
+          </a:p>
+        </p:txBody>
+      </p:sp>
+      <p:sp>
+        <p:nvSpPr>
+          <p:cNvPr id="29" name="ZoneTexte 28">
+            <a:extLst>
+              <a:ext uri="{FF2B5EF4-FFF2-40B4-BE49-F238E27FC236}">
+                <a16:creationId xmlns:a16="http://schemas.microsoft.com/office/drawing/2014/main" id="{5300C794-8DD2-47E3-BEB8-11187B5897BA}"/>
+              </a:ext>
+            </a:extLst>
+          </p:cNvPr>
+          <p:cNvSpPr txBox="1"/>
+          <p:nvPr/>
+        </p:nvSpPr>
+        <p:spPr>
+          <a:xfrm>
+            <a:off x="637580" y="5271978"/>
+            <a:ext cx="5322156" cy="461665"/>
+          </a:xfrm>
+          <a:prstGeom prst="rect">
+            <a:avLst/>
+          </a:prstGeom>
+          <a:noFill/>
+        </p:spPr>
+        <p:txBody>
+          <a:bodyPr wrap="square" rtlCol="0">
+            <a:spAutoFit/>
+          </a:bodyPr>
+          <a:lstStyle/>
+          <a:p>
+            <a:r>
+              <a:rPr lang="fr-FR" sz="2400" dirty="0">
+                <a:solidFill>
+                  <a:schemeClr val="tx1">
+                    <a:lumMod val="50000"/>
+                    <a:lumOff val="50000"/>
+                  </a:schemeClr>
+                </a:solidFill>
+              </a:rPr>
+              <a:t>Contact</a:t>
+            </a:r>
+          </a:p>
+        </p:txBody>
+      </p:sp>
+      <p:sp>
+        <p:nvSpPr>
+          <p:cNvPr id="30" name="ZoneTexte 29">
+            <a:extLst>
+              <a:ext uri="{FF2B5EF4-FFF2-40B4-BE49-F238E27FC236}">
+                <a16:creationId xmlns:a16="http://schemas.microsoft.com/office/drawing/2014/main" id="{9DF88A1C-965F-45AB-8577-B09356CF8DD7}"/>
+              </a:ext>
+            </a:extLst>
+          </p:cNvPr>
+          <p:cNvSpPr txBox="1"/>
+          <p:nvPr/>
+        </p:nvSpPr>
+        <p:spPr>
+          <a:xfrm>
+            <a:off x="637580" y="3465532"/>
+            <a:ext cx="5322156" cy="461665"/>
+          </a:xfrm>
+          <a:prstGeom prst="rect">
+            <a:avLst/>
+          </a:prstGeom>
+          <a:noFill/>
+        </p:spPr>
+        <p:txBody>
+          <a:bodyPr wrap="square" rtlCol="0">
+            <a:spAutoFit/>
+          </a:bodyPr>
+          <a:lstStyle/>
+          <a:p>
+            <a:r>
+              <a:rPr lang="fr-FR" sz="2400" dirty="0">
+                <a:solidFill>
+                  <a:schemeClr val="tx1">
+                    <a:lumMod val="50000"/>
+                    <a:lumOff val="50000"/>
+                  </a:schemeClr>
+                </a:solidFill>
+              </a:rPr>
+              <a:t>Suivi</a:t>
+            </a:r>
+          </a:p>
+        </p:txBody>
+      </p:sp>
+    </p:spTree>
+    <p:extLst>
+      <p:ext uri="{BB962C8B-B14F-4D97-AF65-F5344CB8AC3E}">
+        <p14:creationId xmlns:p14="http://schemas.microsoft.com/office/powerpoint/2010/main" val="2430561531"/>
       </p:ext>
     </p:extLst>
   </p:cSld>
